--- a/presentation/Presentation.pptx
+++ b/presentation/Presentation.pptx
@@ -5,7 +5,7 @@
     <p:sldMasterId id="2147483648" r:id="rId1"/>
   </p:sldMasterIdLst>
   <p:notesMasterIdLst>
-    <p:notesMasterId r:id="rId12"/>
+    <p:notesMasterId r:id="rId18"/>
   </p:notesMasterIdLst>
   <p:sldIdLst>
     <p:sldId id="661" r:id="rId2"/>
@@ -17,7 +17,13 @@
     <p:sldId id="684" r:id="rId8"/>
     <p:sldId id="686" r:id="rId9"/>
     <p:sldId id="685" r:id="rId10"/>
-    <p:sldId id="649" r:id="rId11"/>
+    <p:sldId id="687" r:id="rId11"/>
+    <p:sldId id="688" r:id="rId12"/>
+    <p:sldId id="689" r:id="rId13"/>
+    <p:sldId id="690" r:id="rId14"/>
+    <p:sldId id="691" r:id="rId15"/>
+    <p:sldId id="692" r:id="rId16"/>
+    <p:sldId id="649" r:id="rId17"/>
   </p:sldIdLst>
   <p:sldSz cx="12192000" cy="6858000"/>
   <p:notesSz cx="6858000" cy="9144000"/>
@@ -209,7 +215,7 @@
           <a:p>
             <a:fld id="{4418BC56-3618-EA40-8D12-BA7425E1E898}" type="datetimeFigureOut">
               <a:rPr lang="fr-FR" smtClean="0"/>
-              <a:t>23/06/2020</a:t>
+              <a:t>26/06/2020</a:t>
             </a:fld>
             <a:endParaRPr lang="fr-FR"/>
           </a:p>
@@ -552,6 +558,258 @@
     <p:extLst>
       <p:ext uri="{BB962C8B-B14F-4D97-AF65-F5344CB8AC3E}">
         <p14:creationId xmlns:p14="http://schemas.microsoft.com/office/powerpoint/2010/main" val="2795722553"/>
+      </p:ext>
+    </p:extLst>
+  </p:cSld>
+  <p:clrMapOvr>
+    <a:masterClrMapping/>
+  </p:clrMapOvr>
+</p:notes>
+</file>
+
+<file path=ppt/notesSlides/notesSlide10.xml><?xml version="1.0" encoding="utf-8"?>
+<p:notes xmlns:a="http://schemas.openxmlformats.org/drawingml/2006/main" xmlns:r="http://schemas.openxmlformats.org/officeDocument/2006/relationships" xmlns:p="http://schemas.openxmlformats.org/presentationml/2006/main">
+  <p:cSld>
+    <p:spTree>
+      <p:nvGrpSpPr>
+        <p:cNvPr id="1" name=""/>
+        <p:cNvGrpSpPr/>
+        <p:nvPr/>
+      </p:nvGrpSpPr>
+      <p:grpSpPr>
+        <a:xfrm>
+          <a:off x="0" y="0"/>
+          <a:ext cx="0" cy="0"/>
+          <a:chOff x="0" y="0"/>
+          <a:chExt cx="0" cy="0"/>
+        </a:xfrm>
+      </p:grpSpPr>
+      <p:sp>
+        <p:nvSpPr>
+          <p:cNvPr id="2" name="Slide Image Placeholder 1"/>
+          <p:cNvSpPr>
+            <a:spLocks noGrp="1" noRot="1" noChangeAspect="1"/>
+          </p:cNvSpPr>
+          <p:nvPr>
+            <p:ph type="sldImg"/>
+          </p:nvPr>
+        </p:nvSpPr>
+        <p:spPr/>
+      </p:sp>
+      <p:sp>
+        <p:nvSpPr>
+          <p:cNvPr id="3" name="Notes Placeholder 2"/>
+          <p:cNvSpPr>
+            <a:spLocks noGrp="1"/>
+          </p:cNvSpPr>
+          <p:nvPr>
+            <p:ph type="body" idx="1"/>
+          </p:nvPr>
+        </p:nvSpPr>
+        <p:spPr/>
+        <p:txBody>
+          <a:bodyPr/>
+          <a:lstStyle/>
+          <a:p>
+            <a:endParaRPr lang="fr-FR"/>
+          </a:p>
+        </p:txBody>
+      </p:sp>
+      <p:sp>
+        <p:nvSpPr>
+          <p:cNvPr id="4" name="Slide Number Placeholder 3"/>
+          <p:cNvSpPr>
+            <a:spLocks noGrp="1"/>
+          </p:cNvSpPr>
+          <p:nvPr>
+            <p:ph type="sldNum" sz="quarter" idx="5"/>
+          </p:nvPr>
+        </p:nvSpPr>
+        <p:spPr/>
+        <p:txBody>
+          <a:bodyPr/>
+          <a:lstStyle/>
+          <a:p>
+            <a:fld id="{3FA53CE0-2B5E-0C4E-BE54-A9ADE26C25E3}" type="slidenum">
+              <a:rPr lang="fr-FR" smtClean="0"/>
+              <a:t>13</a:t>
+            </a:fld>
+            <a:endParaRPr lang="fr-FR"/>
+          </a:p>
+        </p:txBody>
+      </p:sp>
+    </p:spTree>
+    <p:extLst>
+      <p:ext uri="{BB962C8B-B14F-4D97-AF65-F5344CB8AC3E}">
+        <p14:creationId xmlns:p14="http://schemas.microsoft.com/office/powerpoint/2010/main" val="1051605581"/>
+      </p:ext>
+    </p:extLst>
+  </p:cSld>
+  <p:clrMapOvr>
+    <a:masterClrMapping/>
+  </p:clrMapOvr>
+</p:notes>
+</file>
+
+<file path=ppt/notesSlides/notesSlide11.xml><?xml version="1.0" encoding="utf-8"?>
+<p:notes xmlns:a="http://schemas.openxmlformats.org/drawingml/2006/main" xmlns:r="http://schemas.openxmlformats.org/officeDocument/2006/relationships" xmlns:p="http://schemas.openxmlformats.org/presentationml/2006/main">
+  <p:cSld>
+    <p:spTree>
+      <p:nvGrpSpPr>
+        <p:cNvPr id="1" name=""/>
+        <p:cNvGrpSpPr/>
+        <p:nvPr/>
+      </p:nvGrpSpPr>
+      <p:grpSpPr>
+        <a:xfrm>
+          <a:off x="0" y="0"/>
+          <a:ext cx="0" cy="0"/>
+          <a:chOff x="0" y="0"/>
+          <a:chExt cx="0" cy="0"/>
+        </a:xfrm>
+      </p:grpSpPr>
+      <p:sp>
+        <p:nvSpPr>
+          <p:cNvPr id="2" name="Slide Image Placeholder 1"/>
+          <p:cNvSpPr>
+            <a:spLocks noGrp="1" noRot="1" noChangeAspect="1"/>
+          </p:cNvSpPr>
+          <p:nvPr>
+            <p:ph type="sldImg"/>
+          </p:nvPr>
+        </p:nvSpPr>
+        <p:spPr/>
+      </p:sp>
+      <p:sp>
+        <p:nvSpPr>
+          <p:cNvPr id="3" name="Notes Placeholder 2"/>
+          <p:cNvSpPr>
+            <a:spLocks noGrp="1"/>
+          </p:cNvSpPr>
+          <p:nvPr>
+            <p:ph type="body" idx="1"/>
+          </p:nvPr>
+        </p:nvSpPr>
+        <p:spPr/>
+        <p:txBody>
+          <a:bodyPr/>
+          <a:lstStyle/>
+          <a:p>
+            <a:endParaRPr lang="fr-FR"/>
+          </a:p>
+        </p:txBody>
+      </p:sp>
+      <p:sp>
+        <p:nvSpPr>
+          <p:cNvPr id="4" name="Slide Number Placeholder 3"/>
+          <p:cNvSpPr>
+            <a:spLocks noGrp="1"/>
+          </p:cNvSpPr>
+          <p:nvPr>
+            <p:ph type="sldNum" sz="quarter" idx="5"/>
+          </p:nvPr>
+        </p:nvSpPr>
+        <p:spPr/>
+        <p:txBody>
+          <a:bodyPr/>
+          <a:lstStyle/>
+          <a:p>
+            <a:fld id="{3FA53CE0-2B5E-0C4E-BE54-A9ADE26C25E3}" type="slidenum">
+              <a:rPr lang="fr-FR" smtClean="0"/>
+              <a:t>14</a:t>
+            </a:fld>
+            <a:endParaRPr lang="fr-FR"/>
+          </a:p>
+        </p:txBody>
+      </p:sp>
+    </p:spTree>
+    <p:extLst>
+      <p:ext uri="{BB962C8B-B14F-4D97-AF65-F5344CB8AC3E}">
+        <p14:creationId xmlns:p14="http://schemas.microsoft.com/office/powerpoint/2010/main" val="453329241"/>
+      </p:ext>
+    </p:extLst>
+  </p:cSld>
+  <p:clrMapOvr>
+    <a:masterClrMapping/>
+  </p:clrMapOvr>
+</p:notes>
+</file>
+
+<file path=ppt/notesSlides/notesSlide12.xml><?xml version="1.0" encoding="utf-8"?>
+<p:notes xmlns:a="http://schemas.openxmlformats.org/drawingml/2006/main" xmlns:r="http://schemas.openxmlformats.org/officeDocument/2006/relationships" xmlns:p="http://schemas.openxmlformats.org/presentationml/2006/main">
+  <p:cSld>
+    <p:spTree>
+      <p:nvGrpSpPr>
+        <p:cNvPr id="1" name=""/>
+        <p:cNvGrpSpPr/>
+        <p:nvPr/>
+      </p:nvGrpSpPr>
+      <p:grpSpPr>
+        <a:xfrm>
+          <a:off x="0" y="0"/>
+          <a:ext cx="0" cy="0"/>
+          <a:chOff x="0" y="0"/>
+          <a:chExt cx="0" cy="0"/>
+        </a:xfrm>
+      </p:grpSpPr>
+      <p:sp>
+        <p:nvSpPr>
+          <p:cNvPr id="2" name="Slide Image Placeholder 1"/>
+          <p:cNvSpPr>
+            <a:spLocks noGrp="1" noRot="1" noChangeAspect="1"/>
+          </p:cNvSpPr>
+          <p:nvPr>
+            <p:ph type="sldImg"/>
+          </p:nvPr>
+        </p:nvSpPr>
+        <p:spPr/>
+      </p:sp>
+      <p:sp>
+        <p:nvSpPr>
+          <p:cNvPr id="3" name="Notes Placeholder 2"/>
+          <p:cNvSpPr>
+            <a:spLocks noGrp="1"/>
+          </p:cNvSpPr>
+          <p:nvPr>
+            <p:ph type="body" idx="1"/>
+          </p:nvPr>
+        </p:nvSpPr>
+        <p:spPr/>
+        <p:txBody>
+          <a:bodyPr/>
+          <a:lstStyle/>
+          <a:p>
+            <a:endParaRPr lang="fr-FR"/>
+          </a:p>
+        </p:txBody>
+      </p:sp>
+      <p:sp>
+        <p:nvSpPr>
+          <p:cNvPr id="4" name="Slide Number Placeholder 3"/>
+          <p:cNvSpPr>
+            <a:spLocks noGrp="1"/>
+          </p:cNvSpPr>
+          <p:nvPr>
+            <p:ph type="sldNum" sz="quarter" idx="5"/>
+          </p:nvPr>
+        </p:nvSpPr>
+        <p:spPr/>
+        <p:txBody>
+          <a:bodyPr/>
+          <a:lstStyle/>
+          <a:p>
+            <a:fld id="{3FA53CE0-2B5E-0C4E-BE54-A9ADE26C25E3}" type="slidenum">
+              <a:rPr lang="fr-FR" smtClean="0"/>
+              <a:t>15</a:t>
+            </a:fld>
+            <a:endParaRPr lang="fr-FR"/>
+          </a:p>
+        </p:txBody>
+      </p:sp>
+    </p:spTree>
+    <p:extLst>
+      <p:ext uri="{BB962C8B-B14F-4D97-AF65-F5344CB8AC3E}">
+        <p14:creationId xmlns:p14="http://schemas.microsoft.com/office/powerpoint/2010/main" val="3236978613"/>
       </p:ext>
     </p:extLst>
   </p:cSld>
@@ -981,6 +1239,258 @@
 </p:notes>
 </file>
 
+<file path=ppt/notesSlides/notesSlide7.xml><?xml version="1.0" encoding="utf-8"?>
+<p:notes xmlns:a="http://schemas.openxmlformats.org/drawingml/2006/main" xmlns:r="http://schemas.openxmlformats.org/officeDocument/2006/relationships" xmlns:p="http://schemas.openxmlformats.org/presentationml/2006/main">
+  <p:cSld>
+    <p:spTree>
+      <p:nvGrpSpPr>
+        <p:cNvPr id="1" name=""/>
+        <p:cNvGrpSpPr/>
+        <p:nvPr/>
+      </p:nvGrpSpPr>
+      <p:grpSpPr>
+        <a:xfrm>
+          <a:off x="0" y="0"/>
+          <a:ext cx="0" cy="0"/>
+          <a:chOff x="0" y="0"/>
+          <a:chExt cx="0" cy="0"/>
+        </a:xfrm>
+      </p:grpSpPr>
+      <p:sp>
+        <p:nvSpPr>
+          <p:cNvPr id="2" name="Slide Image Placeholder 1"/>
+          <p:cNvSpPr>
+            <a:spLocks noGrp="1" noRot="1" noChangeAspect="1"/>
+          </p:cNvSpPr>
+          <p:nvPr>
+            <p:ph type="sldImg"/>
+          </p:nvPr>
+        </p:nvSpPr>
+        <p:spPr/>
+      </p:sp>
+      <p:sp>
+        <p:nvSpPr>
+          <p:cNvPr id="3" name="Notes Placeholder 2"/>
+          <p:cNvSpPr>
+            <a:spLocks noGrp="1"/>
+          </p:cNvSpPr>
+          <p:nvPr>
+            <p:ph type="body" idx="1"/>
+          </p:nvPr>
+        </p:nvSpPr>
+        <p:spPr/>
+        <p:txBody>
+          <a:bodyPr/>
+          <a:lstStyle/>
+          <a:p>
+            <a:endParaRPr lang="fr-FR"/>
+          </a:p>
+        </p:txBody>
+      </p:sp>
+      <p:sp>
+        <p:nvSpPr>
+          <p:cNvPr id="4" name="Slide Number Placeholder 3"/>
+          <p:cNvSpPr>
+            <a:spLocks noGrp="1"/>
+          </p:cNvSpPr>
+          <p:nvPr>
+            <p:ph type="sldNum" sz="quarter" idx="5"/>
+          </p:nvPr>
+        </p:nvSpPr>
+        <p:spPr/>
+        <p:txBody>
+          <a:bodyPr/>
+          <a:lstStyle/>
+          <a:p>
+            <a:fld id="{3FA53CE0-2B5E-0C4E-BE54-A9ADE26C25E3}" type="slidenum">
+              <a:rPr lang="fr-FR" smtClean="0"/>
+              <a:t>10</a:t>
+            </a:fld>
+            <a:endParaRPr lang="fr-FR"/>
+          </a:p>
+        </p:txBody>
+      </p:sp>
+    </p:spTree>
+    <p:extLst>
+      <p:ext uri="{BB962C8B-B14F-4D97-AF65-F5344CB8AC3E}">
+        <p14:creationId xmlns:p14="http://schemas.microsoft.com/office/powerpoint/2010/main" val="1154710626"/>
+      </p:ext>
+    </p:extLst>
+  </p:cSld>
+  <p:clrMapOvr>
+    <a:masterClrMapping/>
+  </p:clrMapOvr>
+</p:notes>
+</file>
+
+<file path=ppt/notesSlides/notesSlide8.xml><?xml version="1.0" encoding="utf-8"?>
+<p:notes xmlns:a="http://schemas.openxmlformats.org/drawingml/2006/main" xmlns:r="http://schemas.openxmlformats.org/officeDocument/2006/relationships" xmlns:p="http://schemas.openxmlformats.org/presentationml/2006/main">
+  <p:cSld>
+    <p:spTree>
+      <p:nvGrpSpPr>
+        <p:cNvPr id="1" name=""/>
+        <p:cNvGrpSpPr/>
+        <p:nvPr/>
+      </p:nvGrpSpPr>
+      <p:grpSpPr>
+        <a:xfrm>
+          <a:off x="0" y="0"/>
+          <a:ext cx="0" cy="0"/>
+          <a:chOff x="0" y="0"/>
+          <a:chExt cx="0" cy="0"/>
+        </a:xfrm>
+      </p:grpSpPr>
+      <p:sp>
+        <p:nvSpPr>
+          <p:cNvPr id="2" name="Slide Image Placeholder 1"/>
+          <p:cNvSpPr>
+            <a:spLocks noGrp="1" noRot="1" noChangeAspect="1"/>
+          </p:cNvSpPr>
+          <p:nvPr>
+            <p:ph type="sldImg"/>
+          </p:nvPr>
+        </p:nvSpPr>
+        <p:spPr/>
+      </p:sp>
+      <p:sp>
+        <p:nvSpPr>
+          <p:cNvPr id="3" name="Notes Placeholder 2"/>
+          <p:cNvSpPr>
+            <a:spLocks noGrp="1"/>
+          </p:cNvSpPr>
+          <p:nvPr>
+            <p:ph type="body" idx="1"/>
+          </p:nvPr>
+        </p:nvSpPr>
+        <p:spPr/>
+        <p:txBody>
+          <a:bodyPr/>
+          <a:lstStyle/>
+          <a:p>
+            <a:endParaRPr lang="fr-FR"/>
+          </a:p>
+        </p:txBody>
+      </p:sp>
+      <p:sp>
+        <p:nvSpPr>
+          <p:cNvPr id="4" name="Slide Number Placeholder 3"/>
+          <p:cNvSpPr>
+            <a:spLocks noGrp="1"/>
+          </p:cNvSpPr>
+          <p:nvPr>
+            <p:ph type="sldNum" sz="quarter" idx="5"/>
+          </p:nvPr>
+        </p:nvSpPr>
+        <p:spPr/>
+        <p:txBody>
+          <a:bodyPr/>
+          <a:lstStyle/>
+          <a:p>
+            <a:fld id="{3FA53CE0-2B5E-0C4E-BE54-A9ADE26C25E3}" type="slidenum">
+              <a:rPr lang="fr-FR" smtClean="0"/>
+              <a:t>11</a:t>
+            </a:fld>
+            <a:endParaRPr lang="fr-FR"/>
+          </a:p>
+        </p:txBody>
+      </p:sp>
+    </p:spTree>
+    <p:extLst>
+      <p:ext uri="{BB962C8B-B14F-4D97-AF65-F5344CB8AC3E}">
+        <p14:creationId xmlns:p14="http://schemas.microsoft.com/office/powerpoint/2010/main" val="965376629"/>
+      </p:ext>
+    </p:extLst>
+  </p:cSld>
+  <p:clrMapOvr>
+    <a:masterClrMapping/>
+  </p:clrMapOvr>
+</p:notes>
+</file>
+
+<file path=ppt/notesSlides/notesSlide9.xml><?xml version="1.0" encoding="utf-8"?>
+<p:notes xmlns:a="http://schemas.openxmlformats.org/drawingml/2006/main" xmlns:r="http://schemas.openxmlformats.org/officeDocument/2006/relationships" xmlns:p="http://schemas.openxmlformats.org/presentationml/2006/main">
+  <p:cSld>
+    <p:spTree>
+      <p:nvGrpSpPr>
+        <p:cNvPr id="1" name=""/>
+        <p:cNvGrpSpPr/>
+        <p:nvPr/>
+      </p:nvGrpSpPr>
+      <p:grpSpPr>
+        <a:xfrm>
+          <a:off x="0" y="0"/>
+          <a:ext cx="0" cy="0"/>
+          <a:chOff x="0" y="0"/>
+          <a:chExt cx="0" cy="0"/>
+        </a:xfrm>
+      </p:grpSpPr>
+      <p:sp>
+        <p:nvSpPr>
+          <p:cNvPr id="2" name="Slide Image Placeholder 1"/>
+          <p:cNvSpPr>
+            <a:spLocks noGrp="1" noRot="1" noChangeAspect="1"/>
+          </p:cNvSpPr>
+          <p:nvPr>
+            <p:ph type="sldImg"/>
+          </p:nvPr>
+        </p:nvSpPr>
+        <p:spPr/>
+      </p:sp>
+      <p:sp>
+        <p:nvSpPr>
+          <p:cNvPr id="3" name="Notes Placeholder 2"/>
+          <p:cNvSpPr>
+            <a:spLocks noGrp="1"/>
+          </p:cNvSpPr>
+          <p:nvPr>
+            <p:ph type="body" idx="1"/>
+          </p:nvPr>
+        </p:nvSpPr>
+        <p:spPr/>
+        <p:txBody>
+          <a:bodyPr/>
+          <a:lstStyle/>
+          <a:p>
+            <a:endParaRPr lang="fr-FR"/>
+          </a:p>
+        </p:txBody>
+      </p:sp>
+      <p:sp>
+        <p:nvSpPr>
+          <p:cNvPr id="4" name="Slide Number Placeholder 3"/>
+          <p:cNvSpPr>
+            <a:spLocks noGrp="1"/>
+          </p:cNvSpPr>
+          <p:nvPr>
+            <p:ph type="sldNum" sz="quarter" idx="5"/>
+          </p:nvPr>
+        </p:nvSpPr>
+        <p:spPr/>
+        <p:txBody>
+          <a:bodyPr/>
+          <a:lstStyle/>
+          <a:p>
+            <a:fld id="{3FA53CE0-2B5E-0C4E-BE54-A9ADE26C25E3}" type="slidenum">
+              <a:rPr lang="fr-FR" smtClean="0"/>
+              <a:t>12</a:t>
+            </a:fld>
+            <a:endParaRPr lang="fr-FR"/>
+          </a:p>
+        </p:txBody>
+      </p:sp>
+    </p:spTree>
+    <p:extLst>
+      <p:ext uri="{BB962C8B-B14F-4D97-AF65-F5344CB8AC3E}">
+        <p14:creationId xmlns:p14="http://schemas.microsoft.com/office/powerpoint/2010/main" val="1794612181"/>
+      </p:ext>
+    </p:extLst>
+  </p:cSld>
+  <p:clrMapOvr>
+    <a:masterClrMapping/>
+  </p:clrMapOvr>
+</p:notes>
+</file>
+
 <file path=ppt/slideLayouts/slideLayout1.xml><?xml version="1.0" encoding="utf-8"?>
 <p:sldLayout xmlns:a="http://schemas.openxmlformats.org/drawingml/2006/main" xmlns:r="http://schemas.openxmlformats.org/officeDocument/2006/relationships" xmlns:p="http://schemas.openxmlformats.org/presentationml/2006/main" type="title" preserve="1">
   <p:cSld name="Title Slide">
@@ -1128,7 +1638,7 @@
           <a:p>
             <a:fld id="{AB2C7842-AA2D-0146-B711-9A94A198FD10}" type="datetime1">
               <a:rPr lang="en-US" smtClean="0"/>
-              <a:t>6/23/20</a:t>
+              <a:t>6/26/20</a:t>
             </a:fld>
             <a:endParaRPr lang="en-US"/>
           </a:p>
@@ -1326,7 +1836,7 @@
           <a:p>
             <a:fld id="{7D75DF24-694F-0349-8E55-532F39AB6962}" type="datetime1">
               <a:rPr lang="en-US" smtClean="0"/>
-              <a:t>6/23/20</a:t>
+              <a:t>6/26/20</a:t>
             </a:fld>
             <a:endParaRPr lang="en-US"/>
           </a:p>
@@ -1534,7 +2044,7 @@
           <a:p>
             <a:fld id="{BCFB3EB9-1BF9-6446-A950-80ADD04B6993}" type="datetime1">
               <a:rPr lang="en-US" smtClean="0"/>
-              <a:t>6/23/20</a:t>
+              <a:t>6/26/20</a:t>
             </a:fld>
             <a:endParaRPr lang="en-US"/>
           </a:p>
@@ -1800,7 +2310,7 @@
           <a:p>
             <a:fld id="{DA60FB93-7464-D140-9E86-B304329778C5}" type="datetime1">
               <a:rPr lang="en-US" smtClean="0"/>
-              <a:t>6/23/20</a:t>
+              <a:t>6/26/20</a:t>
             </a:fld>
             <a:endParaRPr lang="en-US"/>
           </a:p>
@@ -2075,7 +2585,7 @@
           <a:p>
             <a:fld id="{062E44C7-C2F3-FD40-B78A-AD3AF2B715D8}" type="datetime1">
               <a:rPr lang="en-US" smtClean="0"/>
-              <a:t>6/23/20</a:t>
+              <a:t>6/26/20</a:t>
             </a:fld>
             <a:endParaRPr lang="en-US"/>
           </a:p>
@@ -2340,7 +2850,7 @@
           <a:p>
             <a:fld id="{6C0CF2E3-4444-1D4D-91F5-A104BE8BF61D}" type="datetime1">
               <a:rPr lang="en-US" smtClean="0"/>
-              <a:t>6/23/20</a:t>
+              <a:t>6/26/20</a:t>
             </a:fld>
             <a:endParaRPr lang="en-US"/>
           </a:p>
@@ -2752,7 +3262,7 @@
           <a:p>
             <a:fld id="{13B7D367-BB41-5E41-B74E-FA4C228E6028}" type="datetime1">
               <a:rPr lang="en-US" smtClean="0"/>
-              <a:t>6/23/20</a:t>
+              <a:t>6/26/20</a:t>
             </a:fld>
             <a:endParaRPr lang="en-US"/>
           </a:p>
@@ -2893,7 +3403,7 @@
           <a:p>
             <a:fld id="{E0DE9792-0C46-2143-B432-39614DAD97EC}" type="datetime1">
               <a:rPr lang="en-US" smtClean="0"/>
-              <a:t>6/23/20</a:t>
+              <a:t>6/26/20</a:t>
             </a:fld>
             <a:endParaRPr lang="en-US"/>
           </a:p>
@@ -3006,7 +3516,7 @@
           <a:p>
             <a:fld id="{FAADE3CE-2A8A-634B-9214-15FD42173A02}" type="datetime1">
               <a:rPr lang="en-US" smtClean="0"/>
-              <a:t>6/23/20</a:t>
+              <a:t>6/26/20</a:t>
             </a:fld>
             <a:endParaRPr lang="en-US"/>
           </a:p>
@@ -3317,7 +3827,7 @@
           <a:p>
             <a:fld id="{7A3E5D00-3E18-0740-B663-087034ADDCC4}" type="datetime1">
               <a:rPr lang="en-US" smtClean="0"/>
-              <a:t>6/23/20</a:t>
+              <a:t>6/26/20</a:t>
             </a:fld>
             <a:endParaRPr lang="en-US"/>
           </a:p>
@@ -3605,7 +4115,7 @@
           <a:p>
             <a:fld id="{A6FF69E3-F72E-674E-99A6-2018DB77DE70}" type="datetime1">
               <a:rPr lang="en-US" smtClean="0"/>
-              <a:t>6/23/20</a:t>
+              <a:t>6/26/20</a:t>
             </a:fld>
             <a:endParaRPr lang="en-US"/>
           </a:p>
@@ -3846,7 +4356,7 @@
           <a:p>
             <a:fld id="{5450DF28-F0E0-094C-A2F4-E232D6A2B849}" type="datetime1">
               <a:rPr lang="en-US" smtClean="0"/>
-              <a:t>6/23/20</a:t>
+              <a:t>6/26/20</a:t>
             </a:fld>
             <a:endParaRPr lang="en-US"/>
           </a:p>
@@ -4570,6 +5080,7290 @@
       </p:grpSpPr>
       <p:sp>
         <p:nvSpPr>
+          <p:cNvPr id="8" name="Rectangle 7"/>
+          <p:cNvSpPr/>
+          <p:nvPr/>
+        </p:nvSpPr>
+        <p:spPr>
+          <a:xfrm>
+            <a:off x="1586" y="0"/>
+            <a:ext cx="12188827" cy="6858000"/>
+          </a:xfrm>
+          <a:prstGeom prst="rect">
+            <a:avLst/>
+          </a:prstGeom>
+          <a:solidFill>
+            <a:schemeClr val="tx2">
+              <a:lumMod val="75000"/>
+            </a:schemeClr>
+          </a:solidFill>
+          <a:ln>
+            <a:noFill/>
+          </a:ln>
+        </p:spPr>
+        <p:style>
+          <a:lnRef idx="2">
+            <a:schemeClr val="accent1">
+              <a:shade val="50000"/>
+            </a:schemeClr>
+          </a:lnRef>
+          <a:fillRef idx="1">
+            <a:schemeClr val="accent1"/>
+          </a:fillRef>
+          <a:effectRef idx="0">
+            <a:schemeClr val="accent1"/>
+          </a:effectRef>
+          <a:fontRef idx="minor">
+            <a:schemeClr val="lt1"/>
+          </a:fontRef>
+        </p:style>
+        <p:txBody>
+          <a:bodyPr rtlCol="0" anchor="ctr"/>
+          <a:lstStyle/>
+          <a:p>
+            <a:pPr algn="ctr"/>
+            <a:endParaRPr lang="en-US" sz="900" dirty="0"/>
+          </a:p>
+        </p:txBody>
+      </p:sp>
+      <p:sp>
+        <p:nvSpPr>
+          <p:cNvPr id="2" name="Rectangle 1"/>
+          <p:cNvSpPr/>
+          <p:nvPr/>
+        </p:nvSpPr>
+        <p:spPr>
+          <a:xfrm flipH="1">
+            <a:off x="-2" y="159"/>
+            <a:ext cx="3383521" cy="6858000"/>
+          </a:xfrm>
+          <a:prstGeom prst="rect">
+            <a:avLst/>
+          </a:prstGeom>
+          <a:solidFill>
+            <a:schemeClr val="accent4">
+              <a:lumMod val="60000"/>
+              <a:lumOff val="40000"/>
+            </a:schemeClr>
+          </a:solidFill>
+          <a:ln>
+            <a:noFill/>
+          </a:ln>
+        </p:spPr>
+        <p:style>
+          <a:lnRef idx="2">
+            <a:schemeClr val="accent1">
+              <a:shade val="50000"/>
+            </a:schemeClr>
+          </a:lnRef>
+          <a:fillRef idx="1">
+            <a:schemeClr val="accent1"/>
+          </a:fillRef>
+          <a:effectRef idx="0">
+            <a:schemeClr val="accent1"/>
+          </a:effectRef>
+          <a:fontRef idx="minor">
+            <a:schemeClr val="lt1"/>
+          </a:fontRef>
+        </p:style>
+        <p:txBody>
+          <a:bodyPr rtlCol="0" anchor="ctr"/>
+          <a:lstStyle/>
+          <a:p>
+            <a:pPr algn="ctr"/>
+            <a:endParaRPr lang="en-US" sz="900"/>
+          </a:p>
+        </p:txBody>
+      </p:sp>
+      <p:grpSp>
+        <p:nvGrpSpPr>
+          <p:cNvPr id="18" name="Group 17"/>
+          <p:cNvGrpSpPr/>
+          <p:nvPr/>
+        </p:nvGrpSpPr>
+        <p:grpSpPr>
+          <a:xfrm>
+            <a:off x="11358229" y="6438900"/>
+            <a:ext cx="419100" cy="419100"/>
+            <a:chOff x="22713283" y="12877800"/>
+            <a:chExt cx="838200" cy="838200"/>
+          </a:xfrm>
+        </p:grpSpPr>
+        <p:sp>
+          <p:nvSpPr>
+            <p:cNvPr id="5" name="Rectangle 4"/>
+            <p:cNvSpPr/>
+            <p:nvPr/>
+          </p:nvSpPr>
+          <p:spPr>
+            <a:xfrm>
+              <a:off x="22713283" y="12877800"/>
+              <a:ext cx="838200" cy="838200"/>
+            </a:xfrm>
+            <a:prstGeom prst="rect">
+              <a:avLst/>
+            </a:prstGeom>
+            <a:solidFill>
+              <a:schemeClr val="accent1"/>
+            </a:solidFill>
+            <a:ln>
+              <a:noFill/>
+            </a:ln>
+          </p:spPr>
+          <p:style>
+            <a:lnRef idx="2">
+              <a:schemeClr val="accent1">
+                <a:shade val="50000"/>
+              </a:schemeClr>
+            </a:lnRef>
+            <a:fillRef idx="1">
+              <a:schemeClr val="accent1"/>
+            </a:fillRef>
+            <a:effectRef idx="0">
+              <a:schemeClr val="accent1"/>
+            </a:effectRef>
+            <a:fontRef idx="minor">
+              <a:schemeClr val="lt1"/>
+            </a:fontRef>
+          </p:style>
+          <p:txBody>
+            <a:bodyPr rtlCol="0" anchor="ctr"/>
+            <a:lstStyle/>
+            <a:p>
+              <a:pPr algn="ctr"/>
+              <a:endParaRPr lang="en-US" sz="900" dirty="0"/>
+            </a:p>
+          </p:txBody>
+        </p:sp>
+        <p:sp>
+          <p:nvSpPr>
+            <p:cNvPr id="17" name="Subtitle 2"/>
+            <p:cNvSpPr txBox="1">
+              <a:spLocks/>
+            </p:cNvSpPr>
+            <p:nvPr/>
+          </p:nvSpPr>
+          <p:spPr>
+            <a:xfrm>
+              <a:off x="22783885" y="12877800"/>
+              <a:ext cx="696996" cy="724056"/>
+            </a:xfrm>
+            <a:prstGeom prst="rect">
+              <a:avLst/>
+            </a:prstGeom>
+          </p:spPr>
+          <p:txBody>
+            <a:bodyPr vert="horz" wrap="square" lIns="108717" tIns="54359" rIns="108717" bIns="54359" rtlCol="0">
+              <a:spAutoFit/>
+            </a:bodyPr>
+            <a:lstStyle>
+              <a:lvl1pPr marL="0" indent="0" algn="ctr" defTabSz="1087636" rtl="0" eaLnBrk="1" latinLnBrk="0" hangingPunct="1">
+                <a:lnSpc>
+                  <a:spcPct val="120000"/>
+                </a:lnSpc>
+                <a:spcBef>
+                  <a:spcPct val="20000"/>
+                </a:spcBef>
+                <a:buFont typeface="Arial"/>
+                <a:buNone/>
+                <a:defRPr sz="2400" kern="1200">
+                  <a:solidFill>
+                    <a:schemeClr val="tx2"/>
+                  </a:solidFill>
+                  <a:latin typeface="Open Sans Light"/>
+                  <a:ea typeface="+mn-ea"/>
+                  <a:cs typeface="Open Sans Light"/>
+                </a:defRPr>
+              </a:lvl1pPr>
+              <a:lvl2pPr marL="1087636" indent="0" algn="ctr" defTabSz="1087636" rtl="0" eaLnBrk="1" latinLnBrk="0" hangingPunct="1">
+                <a:lnSpc>
+                  <a:spcPct val="130000"/>
+                </a:lnSpc>
+                <a:spcBef>
+                  <a:spcPct val="20000"/>
+                </a:spcBef>
+                <a:buFont typeface="Arial"/>
+                <a:buNone/>
+                <a:defRPr sz="3200" kern="1200">
+                  <a:solidFill>
+                    <a:schemeClr val="tx1">
+                      <a:tint val="75000"/>
+                    </a:schemeClr>
+                  </a:solidFill>
+                  <a:latin typeface="Open Sans"/>
+                  <a:ea typeface="+mn-ea"/>
+                  <a:cs typeface="Open Sans"/>
+                </a:defRPr>
+              </a:lvl2pPr>
+              <a:lvl3pPr marL="2175271" indent="0" algn="ctr" defTabSz="1087636" rtl="0" eaLnBrk="1" latinLnBrk="0" hangingPunct="1">
+                <a:lnSpc>
+                  <a:spcPct val="130000"/>
+                </a:lnSpc>
+                <a:spcBef>
+                  <a:spcPct val="20000"/>
+                </a:spcBef>
+                <a:buFont typeface="Arial"/>
+                <a:buNone/>
+                <a:defRPr sz="3200" kern="1200">
+                  <a:solidFill>
+                    <a:schemeClr val="tx1">
+                      <a:tint val="75000"/>
+                    </a:schemeClr>
+                  </a:solidFill>
+                  <a:latin typeface="Open Sans"/>
+                  <a:ea typeface="+mn-ea"/>
+                  <a:cs typeface="Open Sans"/>
+                </a:defRPr>
+              </a:lvl3pPr>
+              <a:lvl4pPr marL="3262912" indent="0" algn="ctr" defTabSz="1087636" rtl="0" eaLnBrk="1" latinLnBrk="0" hangingPunct="1">
+                <a:lnSpc>
+                  <a:spcPct val="130000"/>
+                </a:lnSpc>
+                <a:spcBef>
+                  <a:spcPct val="20000"/>
+                </a:spcBef>
+                <a:buFont typeface="Arial"/>
+                <a:buNone/>
+                <a:defRPr sz="3200" kern="1200">
+                  <a:solidFill>
+                    <a:schemeClr val="tx1">
+                      <a:tint val="75000"/>
+                    </a:schemeClr>
+                  </a:solidFill>
+                  <a:latin typeface="Open Sans"/>
+                  <a:ea typeface="+mn-ea"/>
+                  <a:cs typeface="Open Sans"/>
+                </a:defRPr>
+              </a:lvl4pPr>
+              <a:lvl5pPr marL="4350546" indent="0" algn="ctr" defTabSz="1087636" rtl="0" eaLnBrk="1" latinLnBrk="0" hangingPunct="1">
+                <a:lnSpc>
+                  <a:spcPct val="130000"/>
+                </a:lnSpc>
+                <a:spcBef>
+                  <a:spcPct val="20000"/>
+                </a:spcBef>
+                <a:buFont typeface="Arial"/>
+                <a:buNone/>
+                <a:defRPr sz="3200" kern="1200">
+                  <a:solidFill>
+                    <a:schemeClr val="tx1">
+                      <a:tint val="75000"/>
+                    </a:schemeClr>
+                  </a:solidFill>
+                  <a:latin typeface="Open Sans"/>
+                  <a:ea typeface="+mn-ea"/>
+                  <a:cs typeface="Open Sans"/>
+                </a:defRPr>
+              </a:lvl5pPr>
+              <a:lvl6pPr marL="5438184" indent="0" algn="ctr" defTabSz="1087636" rtl="0" eaLnBrk="1" latinLnBrk="0" hangingPunct="1">
+                <a:spcBef>
+                  <a:spcPct val="20000"/>
+                </a:spcBef>
+                <a:buFont typeface="Arial"/>
+                <a:buNone/>
+                <a:defRPr sz="4800" kern="1200">
+                  <a:solidFill>
+                    <a:schemeClr val="tx1">
+                      <a:tint val="75000"/>
+                    </a:schemeClr>
+                  </a:solidFill>
+                  <a:latin typeface="+mn-lt"/>
+                  <a:ea typeface="+mn-ea"/>
+                  <a:cs typeface="+mn-cs"/>
+                </a:defRPr>
+              </a:lvl6pPr>
+              <a:lvl7pPr marL="6525820" indent="0" algn="ctr" defTabSz="1087636" rtl="0" eaLnBrk="1" latinLnBrk="0" hangingPunct="1">
+                <a:spcBef>
+                  <a:spcPct val="20000"/>
+                </a:spcBef>
+                <a:buFont typeface="Arial"/>
+                <a:buNone/>
+                <a:defRPr sz="4800" kern="1200">
+                  <a:solidFill>
+                    <a:schemeClr val="tx1">
+                      <a:tint val="75000"/>
+                    </a:schemeClr>
+                  </a:solidFill>
+                  <a:latin typeface="+mn-lt"/>
+                  <a:ea typeface="+mn-ea"/>
+                  <a:cs typeface="+mn-cs"/>
+                </a:defRPr>
+              </a:lvl7pPr>
+              <a:lvl8pPr marL="7613455" indent="0" algn="ctr" defTabSz="1087636" rtl="0" eaLnBrk="1" latinLnBrk="0" hangingPunct="1">
+                <a:spcBef>
+                  <a:spcPct val="20000"/>
+                </a:spcBef>
+                <a:buFont typeface="Arial"/>
+                <a:buNone/>
+                <a:defRPr sz="4800" kern="1200">
+                  <a:solidFill>
+                    <a:schemeClr val="tx1">
+                      <a:tint val="75000"/>
+                    </a:schemeClr>
+                  </a:solidFill>
+                  <a:latin typeface="+mn-lt"/>
+                  <a:ea typeface="+mn-ea"/>
+                  <a:cs typeface="+mn-cs"/>
+                </a:defRPr>
+              </a:lvl8pPr>
+              <a:lvl9pPr marL="8701091" indent="0" algn="ctr" defTabSz="1087636" rtl="0" eaLnBrk="1" latinLnBrk="0" hangingPunct="1">
+                <a:spcBef>
+                  <a:spcPct val="20000"/>
+                </a:spcBef>
+                <a:buFont typeface="Arial"/>
+                <a:buNone/>
+                <a:defRPr sz="4800" kern="1200">
+                  <a:solidFill>
+                    <a:schemeClr val="tx1">
+                      <a:tint val="75000"/>
+                    </a:schemeClr>
+                  </a:solidFill>
+                  <a:latin typeface="+mn-lt"/>
+                  <a:ea typeface="+mn-ea"/>
+                  <a:cs typeface="+mn-cs"/>
+                </a:defRPr>
+              </a:lvl9pPr>
+            </a:lstStyle>
+            <a:p>
+              <a:pPr>
+                <a:lnSpc>
+                  <a:spcPts val="2150"/>
+                </a:lnSpc>
+              </a:pPr>
+              <a:r>
+                <a:rPr lang="en-US" sz="1200" dirty="0">
+                  <a:solidFill>
+                    <a:schemeClr val="bg1"/>
+                  </a:solidFill>
+                  <a:latin typeface="Lato" charset="0"/>
+                  <a:ea typeface="Lato" charset="0"/>
+                  <a:cs typeface="Lato" charset="0"/>
+                </a:rPr>
+                <a:t>4</a:t>
+              </a:r>
+            </a:p>
+          </p:txBody>
+        </p:sp>
+      </p:grpSp>
+      <p:grpSp>
+        <p:nvGrpSpPr>
+          <p:cNvPr id="9" name="Group 8"/>
+          <p:cNvGrpSpPr/>
+          <p:nvPr/>
+        </p:nvGrpSpPr>
+        <p:grpSpPr>
+          <a:xfrm>
+            <a:off x="232083" y="3849561"/>
+            <a:ext cx="124864" cy="3008440"/>
+            <a:chOff x="944559" y="7284867"/>
+            <a:chExt cx="327912" cy="2474670"/>
+          </a:xfrm>
+        </p:grpSpPr>
+        <p:sp>
+          <p:nvSpPr>
+            <p:cNvPr id="28" name="Rectangle 27"/>
+            <p:cNvSpPr/>
+            <p:nvPr/>
+          </p:nvSpPr>
+          <p:spPr>
+            <a:xfrm>
+              <a:off x="944559" y="7284867"/>
+              <a:ext cx="327912" cy="327912"/>
+            </a:xfrm>
+            <a:prstGeom prst="rect">
+              <a:avLst/>
+            </a:prstGeom>
+            <a:solidFill>
+              <a:schemeClr val="accent4">
+                <a:lumMod val="60000"/>
+                <a:lumOff val="40000"/>
+              </a:schemeClr>
+            </a:solidFill>
+            <a:ln>
+              <a:noFill/>
+            </a:ln>
+          </p:spPr>
+          <p:style>
+            <a:lnRef idx="2">
+              <a:schemeClr val="accent1">
+                <a:shade val="50000"/>
+              </a:schemeClr>
+            </a:lnRef>
+            <a:fillRef idx="1">
+              <a:schemeClr val="accent1"/>
+            </a:fillRef>
+            <a:effectRef idx="0">
+              <a:schemeClr val="accent1"/>
+            </a:effectRef>
+            <a:fontRef idx="minor">
+              <a:schemeClr val="lt1"/>
+            </a:fontRef>
+          </p:style>
+          <p:txBody>
+            <a:bodyPr rtlCol="0" anchor="ctr"/>
+            <a:lstStyle/>
+            <a:p>
+              <a:pPr algn="ctr"/>
+              <a:endParaRPr lang="en-US" sz="900"/>
+            </a:p>
+          </p:txBody>
+        </p:sp>
+        <p:sp>
+          <p:nvSpPr>
+            <p:cNvPr id="29" name="Rectangle 28"/>
+            <p:cNvSpPr/>
+            <p:nvPr/>
+          </p:nvSpPr>
+          <p:spPr>
+            <a:xfrm>
+              <a:off x="944559" y="9431625"/>
+              <a:ext cx="327912" cy="327912"/>
+            </a:xfrm>
+            <a:prstGeom prst="rect">
+              <a:avLst/>
+            </a:prstGeom>
+            <a:solidFill>
+              <a:schemeClr val="accent4">
+                <a:lumMod val="60000"/>
+                <a:lumOff val="40000"/>
+              </a:schemeClr>
+            </a:solidFill>
+            <a:ln>
+              <a:noFill/>
+            </a:ln>
+          </p:spPr>
+          <p:style>
+            <a:lnRef idx="2">
+              <a:schemeClr val="accent1">
+                <a:shade val="50000"/>
+              </a:schemeClr>
+            </a:lnRef>
+            <a:fillRef idx="1">
+              <a:schemeClr val="accent1"/>
+            </a:fillRef>
+            <a:effectRef idx="0">
+              <a:schemeClr val="accent1"/>
+            </a:effectRef>
+            <a:fontRef idx="minor">
+              <a:schemeClr val="lt1"/>
+            </a:fontRef>
+          </p:style>
+          <p:txBody>
+            <a:bodyPr rtlCol="0" anchor="ctr"/>
+            <a:lstStyle/>
+            <a:p>
+              <a:pPr algn="ctr"/>
+              <a:endParaRPr lang="en-US" sz="900"/>
+            </a:p>
+          </p:txBody>
+        </p:sp>
+      </p:grpSp>
+      <p:sp>
+        <p:nvSpPr>
+          <p:cNvPr id="30" name="TextBox 29">
+            <a:extLst>
+              <a:ext uri="{FF2B5EF4-FFF2-40B4-BE49-F238E27FC236}">
+                <a16:creationId xmlns:a16="http://schemas.microsoft.com/office/drawing/2014/main" id="{BB5EE1A2-01E7-384B-B3D4-C14EAECE9A88}"/>
+              </a:ext>
+            </a:extLst>
+          </p:cNvPr>
+          <p:cNvSpPr txBox="1"/>
+          <p:nvPr/>
+        </p:nvSpPr>
+        <p:spPr>
+          <a:xfrm>
+            <a:off x="243566" y="4017368"/>
+            <a:ext cx="2706271" cy="400110"/>
+          </a:xfrm>
+          <a:prstGeom prst="rect">
+            <a:avLst/>
+          </a:prstGeom>
+          <a:noFill/>
+        </p:spPr>
+        <p:txBody>
+          <a:bodyPr wrap="square" rtlCol="0">
+            <a:spAutoFit/>
+          </a:bodyPr>
+          <a:lstStyle/>
+          <a:p>
+            <a:r>
+              <a:rPr lang="fr-FR" sz="2000" dirty="0">
+                <a:solidFill>
+                  <a:schemeClr val="bg1"/>
+                </a:solidFill>
+                <a:latin typeface="Playfair Display" charset="0"/>
+                <a:ea typeface="Playfair Display" charset="0"/>
+                <a:cs typeface="Playfair Display" charset="0"/>
+              </a:rPr>
+              <a:t>Implémentation et tests</a:t>
+            </a:r>
+          </a:p>
+        </p:txBody>
+      </p:sp>
+      <p:sp>
+        <p:nvSpPr>
+          <p:cNvPr id="26" name="TextBox 25">
+            <a:extLst>
+              <a:ext uri="{FF2B5EF4-FFF2-40B4-BE49-F238E27FC236}">
+                <a16:creationId xmlns:a16="http://schemas.microsoft.com/office/drawing/2014/main" id="{4A5C87BF-6D10-9145-B649-A92E41425124}"/>
+              </a:ext>
+            </a:extLst>
+          </p:cNvPr>
+          <p:cNvSpPr txBox="1"/>
+          <p:nvPr/>
+        </p:nvSpPr>
+        <p:spPr>
+          <a:xfrm>
+            <a:off x="192563" y="5963319"/>
+            <a:ext cx="3157173" cy="400110"/>
+          </a:xfrm>
+          <a:prstGeom prst="rect">
+            <a:avLst/>
+          </a:prstGeom>
+          <a:noFill/>
+        </p:spPr>
+        <p:txBody>
+          <a:bodyPr wrap="square" rtlCol="0">
+            <a:spAutoFit/>
+          </a:bodyPr>
+          <a:lstStyle/>
+          <a:p>
+            <a:r>
+              <a:rPr lang="fr-FR" sz="2000" dirty="0">
+                <a:solidFill>
+                  <a:schemeClr val="bg1"/>
+                </a:solidFill>
+                <a:latin typeface="Playfair Display" charset="0"/>
+                <a:ea typeface="Playfair Display" charset="0"/>
+                <a:cs typeface="Playfair Display" charset="0"/>
+              </a:rPr>
+              <a:t>Conclusion et perspectives</a:t>
+            </a:r>
+          </a:p>
+        </p:txBody>
+      </p:sp>
+      <p:sp>
+        <p:nvSpPr>
+          <p:cNvPr id="27" name="TextBox 26">
+            <a:extLst>
+              <a:ext uri="{FF2B5EF4-FFF2-40B4-BE49-F238E27FC236}">
+                <a16:creationId xmlns:a16="http://schemas.microsoft.com/office/drawing/2014/main" id="{9E705042-39F4-5049-9E23-832ECB60E4AF}"/>
+              </a:ext>
+            </a:extLst>
+          </p:cNvPr>
+          <p:cNvSpPr txBox="1"/>
+          <p:nvPr/>
+        </p:nvSpPr>
+        <p:spPr>
+          <a:xfrm>
+            <a:off x="192563" y="494571"/>
+            <a:ext cx="2706271" cy="400110"/>
+          </a:xfrm>
+          <a:prstGeom prst="rect">
+            <a:avLst/>
+          </a:prstGeom>
+          <a:noFill/>
+        </p:spPr>
+        <p:txBody>
+          <a:bodyPr wrap="square" rtlCol="0">
+            <a:spAutoFit/>
+          </a:bodyPr>
+          <a:lstStyle/>
+          <a:p>
+            <a:r>
+              <a:rPr lang="fr-FR" sz="2000" dirty="0">
+                <a:solidFill>
+                  <a:schemeClr val="bg1"/>
+                </a:solidFill>
+                <a:latin typeface="Playfair Display" charset="0"/>
+                <a:ea typeface="Playfair Display" charset="0"/>
+                <a:cs typeface="Playfair Display" charset="0"/>
+              </a:rPr>
+              <a:t>Définition du projet</a:t>
+            </a:r>
+          </a:p>
+        </p:txBody>
+      </p:sp>
+      <p:sp>
+        <p:nvSpPr>
+          <p:cNvPr id="32" name="TextBox 31">
+            <a:extLst>
+              <a:ext uri="{FF2B5EF4-FFF2-40B4-BE49-F238E27FC236}">
+                <a16:creationId xmlns:a16="http://schemas.microsoft.com/office/drawing/2014/main" id="{A83D7826-FADB-3D47-A4CA-4E0D9DAB70A4}"/>
+              </a:ext>
+            </a:extLst>
+          </p:cNvPr>
+          <p:cNvSpPr txBox="1"/>
+          <p:nvPr/>
+        </p:nvSpPr>
+        <p:spPr>
+          <a:xfrm>
+            <a:off x="201519" y="1062488"/>
+            <a:ext cx="2706271" cy="400110"/>
+          </a:xfrm>
+          <a:prstGeom prst="rect">
+            <a:avLst/>
+          </a:prstGeom>
+          <a:noFill/>
+        </p:spPr>
+        <p:txBody>
+          <a:bodyPr wrap="square" rtlCol="0">
+            <a:spAutoFit/>
+          </a:bodyPr>
+          <a:lstStyle/>
+          <a:p>
+            <a:r>
+              <a:rPr lang="fr-FR" sz="2000" dirty="0">
+                <a:solidFill>
+                  <a:schemeClr val="tx2">
+                    <a:lumMod val="75000"/>
+                  </a:schemeClr>
+                </a:solidFill>
+                <a:latin typeface="Playfair Display" charset="0"/>
+                <a:ea typeface="Playfair Display" charset="0"/>
+                <a:cs typeface="Playfair Display" charset="0"/>
+              </a:rPr>
+              <a:t>Analyse des besoins</a:t>
+            </a:r>
+          </a:p>
+        </p:txBody>
+      </p:sp>
+      <p:sp>
+        <p:nvSpPr>
+          <p:cNvPr id="14" name="TextBox 13">
+            <a:extLst>
+              <a:ext uri="{FF2B5EF4-FFF2-40B4-BE49-F238E27FC236}">
+                <a16:creationId xmlns:a16="http://schemas.microsoft.com/office/drawing/2014/main" id="{20162023-85BD-BA4F-98EA-A293089270B4}"/>
+              </a:ext>
+            </a:extLst>
+          </p:cNvPr>
+          <p:cNvSpPr txBox="1"/>
+          <p:nvPr/>
+        </p:nvSpPr>
+        <p:spPr>
+          <a:xfrm>
+            <a:off x="356946" y="1572530"/>
+            <a:ext cx="3157173" cy="646331"/>
+          </a:xfrm>
+          <a:prstGeom prst="rect">
+            <a:avLst/>
+          </a:prstGeom>
+          <a:noFill/>
+        </p:spPr>
+        <p:txBody>
+          <a:bodyPr wrap="square" rtlCol="0">
+            <a:spAutoFit/>
+          </a:bodyPr>
+          <a:lstStyle/>
+          <a:p>
+            <a:r>
+              <a:rPr lang="fr-FR" dirty="0">
+                <a:solidFill>
+                  <a:schemeClr val="tx2">
+                    <a:lumMod val="75000"/>
+                  </a:schemeClr>
+                </a:solidFill>
+                <a:latin typeface="Lato" charset="0"/>
+              </a:rPr>
+              <a:t>1- Etude fonctionnelle</a:t>
+            </a:r>
+          </a:p>
+          <a:p>
+            <a:r>
+              <a:rPr lang="fr-FR" dirty="0">
+                <a:solidFill>
+                  <a:schemeClr val="bg1"/>
+                </a:solidFill>
+                <a:latin typeface="Lato" charset="0"/>
+              </a:rPr>
+              <a:t>2- L’algorithme de covoiturage</a:t>
+            </a:r>
+          </a:p>
+        </p:txBody>
+      </p:sp>
+      <p:sp>
+        <p:nvSpPr>
+          <p:cNvPr id="15" name="TextBox 14">
+            <a:extLst>
+              <a:ext uri="{FF2B5EF4-FFF2-40B4-BE49-F238E27FC236}">
+                <a16:creationId xmlns:a16="http://schemas.microsoft.com/office/drawing/2014/main" id="{A115C374-1B95-2643-B7A9-E35048C84144}"/>
+              </a:ext>
+            </a:extLst>
+          </p:cNvPr>
+          <p:cNvSpPr txBox="1"/>
+          <p:nvPr/>
+        </p:nvSpPr>
+        <p:spPr>
+          <a:xfrm>
+            <a:off x="5704866" y="494571"/>
+            <a:ext cx="4600276" cy="707886"/>
+          </a:xfrm>
+          <a:prstGeom prst="rect">
+            <a:avLst/>
+          </a:prstGeom>
+          <a:noFill/>
+        </p:spPr>
+        <p:txBody>
+          <a:bodyPr wrap="square" rtlCol="0">
+            <a:spAutoFit/>
+          </a:bodyPr>
+          <a:lstStyle/>
+          <a:p>
+            <a:r>
+              <a:rPr lang="fr-FR" sz="4000" b="1" dirty="0">
+                <a:solidFill>
+                  <a:schemeClr val="bg1"/>
+                </a:solidFill>
+                <a:latin typeface="Playfair Display" charset="0"/>
+                <a:ea typeface="Playfair Display" charset="0"/>
+                <a:cs typeface="Playfair Display" charset="0"/>
+              </a:rPr>
+              <a:t>Besoins fonctionnels</a:t>
+            </a:r>
+          </a:p>
+        </p:txBody>
+      </p:sp>
+      <p:grpSp>
+        <p:nvGrpSpPr>
+          <p:cNvPr id="3" name="Group 2">
+            <a:extLst>
+              <a:ext uri="{FF2B5EF4-FFF2-40B4-BE49-F238E27FC236}">
+                <a16:creationId xmlns:a16="http://schemas.microsoft.com/office/drawing/2014/main" id="{C29AAF19-2B5D-DD4A-B913-A7750322138C}"/>
+              </a:ext>
+            </a:extLst>
+          </p:cNvPr>
+          <p:cNvGrpSpPr/>
+          <p:nvPr/>
+        </p:nvGrpSpPr>
+        <p:grpSpPr>
+          <a:xfrm>
+            <a:off x="4456261" y="1697028"/>
+            <a:ext cx="7097485" cy="814922"/>
+            <a:chOff x="4296043" y="487220"/>
+            <a:chExt cx="7097485" cy="814922"/>
+          </a:xfrm>
+        </p:grpSpPr>
+        <p:sp>
+          <p:nvSpPr>
+            <p:cNvPr id="22" name="Rounded Rectangle 21">
+              <a:extLst>
+                <a:ext uri="{FF2B5EF4-FFF2-40B4-BE49-F238E27FC236}">
+                  <a16:creationId xmlns:a16="http://schemas.microsoft.com/office/drawing/2014/main" id="{193B2A10-41D5-C140-AFDC-AC3D78AC8DD1}"/>
+                </a:ext>
+              </a:extLst>
+            </p:cNvPr>
+            <p:cNvSpPr/>
+            <p:nvPr/>
+          </p:nvSpPr>
+          <p:spPr>
+            <a:xfrm>
+              <a:off x="4296043" y="487220"/>
+              <a:ext cx="7097485" cy="814922"/>
+            </a:xfrm>
+            <a:prstGeom prst="roundRect">
+              <a:avLst/>
+            </a:prstGeom>
+          </p:spPr>
+          <p:style>
+            <a:lnRef idx="2">
+              <a:schemeClr val="accent1">
+                <a:shade val="50000"/>
+              </a:schemeClr>
+            </a:lnRef>
+            <a:fillRef idx="1">
+              <a:schemeClr val="accent1"/>
+            </a:fillRef>
+            <a:effectRef idx="0">
+              <a:schemeClr val="accent1"/>
+            </a:effectRef>
+            <a:fontRef idx="minor">
+              <a:schemeClr val="lt1"/>
+            </a:fontRef>
+          </p:style>
+          <p:txBody>
+            <a:bodyPr rtlCol="0" anchor="ctr"/>
+            <a:lstStyle/>
+            <a:p>
+              <a:pPr algn="ctr"/>
+              <a:endParaRPr lang="fr-FR"/>
+            </a:p>
+          </p:txBody>
+        </p:sp>
+        <p:sp>
+          <p:nvSpPr>
+            <p:cNvPr id="24" name="Rectangle 23">
+              <a:extLst>
+                <a:ext uri="{FF2B5EF4-FFF2-40B4-BE49-F238E27FC236}">
+                  <a16:creationId xmlns:a16="http://schemas.microsoft.com/office/drawing/2014/main" id="{1610080A-12A8-3545-9348-93DFCDD9A0F2}"/>
+                </a:ext>
+              </a:extLst>
+            </p:cNvPr>
+            <p:cNvSpPr/>
+            <p:nvPr/>
+          </p:nvSpPr>
+          <p:spPr>
+            <a:xfrm>
+              <a:off x="6397416" y="710015"/>
+              <a:ext cx="3215175" cy="369332"/>
+            </a:xfrm>
+            <a:prstGeom prst="rect">
+              <a:avLst/>
+            </a:prstGeom>
+          </p:spPr>
+          <p:txBody>
+            <a:bodyPr wrap="square">
+              <a:spAutoFit/>
+            </a:bodyPr>
+            <a:lstStyle/>
+            <a:p>
+              <a:r>
+                <a:rPr lang="fr-FR" dirty="0">
+                  <a:solidFill>
+                    <a:schemeClr val="bg1"/>
+                  </a:solidFill>
+                  <a:latin typeface="Lato" charset="0"/>
+                </a:rPr>
+                <a:t>S’inscrire et activer son Compte</a:t>
+              </a:r>
+            </a:p>
+          </p:txBody>
+        </p:sp>
+      </p:grpSp>
+      <p:grpSp>
+        <p:nvGrpSpPr>
+          <p:cNvPr id="25" name="Group 24">
+            <a:extLst>
+              <a:ext uri="{FF2B5EF4-FFF2-40B4-BE49-F238E27FC236}">
+                <a16:creationId xmlns:a16="http://schemas.microsoft.com/office/drawing/2014/main" id="{E16CED9E-2F05-0143-9D11-7C6DD30C34D3}"/>
+              </a:ext>
+            </a:extLst>
+          </p:cNvPr>
+          <p:cNvGrpSpPr/>
+          <p:nvPr/>
+        </p:nvGrpSpPr>
+        <p:grpSpPr>
+          <a:xfrm>
+            <a:off x="4456260" y="3006521"/>
+            <a:ext cx="7097485" cy="814922"/>
+            <a:chOff x="4296043" y="487220"/>
+            <a:chExt cx="7097485" cy="814922"/>
+          </a:xfrm>
+        </p:grpSpPr>
+        <p:sp>
+          <p:nvSpPr>
+            <p:cNvPr id="31" name="Rounded Rectangle 30">
+              <a:extLst>
+                <a:ext uri="{FF2B5EF4-FFF2-40B4-BE49-F238E27FC236}">
+                  <a16:creationId xmlns:a16="http://schemas.microsoft.com/office/drawing/2014/main" id="{B4AD8E88-3AA2-C743-9349-6E6275ADD1D4}"/>
+                </a:ext>
+              </a:extLst>
+            </p:cNvPr>
+            <p:cNvSpPr/>
+            <p:nvPr/>
+          </p:nvSpPr>
+          <p:spPr>
+            <a:xfrm>
+              <a:off x="4296043" y="487220"/>
+              <a:ext cx="7097485" cy="814922"/>
+            </a:xfrm>
+            <a:prstGeom prst="roundRect">
+              <a:avLst/>
+            </a:prstGeom>
+          </p:spPr>
+          <p:style>
+            <a:lnRef idx="2">
+              <a:schemeClr val="accent1">
+                <a:shade val="50000"/>
+              </a:schemeClr>
+            </a:lnRef>
+            <a:fillRef idx="1">
+              <a:schemeClr val="accent1"/>
+            </a:fillRef>
+            <a:effectRef idx="0">
+              <a:schemeClr val="accent1"/>
+            </a:effectRef>
+            <a:fontRef idx="minor">
+              <a:schemeClr val="lt1"/>
+            </a:fontRef>
+          </p:style>
+          <p:txBody>
+            <a:bodyPr rtlCol="0" anchor="ctr"/>
+            <a:lstStyle/>
+            <a:p>
+              <a:pPr algn="ctr"/>
+              <a:endParaRPr lang="fr-FR"/>
+            </a:p>
+          </p:txBody>
+        </p:sp>
+        <p:sp>
+          <p:nvSpPr>
+            <p:cNvPr id="33" name="Rectangle 32">
+              <a:extLst>
+                <a:ext uri="{FF2B5EF4-FFF2-40B4-BE49-F238E27FC236}">
+                  <a16:creationId xmlns:a16="http://schemas.microsoft.com/office/drawing/2014/main" id="{C7C78E30-A879-4A41-98AC-3A668D609969}"/>
+                </a:ext>
+              </a:extLst>
+            </p:cNvPr>
+            <p:cNvSpPr/>
+            <p:nvPr/>
+          </p:nvSpPr>
+          <p:spPr>
+            <a:xfrm>
+              <a:off x="6397417" y="709250"/>
+              <a:ext cx="3215175" cy="369332"/>
+            </a:xfrm>
+            <a:prstGeom prst="rect">
+              <a:avLst/>
+            </a:prstGeom>
+          </p:spPr>
+          <p:txBody>
+            <a:bodyPr wrap="square">
+              <a:spAutoFit/>
+            </a:bodyPr>
+            <a:lstStyle/>
+            <a:p>
+              <a:r>
+                <a:rPr lang="fr-FR" dirty="0">
+                  <a:solidFill>
+                    <a:schemeClr val="bg1"/>
+                  </a:solidFill>
+                  <a:latin typeface="Lato" charset="0"/>
+                </a:rPr>
+                <a:t>Consulter les offres planifiées</a:t>
+              </a:r>
+            </a:p>
+          </p:txBody>
+        </p:sp>
+      </p:grpSp>
+      <p:grpSp>
+        <p:nvGrpSpPr>
+          <p:cNvPr id="35" name="Group 34">
+            <a:extLst>
+              <a:ext uri="{FF2B5EF4-FFF2-40B4-BE49-F238E27FC236}">
+                <a16:creationId xmlns:a16="http://schemas.microsoft.com/office/drawing/2014/main" id="{E9C7B998-8B08-8840-8EA5-A34F157247E0}"/>
+              </a:ext>
+            </a:extLst>
+          </p:cNvPr>
+          <p:cNvGrpSpPr/>
+          <p:nvPr/>
+        </p:nvGrpSpPr>
+        <p:grpSpPr>
+          <a:xfrm>
+            <a:off x="4470294" y="4316014"/>
+            <a:ext cx="7097485" cy="814922"/>
+            <a:chOff x="4296043" y="487220"/>
+            <a:chExt cx="7097485" cy="814922"/>
+          </a:xfrm>
+        </p:grpSpPr>
+        <p:sp>
+          <p:nvSpPr>
+            <p:cNvPr id="36" name="Rounded Rectangle 35">
+              <a:extLst>
+                <a:ext uri="{FF2B5EF4-FFF2-40B4-BE49-F238E27FC236}">
+                  <a16:creationId xmlns:a16="http://schemas.microsoft.com/office/drawing/2014/main" id="{43EBB37F-250B-164B-8556-BE8735568473}"/>
+                </a:ext>
+              </a:extLst>
+            </p:cNvPr>
+            <p:cNvSpPr/>
+            <p:nvPr/>
+          </p:nvSpPr>
+          <p:spPr>
+            <a:xfrm>
+              <a:off x="4296043" y="487220"/>
+              <a:ext cx="7097485" cy="814922"/>
+            </a:xfrm>
+            <a:prstGeom prst="roundRect">
+              <a:avLst/>
+            </a:prstGeom>
+          </p:spPr>
+          <p:style>
+            <a:lnRef idx="2">
+              <a:schemeClr val="accent1">
+                <a:shade val="50000"/>
+              </a:schemeClr>
+            </a:lnRef>
+            <a:fillRef idx="1">
+              <a:schemeClr val="accent1"/>
+            </a:fillRef>
+            <a:effectRef idx="0">
+              <a:schemeClr val="accent1"/>
+            </a:effectRef>
+            <a:fontRef idx="minor">
+              <a:schemeClr val="lt1"/>
+            </a:fontRef>
+          </p:style>
+          <p:txBody>
+            <a:bodyPr rtlCol="0" anchor="ctr"/>
+            <a:lstStyle/>
+            <a:p>
+              <a:pPr algn="ctr"/>
+              <a:endParaRPr lang="fr-FR"/>
+            </a:p>
+          </p:txBody>
+        </p:sp>
+        <p:sp>
+          <p:nvSpPr>
+            <p:cNvPr id="37" name="Rectangle 36">
+              <a:extLst>
+                <a:ext uri="{FF2B5EF4-FFF2-40B4-BE49-F238E27FC236}">
+                  <a16:creationId xmlns:a16="http://schemas.microsoft.com/office/drawing/2014/main" id="{761F17E9-80C0-FA4E-97EA-45B48237FDDA}"/>
+                </a:ext>
+              </a:extLst>
+            </p:cNvPr>
+            <p:cNvSpPr/>
+            <p:nvPr/>
+          </p:nvSpPr>
+          <p:spPr>
+            <a:xfrm>
+              <a:off x="6673188" y="710015"/>
+              <a:ext cx="3215175" cy="369332"/>
+            </a:xfrm>
+            <a:prstGeom prst="rect">
+              <a:avLst/>
+            </a:prstGeom>
+          </p:spPr>
+          <p:txBody>
+            <a:bodyPr wrap="square">
+              <a:spAutoFit/>
+            </a:bodyPr>
+            <a:lstStyle/>
+            <a:p>
+              <a:r>
+                <a:rPr lang="fr-FR" dirty="0">
+                  <a:solidFill>
+                    <a:schemeClr val="bg1"/>
+                  </a:solidFill>
+                  <a:latin typeface="Lato" charset="0"/>
+                </a:rPr>
+                <a:t>Terminer le processus KYC</a:t>
+              </a:r>
+            </a:p>
+          </p:txBody>
+        </p:sp>
+      </p:grpSp>
+      <p:pic>
+        <p:nvPicPr>
+          <p:cNvPr id="10" name="Picture 9">
+            <a:extLst>
+              <a:ext uri="{FF2B5EF4-FFF2-40B4-BE49-F238E27FC236}">
+                <a16:creationId xmlns:a16="http://schemas.microsoft.com/office/drawing/2014/main" id="{63D924FD-6AE5-2D45-9DB2-69A57BF2336C}"/>
+              </a:ext>
+            </a:extLst>
+          </p:cNvPr>
+          <p:cNvPicPr>
+            <a:picLocks noChangeAspect="1"/>
+          </p:cNvPicPr>
+          <p:nvPr/>
+        </p:nvPicPr>
+        <p:blipFill>
+          <a:blip r:embed="rId3"/>
+          <a:stretch>
+            <a:fillRect/>
+          </a:stretch>
+        </p:blipFill>
+        <p:spPr>
+          <a:xfrm>
+            <a:off x="6886106" y="3098527"/>
+            <a:ext cx="2237792" cy="2237792"/>
+          </a:xfrm>
+          <a:prstGeom prst="rect">
+            <a:avLst/>
+          </a:prstGeom>
+        </p:spPr>
+      </p:pic>
+    </p:spTree>
+    <p:extLst>
+      <p:ext uri="{BB962C8B-B14F-4D97-AF65-F5344CB8AC3E}">
+        <p14:creationId xmlns:p14="http://schemas.microsoft.com/office/powerpoint/2010/main" val="2516625900"/>
+      </p:ext>
+    </p:extLst>
+  </p:cSld>
+  <p:clrMapOvr>
+    <a:masterClrMapping/>
+  </p:clrMapOvr>
+  <mc:AlternateContent xmlns:mc="http://schemas.openxmlformats.org/markup-compatibility/2006" xmlns:p159="http://schemas.microsoft.com/office/powerpoint/2015/09/main">
+    <mc:Choice Requires="p159">
+      <p:transition xmlns:p14="http://schemas.microsoft.com/office/powerpoint/2010/main" spd="slow" p14:dur="2000">
+        <p159:morph option="byObject"/>
+      </p:transition>
+    </mc:Choice>
+    <mc:Fallback xmlns="">
+      <p:transition spd="slow">
+        <p:fade/>
+      </p:transition>
+    </mc:Fallback>
+  </mc:AlternateContent>
+  <p:timing>
+    <p:tnLst>
+      <p:par>
+        <p:cTn id="1" dur="indefinite" restart="never" nodeType="tmRoot">
+          <p:childTnLst>
+            <p:seq concurrent="1" nextAc="seek">
+              <p:cTn id="2" dur="indefinite" nodeType="mainSeq">
+                <p:childTnLst>
+                  <p:par>
+                    <p:cTn id="3" fill="hold">
+                      <p:stCondLst>
+                        <p:cond delay="indefinite"/>
+                      </p:stCondLst>
+                      <p:childTnLst>
+                        <p:par>
+                          <p:cTn id="4" fill="hold">
+                            <p:stCondLst>
+                              <p:cond delay="0"/>
+                            </p:stCondLst>
+                            <p:childTnLst>
+                              <p:par>
+                                <p:cTn id="5" presetID="10" presetClass="entr" presetSubtype="0" fill="hold" nodeType="clickEffect">
+                                  <p:stCondLst>
+                                    <p:cond delay="0"/>
+                                  </p:stCondLst>
+                                  <p:childTnLst>
+                                    <p:set>
+                                      <p:cBhvr>
+                                        <p:cTn id="6" dur="1" fill="hold">
+                                          <p:stCondLst>
+                                            <p:cond delay="0"/>
+                                          </p:stCondLst>
+                                        </p:cTn>
+                                        <p:tgtEl>
+                                          <p:spTgt spid="3"/>
+                                        </p:tgtEl>
+                                        <p:attrNameLst>
+                                          <p:attrName>style.visibility</p:attrName>
+                                        </p:attrNameLst>
+                                      </p:cBhvr>
+                                      <p:to>
+                                        <p:strVal val="visible"/>
+                                      </p:to>
+                                    </p:set>
+                                    <p:animEffect transition="in" filter="fade">
+                                      <p:cBhvr>
+                                        <p:cTn id="7" dur="500"/>
+                                        <p:tgtEl>
+                                          <p:spTgt spid="3"/>
+                                        </p:tgtEl>
+                                      </p:cBhvr>
+                                    </p:animEffect>
+                                  </p:childTnLst>
+                                </p:cTn>
+                              </p:par>
+                              <p:par>
+                                <p:cTn id="8" presetID="10" presetClass="entr" presetSubtype="0" fill="hold" nodeType="withEffect">
+                                  <p:stCondLst>
+                                    <p:cond delay="0"/>
+                                  </p:stCondLst>
+                                  <p:childTnLst>
+                                    <p:set>
+                                      <p:cBhvr>
+                                        <p:cTn id="9" dur="1" fill="hold">
+                                          <p:stCondLst>
+                                            <p:cond delay="0"/>
+                                          </p:stCondLst>
+                                        </p:cTn>
+                                        <p:tgtEl>
+                                          <p:spTgt spid="25"/>
+                                        </p:tgtEl>
+                                        <p:attrNameLst>
+                                          <p:attrName>style.visibility</p:attrName>
+                                        </p:attrNameLst>
+                                      </p:cBhvr>
+                                      <p:to>
+                                        <p:strVal val="visible"/>
+                                      </p:to>
+                                    </p:set>
+                                    <p:animEffect transition="in" filter="fade">
+                                      <p:cBhvr>
+                                        <p:cTn id="10" dur="500"/>
+                                        <p:tgtEl>
+                                          <p:spTgt spid="25"/>
+                                        </p:tgtEl>
+                                      </p:cBhvr>
+                                    </p:animEffect>
+                                  </p:childTnLst>
+                                </p:cTn>
+                              </p:par>
+                              <p:par>
+                                <p:cTn id="11" presetID="10" presetClass="entr" presetSubtype="0" fill="hold" nodeType="withEffect">
+                                  <p:stCondLst>
+                                    <p:cond delay="0"/>
+                                  </p:stCondLst>
+                                  <p:childTnLst>
+                                    <p:set>
+                                      <p:cBhvr>
+                                        <p:cTn id="12" dur="1" fill="hold">
+                                          <p:stCondLst>
+                                            <p:cond delay="0"/>
+                                          </p:stCondLst>
+                                        </p:cTn>
+                                        <p:tgtEl>
+                                          <p:spTgt spid="35"/>
+                                        </p:tgtEl>
+                                        <p:attrNameLst>
+                                          <p:attrName>style.visibility</p:attrName>
+                                        </p:attrNameLst>
+                                      </p:cBhvr>
+                                      <p:to>
+                                        <p:strVal val="visible"/>
+                                      </p:to>
+                                    </p:set>
+                                    <p:animEffect transition="in" filter="fade">
+                                      <p:cBhvr>
+                                        <p:cTn id="13" dur="500"/>
+                                        <p:tgtEl>
+                                          <p:spTgt spid="35"/>
+                                        </p:tgtEl>
+                                      </p:cBhvr>
+                                    </p:animEffect>
+                                  </p:childTnLst>
+                                </p:cTn>
+                              </p:par>
+                            </p:childTnLst>
+                          </p:cTn>
+                        </p:par>
+                      </p:childTnLst>
+                    </p:cTn>
+                  </p:par>
+                  <p:par>
+                    <p:cTn id="14" fill="hold">
+                      <p:stCondLst>
+                        <p:cond delay="indefinite"/>
+                      </p:stCondLst>
+                      <p:childTnLst>
+                        <p:par>
+                          <p:cTn id="15" fill="hold">
+                            <p:stCondLst>
+                              <p:cond delay="0"/>
+                            </p:stCondLst>
+                            <p:childTnLst>
+                              <p:par>
+                                <p:cTn id="16" presetID="2" presetClass="exit" presetSubtype="2" fill="hold" nodeType="clickEffect">
+                                  <p:stCondLst>
+                                    <p:cond delay="0"/>
+                                  </p:stCondLst>
+                                  <p:childTnLst>
+                                    <p:anim calcmode="lin" valueType="num">
+                                      <p:cBhvr additive="base">
+                                        <p:cTn id="17" dur="500"/>
+                                        <p:tgtEl>
+                                          <p:spTgt spid="3"/>
+                                        </p:tgtEl>
+                                        <p:attrNameLst>
+                                          <p:attrName>ppt_x</p:attrName>
+                                        </p:attrNameLst>
+                                      </p:cBhvr>
+                                      <p:tavLst>
+                                        <p:tav tm="0">
+                                          <p:val>
+                                            <p:strVal val="ppt_x"/>
+                                          </p:val>
+                                        </p:tav>
+                                        <p:tav tm="100000">
+                                          <p:val>
+                                            <p:strVal val="1+ppt_w/2"/>
+                                          </p:val>
+                                        </p:tav>
+                                      </p:tavLst>
+                                    </p:anim>
+                                    <p:anim calcmode="lin" valueType="num">
+                                      <p:cBhvr additive="base">
+                                        <p:cTn id="18" dur="500"/>
+                                        <p:tgtEl>
+                                          <p:spTgt spid="3"/>
+                                        </p:tgtEl>
+                                        <p:attrNameLst>
+                                          <p:attrName>ppt_y</p:attrName>
+                                        </p:attrNameLst>
+                                      </p:cBhvr>
+                                      <p:tavLst>
+                                        <p:tav tm="0">
+                                          <p:val>
+                                            <p:strVal val="ppt_y"/>
+                                          </p:val>
+                                        </p:tav>
+                                        <p:tav tm="100000">
+                                          <p:val>
+                                            <p:strVal val="ppt_y"/>
+                                          </p:val>
+                                        </p:tav>
+                                      </p:tavLst>
+                                    </p:anim>
+                                    <p:set>
+                                      <p:cBhvr>
+                                        <p:cTn id="19" dur="1" fill="hold">
+                                          <p:stCondLst>
+                                            <p:cond delay="499"/>
+                                          </p:stCondLst>
+                                        </p:cTn>
+                                        <p:tgtEl>
+                                          <p:spTgt spid="3"/>
+                                        </p:tgtEl>
+                                        <p:attrNameLst>
+                                          <p:attrName>style.visibility</p:attrName>
+                                        </p:attrNameLst>
+                                      </p:cBhvr>
+                                      <p:to>
+                                        <p:strVal val="hidden"/>
+                                      </p:to>
+                                    </p:set>
+                                  </p:childTnLst>
+                                </p:cTn>
+                              </p:par>
+                              <p:par>
+                                <p:cTn id="20" presetID="2" presetClass="exit" presetSubtype="2" fill="hold" nodeType="withEffect">
+                                  <p:stCondLst>
+                                    <p:cond delay="0"/>
+                                  </p:stCondLst>
+                                  <p:childTnLst>
+                                    <p:anim calcmode="lin" valueType="num">
+                                      <p:cBhvr additive="base">
+                                        <p:cTn id="21" dur="500"/>
+                                        <p:tgtEl>
+                                          <p:spTgt spid="25"/>
+                                        </p:tgtEl>
+                                        <p:attrNameLst>
+                                          <p:attrName>ppt_x</p:attrName>
+                                        </p:attrNameLst>
+                                      </p:cBhvr>
+                                      <p:tavLst>
+                                        <p:tav tm="0">
+                                          <p:val>
+                                            <p:strVal val="ppt_x"/>
+                                          </p:val>
+                                        </p:tav>
+                                        <p:tav tm="100000">
+                                          <p:val>
+                                            <p:strVal val="1+ppt_w/2"/>
+                                          </p:val>
+                                        </p:tav>
+                                      </p:tavLst>
+                                    </p:anim>
+                                    <p:anim calcmode="lin" valueType="num">
+                                      <p:cBhvr additive="base">
+                                        <p:cTn id="22" dur="500"/>
+                                        <p:tgtEl>
+                                          <p:spTgt spid="25"/>
+                                        </p:tgtEl>
+                                        <p:attrNameLst>
+                                          <p:attrName>ppt_y</p:attrName>
+                                        </p:attrNameLst>
+                                      </p:cBhvr>
+                                      <p:tavLst>
+                                        <p:tav tm="0">
+                                          <p:val>
+                                            <p:strVal val="ppt_y"/>
+                                          </p:val>
+                                        </p:tav>
+                                        <p:tav tm="100000">
+                                          <p:val>
+                                            <p:strVal val="ppt_y"/>
+                                          </p:val>
+                                        </p:tav>
+                                      </p:tavLst>
+                                    </p:anim>
+                                    <p:set>
+                                      <p:cBhvr>
+                                        <p:cTn id="23" dur="1" fill="hold">
+                                          <p:stCondLst>
+                                            <p:cond delay="499"/>
+                                          </p:stCondLst>
+                                        </p:cTn>
+                                        <p:tgtEl>
+                                          <p:spTgt spid="25"/>
+                                        </p:tgtEl>
+                                        <p:attrNameLst>
+                                          <p:attrName>style.visibility</p:attrName>
+                                        </p:attrNameLst>
+                                      </p:cBhvr>
+                                      <p:to>
+                                        <p:strVal val="hidden"/>
+                                      </p:to>
+                                    </p:set>
+                                  </p:childTnLst>
+                                </p:cTn>
+                              </p:par>
+                              <p:par>
+                                <p:cTn id="24" presetID="64" presetClass="path" presetSubtype="0" accel="50000" decel="50000" fill="hold" nodeType="withEffect">
+                                  <p:stCondLst>
+                                    <p:cond delay="0"/>
+                                  </p:stCondLst>
+                                  <p:childTnLst>
+                                    <p:animMotion origin="layout" path="M -2.29167E-6 2.59259E-6 L 0.00065 -0.39028 " pathEditMode="relative" rAng="0" ptsTypes="AA">
+                                      <p:cBhvr>
+                                        <p:cTn id="25" dur="2000" fill="hold"/>
+                                        <p:tgtEl>
+                                          <p:spTgt spid="35"/>
+                                        </p:tgtEl>
+                                        <p:attrNameLst>
+                                          <p:attrName>ppt_x</p:attrName>
+                                          <p:attrName>ppt_y</p:attrName>
+                                        </p:attrNameLst>
+                                      </p:cBhvr>
+                                      <p:rCtr x="26" y="-19514"/>
+                                    </p:animMotion>
+                                  </p:childTnLst>
+                                </p:cTn>
+                              </p:par>
+                            </p:childTnLst>
+                          </p:cTn>
+                        </p:par>
+                        <p:par>
+                          <p:cTn id="26" fill="hold">
+                            <p:stCondLst>
+                              <p:cond delay="2000"/>
+                            </p:stCondLst>
+                            <p:childTnLst>
+                              <p:par>
+                                <p:cTn id="27" presetID="10" presetClass="entr" presetSubtype="0" fill="hold" nodeType="afterEffect">
+                                  <p:stCondLst>
+                                    <p:cond delay="0"/>
+                                  </p:stCondLst>
+                                  <p:childTnLst>
+                                    <p:set>
+                                      <p:cBhvr>
+                                        <p:cTn id="28" dur="1" fill="hold">
+                                          <p:stCondLst>
+                                            <p:cond delay="0"/>
+                                          </p:stCondLst>
+                                        </p:cTn>
+                                        <p:tgtEl>
+                                          <p:spTgt spid="10"/>
+                                        </p:tgtEl>
+                                        <p:attrNameLst>
+                                          <p:attrName>style.visibility</p:attrName>
+                                        </p:attrNameLst>
+                                      </p:cBhvr>
+                                      <p:to>
+                                        <p:strVal val="visible"/>
+                                      </p:to>
+                                    </p:set>
+                                    <p:animEffect transition="in" filter="fade">
+                                      <p:cBhvr>
+                                        <p:cTn id="29" dur="500"/>
+                                        <p:tgtEl>
+                                          <p:spTgt spid="10"/>
+                                        </p:tgtEl>
+                                      </p:cBhvr>
+                                    </p:animEffect>
+                                  </p:childTnLst>
+                                </p:cTn>
+                              </p:par>
+                            </p:childTnLst>
+                          </p:cTn>
+                        </p:par>
+                      </p:childTnLst>
+                    </p:cTn>
+                  </p:par>
+                </p:childTnLst>
+              </p:cTn>
+              <p:prevCondLst>
+                <p:cond evt="onPrev" delay="0">
+                  <p:tgtEl>
+                    <p:sldTgt/>
+                  </p:tgtEl>
+                </p:cond>
+              </p:prevCondLst>
+              <p:nextCondLst>
+                <p:cond evt="onNext" delay="0">
+                  <p:tgtEl>
+                    <p:sldTgt/>
+                  </p:tgtEl>
+                </p:cond>
+              </p:nextCondLst>
+            </p:seq>
+          </p:childTnLst>
+        </p:cTn>
+      </p:par>
+    </p:tnLst>
+  </p:timing>
+</p:sld>
+</file>
+
+<file path=ppt/slides/slide11.xml><?xml version="1.0" encoding="utf-8"?>
+<p:sld xmlns:a="http://schemas.openxmlformats.org/drawingml/2006/main" xmlns:r="http://schemas.openxmlformats.org/officeDocument/2006/relationships" xmlns:p="http://schemas.openxmlformats.org/presentationml/2006/main">
+  <p:cSld>
+    <p:spTree>
+      <p:nvGrpSpPr>
+        <p:cNvPr id="1" name=""/>
+        <p:cNvGrpSpPr/>
+        <p:nvPr/>
+      </p:nvGrpSpPr>
+      <p:grpSpPr>
+        <a:xfrm>
+          <a:off x="0" y="0"/>
+          <a:ext cx="0" cy="0"/>
+          <a:chOff x="0" y="0"/>
+          <a:chExt cx="0" cy="0"/>
+        </a:xfrm>
+      </p:grpSpPr>
+      <p:sp>
+        <p:nvSpPr>
+          <p:cNvPr id="8" name="Rectangle 7"/>
+          <p:cNvSpPr/>
+          <p:nvPr/>
+        </p:nvSpPr>
+        <p:spPr>
+          <a:xfrm>
+            <a:off x="1586" y="0"/>
+            <a:ext cx="12188827" cy="6858000"/>
+          </a:xfrm>
+          <a:prstGeom prst="rect">
+            <a:avLst/>
+          </a:prstGeom>
+          <a:solidFill>
+            <a:schemeClr val="tx2">
+              <a:lumMod val="75000"/>
+            </a:schemeClr>
+          </a:solidFill>
+          <a:ln>
+            <a:noFill/>
+          </a:ln>
+        </p:spPr>
+        <p:style>
+          <a:lnRef idx="2">
+            <a:schemeClr val="accent1">
+              <a:shade val="50000"/>
+            </a:schemeClr>
+          </a:lnRef>
+          <a:fillRef idx="1">
+            <a:schemeClr val="accent1"/>
+          </a:fillRef>
+          <a:effectRef idx="0">
+            <a:schemeClr val="accent1"/>
+          </a:effectRef>
+          <a:fontRef idx="minor">
+            <a:schemeClr val="lt1"/>
+          </a:fontRef>
+        </p:style>
+        <p:txBody>
+          <a:bodyPr rtlCol="0" anchor="ctr"/>
+          <a:lstStyle/>
+          <a:p>
+            <a:pPr algn="ctr"/>
+            <a:endParaRPr lang="en-US" sz="900" dirty="0"/>
+          </a:p>
+        </p:txBody>
+      </p:sp>
+      <p:sp>
+        <p:nvSpPr>
+          <p:cNvPr id="2" name="Rectangle 1"/>
+          <p:cNvSpPr/>
+          <p:nvPr/>
+        </p:nvSpPr>
+        <p:spPr>
+          <a:xfrm flipH="1">
+            <a:off x="-2" y="159"/>
+            <a:ext cx="3383521" cy="6858000"/>
+          </a:xfrm>
+          <a:prstGeom prst="rect">
+            <a:avLst/>
+          </a:prstGeom>
+          <a:solidFill>
+            <a:schemeClr val="accent4">
+              <a:lumMod val="60000"/>
+              <a:lumOff val="40000"/>
+            </a:schemeClr>
+          </a:solidFill>
+          <a:ln>
+            <a:noFill/>
+          </a:ln>
+        </p:spPr>
+        <p:style>
+          <a:lnRef idx="2">
+            <a:schemeClr val="accent1">
+              <a:shade val="50000"/>
+            </a:schemeClr>
+          </a:lnRef>
+          <a:fillRef idx="1">
+            <a:schemeClr val="accent1"/>
+          </a:fillRef>
+          <a:effectRef idx="0">
+            <a:schemeClr val="accent1"/>
+          </a:effectRef>
+          <a:fontRef idx="minor">
+            <a:schemeClr val="lt1"/>
+          </a:fontRef>
+        </p:style>
+        <p:txBody>
+          <a:bodyPr rtlCol="0" anchor="ctr"/>
+          <a:lstStyle/>
+          <a:p>
+            <a:pPr algn="ctr"/>
+            <a:endParaRPr lang="en-US" sz="900"/>
+          </a:p>
+        </p:txBody>
+      </p:sp>
+      <p:grpSp>
+        <p:nvGrpSpPr>
+          <p:cNvPr id="18" name="Group 17"/>
+          <p:cNvGrpSpPr/>
+          <p:nvPr/>
+        </p:nvGrpSpPr>
+        <p:grpSpPr>
+          <a:xfrm>
+            <a:off x="11358229" y="6438900"/>
+            <a:ext cx="419100" cy="419100"/>
+            <a:chOff x="22713283" y="12877800"/>
+            <a:chExt cx="838200" cy="838200"/>
+          </a:xfrm>
+        </p:grpSpPr>
+        <p:sp>
+          <p:nvSpPr>
+            <p:cNvPr id="5" name="Rectangle 4"/>
+            <p:cNvSpPr/>
+            <p:nvPr/>
+          </p:nvSpPr>
+          <p:spPr>
+            <a:xfrm>
+              <a:off x="22713283" y="12877800"/>
+              <a:ext cx="838200" cy="838200"/>
+            </a:xfrm>
+            <a:prstGeom prst="rect">
+              <a:avLst/>
+            </a:prstGeom>
+            <a:solidFill>
+              <a:schemeClr val="accent1"/>
+            </a:solidFill>
+            <a:ln>
+              <a:noFill/>
+            </a:ln>
+          </p:spPr>
+          <p:style>
+            <a:lnRef idx="2">
+              <a:schemeClr val="accent1">
+                <a:shade val="50000"/>
+              </a:schemeClr>
+            </a:lnRef>
+            <a:fillRef idx="1">
+              <a:schemeClr val="accent1"/>
+            </a:fillRef>
+            <a:effectRef idx="0">
+              <a:schemeClr val="accent1"/>
+            </a:effectRef>
+            <a:fontRef idx="minor">
+              <a:schemeClr val="lt1"/>
+            </a:fontRef>
+          </p:style>
+          <p:txBody>
+            <a:bodyPr rtlCol="0" anchor="ctr"/>
+            <a:lstStyle/>
+            <a:p>
+              <a:pPr algn="ctr"/>
+              <a:endParaRPr lang="en-US" sz="900" dirty="0"/>
+            </a:p>
+          </p:txBody>
+        </p:sp>
+        <p:sp>
+          <p:nvSpPr>
+            <p:cNvPr id="17" name="Subtitle 2"/>
+            <p:cNvSpPr txBox="1">
+              <a:spLocks/>
+            </p:cNvSpPr>
+            <p:nvPr/>
+          </p:nvSpPr>
+          <p:spPr>
+            <a:xfrm>
+              <a:off x="22783885" y="12877800"/>
+              <a:ext cx="696996" cy="724056"/>
+            </a:xfrm>
+            <a:prstGeom prst="rect">
+              <a:avLst/>
+            </a:prstGeom>
+          </p:spPr>
+          <p:txBody>
+            <a:bodyPr vert="horz" wrap="square" lIns="108717" tIns="54359" rIns="108717" bIns="54359" rtlCol="0">
+              <a:spAutoFit/>
+            </a:bodyPr>
+            <a:lstStyle>
+              <a:lvl1pPr marL="0" indent="0" algn="ctr" defTabSz="1087636" rtl="0" eaLnBrk="1" latinLnBrk="0" hangingPunct="1">
+                <a:lnSpc>
+                  <a:spcPct val="120000"/>
+                </a:lnSpc>
+                <a:spcBef>
+                  <a:spcPct val="20000"/>
+                </a:spcBef>
+                <a:buFont typeface="Arial"/>
+                <a:buNone/>
+                <a:defRPr sz="2400" kern="1200">
+                  <a:solidFill>
+                    <a:schemeClr val="tx2"/>
+                  </a:solidFill>
+                  <a:latin typeface="Open Sans Light"/>
+                  <a:ea typeface="+mn-ea"/>
+                  <a:cs typeface="Open Sans Light"/>
+                </a:defRPr>
+              </a:lvl1pPr>
+              <a:lvl2pPr marL="1087636" indent="0" algn="ctr" defTabSz="1087636" rtl="0" eaLnBrk="1" latinLnBrk="0" hangingPunct="1">
+                <a:lnSpc>
+                  <a:spcPct val="130000"/>
+                </a:lnSpc>
+                <a:spcBef>
+                  <a:spcPct val="20000"/>
+                </a:spcBef>
+                <a:buFont typeface="Arial"/>
+                <a:buNone/>
+                <a:defRPr sz="3200" kern="1200">
+                  <a:solidFill>
+                    <a:schemeClr val="tx1">
+                      <a:tint val="75000"/>
+                    </a:schemeClr>
+                  </a:solidFill>
+                  <a:latin typeface="Open Sans"/>
+                  <a:ea typeface="+mn-ea"/>
+                  <a:cs typeface="Open Sans"/>
+                </a:defRPr>
+              </a:lvl2pPr>
+              <a:lvl3pPr marL="2175271" indent="0" algn="ctr" defTabSz="1087636" rtl="0" eaLnBrk="1" latinLnBrk="0" hangingPunct="1">
+                <a:lnSpc>
+                  <a:spcPct val="130000"/>
+                </a:lnSpc>
+                <a:spcBef>
+                  <a:spcPct val="20000"/>
+                </a:spcBef>
+                <a:buFont typeface="Arial"/>
+                <a:buNone/>
+                <a:defRPr sz="3200" kern="1200">
+                  <a:solidFill>
+                    <a:schemeClr val="tx1">
+                      <a:tint val="75000"/>
+                    </a:schemeClr>
+                  </a:solidFill>
+                  <a:latin typeface="Open Sans"/>
+                  <a:ea typeface="+mn-ea"/>
+                  <a:cs typeface="Open Sans"/>
+                </a:defRPr>
+              </a:lvl3pPr>
+              <a:lvl4pPr marL="3262912" indent="0" algn="ctr" defTabSz="1087636" rtl="0" eaLnBrk="1" latinLnBrk="0" hangingPunct="1">
+                <a:lnSpc>
+                  <a:spcPct val="130000"/>
+                </a:lnSpc>
+                <a:spcBef>
+                  <a:spcPct val="20000"/>
+                </a:spcBef>
+                <a:buFont typeface="Arial"/>
+                <a:buNone/>
+                <a:defRPr sz="3200" kern="1200">
+                  <a:solidFill>
+                    <a:schemeClr val="tx1">
+                      <a:tint val="75000"/>
+                    </a:schemeClr>
+                  </a:solidFill>
+                  <a:latin typeface="Open Sans"/>
+                  <a:ea typeface="+mn-ea"/>
+                  <a:cs typeface="Open Sans"/>
+                </a:defRPr>
+              </a:lvl4pPr>
+              <a:lvl5pPr marL="4350546" indent="0" algn="ctr" defTabSz="1087636" rtl="0" eaLnBrk="1" latinLnBrk="0" hangingPunct="1">
+                <a:lnSpc>
+                  <a:spcPct val="130000"/>
+                </a:lnSpc>
+                <a:spcBef>
+                  <a:spcPct val="20000"/>
+                </a:spcBef>
+                <a:buFont typeface="Arial"/>
+                <a:buNone/>
+                <a:defRPr sz="3200" kern="1200">
+                  <a:solidFill>
+                    <a:schemeClr val="tx1">
+                      <a:tint val="75000"/>
+                    </a:schemeClr>
+                  </a:solidFill>
+                  <a:latin typeface="Open Sans"/>
+                  <a:ea typeface="+mn-ea"/>
+                  <a:cs typeface="Open Sans"/>
+                </a:defRPr>
+              </a:lvl5pPr>
+              <a:lvl6pPr marL="5438184" indent="0" algn="ctr" defTabSz="1087636" rtl="0" eaLnBrk="1" latinLnBrk="0" hangingPunct="1">
+                <a:spcBef>
+                  <a:spcPct val="20000"/>
+                </a:spcBef>
+                <a:buFont typeface="Arial"/>
+                <a:buNone/>
+                <a:defRPr sz="4800" kern="1200">
+                  <a:solidFill>
+                    <a:schemeClr val="tx1">
+                      <a:tint val="75000"/>
+                    </a:schemeClr>
+                  </a:solidFill>
+                  <a:latin typeface="+mn-lt"/>
+                  <a:ea typeface="+mn-ea"/>
+                  <a:cs typeface="+mn-cs"/>
+                </a:defRPr>
+              </a:lvl6pPr>
+              <a:lvl7pPr marL="6525820" indent="0" algn="ctr" defTabSz="1087636" rtl="0" eaLnBrk="1" latinLnBrk="0" hangingPunct="1">
+                <a:spcBef>
+                  <a:spcPct val="20000"/>
+                </a:spcBef>
+                <a:buFont typeface="Arial"/>
+                <a:buNone/>
+                <a:defRPr sz="4800" kern="1200">
+                  <a:solidFill>
+                    <a:schemeClr val="tx1">
+                      <a:tint val="75000"/>
+                    </a:schemeClr>
+                  </a:solidFill>
+                  <a:latin typeface="+mn-lt"/>
+                  <a:ea typeface="+mn-ea"/>
+                  <a:cs typeface="+mn-cs"/>
+                </a:defRPr>
+              </a:lvl7pPr>
+              <a:lvl8pPr marL="7613455" indent="0" algn="ctr" defTabSz="1087636" rtl="0" eaLnBrk="1" latinLnBrk="0" hangingPunct="1">
+                <a:spcBef>
+                  <a:spcPct val="20000"/>
+                </a:spcBef>
+                <a:buFont typeface="Arial"/>
+                <a:buNone/>
+                <a:defRPr sz="4800" kern="1200">
+                  <a:solidFill>
+                    <a:schemeClr val="tx1">
+                      <a:tint val="75000"/>
+                    </a:schemeClr>
+                  </a:solidFill>
+                  <a:latin typeface="+mn-lt"/>
+                  <a:ea typeface="+mn-ea"/>
+                  <a:cs typeface="+mn-cs"/>
+                </a:defRPr>
+              </a:lvl8pPr>
+              <a:lvl9pPr marL="8701091" indent="0" algn="ctr" defTabSz="1087636" rtl="0" eaLnBrk="1" latinLnBrk="0" hangingPunct="1">
+                <a:spcBef>
+                  <a:spcPct val="20000"/>
+                </a:spcBef>
+                <a:buFont typeface="Arial"/>
+                <a:buNone/>
+                <a:defRPr sz="4800" kern="1200">
+                  <a:solidFill>
+                    <a:schemeClr val="tx1">
+                      <a:tint val="75000"/>
+                    </a:schemeClr>
+                  </a:solidFill>
+                  <a:latin typeface="+mn-lt"/>
+                  <a:ea typeface="+mn-ea"/>
+                  <a:cs typeface="+mn-cs"/>
+                </a:defRPr>
+              </a:lvl9pPr>
+            </a:lstStyle>
+            <a:p>
+              <a:pPr>
+                <a:lnSpc>
+                  <a:spcPts val="2150"/>
+                </a:lnSpc>
+              </a:pPr>
+              <a:r>
+                <a:rPr lang="en-US" sz="1200" dirty="0">
+                  <a:solidFill>
+                    <a:schemeClr val="bg1"/>
+                  </a:solidFill>
+                  <a:latin typeface="Lato" charset="0"/>
+                  <a:ea typeface="Lato" charset="0"/>
+                  <a:cs typeface="Lato" charset="0"/>
+                </a:rPr>
+                <a:t>4</a:t>
+              </a:r>
+            </a:p>
+          </p:txBody>
+        </p:sp>
+      </p:grpSp>
+      <p:grpSp>
+        <p:nvGrpSpPr>
+          <p:cNvPr id="9" name="Group 8"/>
+          <p:cNvGrpSpPr/>
+          <p:nvPr/>
+        </p:nvGrpSpPr>
+        <p:grpSpPr>
+          <a:xfrm>
+            <a:off x="232083" y="3849561"/>
+            <a:ext cx="124864" cy="3008440"/>
+            <a:chOff x="944559" y="7284867"/>
+            <a:chExt cx="327912" cy="2474670"/>
+          </a:xfrm>
+        </p:grpSpPr>
+        <p:sp>
+          <p:nvSpPr>
+            <p:cNvPr id="28" name="Rectangle 27"/>
+            <p:cNvSpPr/>
+            <p:nvPr/>
+          </p:nvSpPr>
+          <p:spPr>
+            <a:xfrm>
+              <a:off x="944559" y="7284867"/>
+              <a:ext cx="327912" cy="327912"/>
+            </a:xfrm>
+            <a:prstGeom prst="rect">
+              <a:avLst/>
+            </a:prstGeom>
+            <a:solidFill>
+              <a:schemeClr val="accent4">
+                <a:lumMod val="60000"/>
+                <a:lumOff val="40000"/>
+              </a:schemeClr>
+            </a:solidFill>
+            <a:ln>
+              <a:noFill/>
+            </a:ln>
+          </p:spPr>
+          <p:style>
+            <a:lnRef idx="2">
+              <a:schemeClr val="accent1">
+                <a:shade val="50000"/>
+              </a:schemeClr>
+            </a:lnRef>
+            <a:fillRef idx="1">
+              <a:schemeClr val="accent1"/>
+            </a:fillRef>
+            <a:effectRef idx="0">
+              <a:schemeClr val="accent1"/>
+            </a:effectRef>
+            <a:fontRef idx="minor">
+              <a:schemeClr val="lt1"/>
+            </a:fontRef>
+          </p:style>
+          <p:txBody>
+            <a:bodyPr rtlCol="0" anchor="ctr"/>
+            <a:lstStyle/>
+            <a:p>
+              <a:pPr algn="ctr"/>
+              <a:endParaRPr lang="en-US" sz="900"/>
+            </a:p>
+          </p:txBody>
+        </p:sp>
+        <p:sp>
+          <p:nvSpPr>
+            <p:cNvPr id="29" name="Rectangle 28"/>
+            <p:cNvSpPr/>
+            <p:nvPr/>
+          </p:nvSpPr>
+          <p:spPr>
+            <a:xfrm>
+              <a:off x="944559" y="9431625"/>
+              <a:ext cx="327912" cy="327912"/>
+            </a:xfrm>
+            <a:prstGeom prst="rect">
+              <a:avLst/>
+            </a:prstGeom>
+            <a:solidFill>
+              <a:schemeClr val="accent4">
+                <a:lumMod val="60000"/>
+                <a:lumOff val="40000"/>
+              </a:schemeClr>
+            </a:solidFill>
+            <a:ln>
+              <a:noFill/>
+            </a:ln>
+          </p:spPr>
+          <p:style>
+            <a:lnRef idx="2">
+              <a:schemeClr val="accent1">
+                <a:shade val="50000"/>
+              </a:schemeClr>
+            </a:lnRef>
+            <a:fillRef idx="1">
+              <a:schemeClr val="accent1"/>
+            </a:fillRef>
+            <a:effectRef idx="0">
+              <a:schemeClr val="accent1"/>
+            </a:effectRef>
+            <a:fontRef idx="minor">
+              <a:schemeClr val="lt1"/>
+            </a:fontRef>
+          </p:style>
+          <p:txBody>
+            <a:bodyPr rtlCol="0" anchor="ctr"/>
+            <a:lstStyle/>
+            <a:p>
+              <a:pPr algn="ctr"/>
+              <a:endParaRPr lang="en-US" sz="900"/>
+            </a:p>
+          </p:txBody>
+        </p:sp>
+      </p:grpSp>
+      <p:sp>
+        <p:nvSpPr>
+          <p:cNvPr id="30" name="TextBox 29">
+            <a:extLst>
+              <a:ext uri="{FF2B5EF4-FFF2-40B4-BE49-F238E27FC236}">
+                <a16:creationId xmlns:a16="http://schemas.microsoft.com/office/drawing/2014/main" id="{BB5EE1A2-01E7-384B-B3D4-C14EAECE9A88}"/>
+              </a:ext>
+            </a:extLst>
+          </p:cNvPr>
+          <p:cNvSpPr txBox="1"/>
+          <p:nvPr/>
+        </p:nvSpPr>
+        <p:spPr>
+          <a:xfrm>
+            <a:off x="243566" y="4017368"/>
+            <a:ext cx="2706271" cy="400110"/>
+          </a:xfrm>
+          <a:prstGeom prst="rect">
+            <a:avLst/>
+          </a:prstGeom>
+          <a:noFill/>
+        </p:spPr>
+        <p:txBody>
+          <a:bodyPr wrap="square" rtlCol="0">
+            <a:spAutoFit/>
+          </a:bodyPr>
+          <a:lstStyle/>
+          <a:p>
+            <a:r>
+              <a:rPr lang="fr-FR" sz="2000" dirty="0">
+                <a:solidFill>
+                  <a:schemeClr val="bg1"/>
+                </a:solidFill>
+                <a:latin typeface="Playfair Display" charset="0"/>
+                <a:ea typeface="Playfair Display" charset="0"/>
+                <a:cs typeface="Playfair Display" charset="0"/>
+              </a:rPr>
+              <a:t>Implémentation et tests</a:t>
+            </a:r>
+          </a:p>
+        </p:txBody>
+      </p:sp>
+      <p:sp>
+        <p:nvSpPr>
+          <p:cNvPr id="26" name="TextBox 25">
+            <a:extLst>
+              <a:ext uri="{FF2B5EF4-FFF2-40B4-BE49-F238E27FC236}">
+                <a16:creationId xmlns:a16="http://schemas.microsoft.com/office/drawing/2014/main" id="{4A5C87BF-6D10-9145-B649-A92E41425124}"/>
+              </a:ext>
+            </a:extLst>
+          </p:cNvPr>
+          <p:cNvSpPr txBox="1"/>
+          <p:nvPr/>
+        </p:nvSpPr>
+        <p:spPr>
+          <a:xfrm>
+            <a:off x="192563" y="5963319"/>
+            <a:ext cx="3157173" cy="400110"/>
+          </a:xfrm>
+          <a:prstGeom prst="rect">
+            <a:avLst/>
+          </a:prstGeom>
+          <a:noFill/>
+        </p:spPr>
+        <p:txBody>
+          <a:bodyPr wrap="square" rtlCol="0">
+            <a:spAutoFit/>
+          </a:bodyPr>
+          <a:lstStyle/>
+          <a:p>
+            <a:r>
+              <a:rPr lang="fr-FR" sz="2000" dirty="0">
+                <a:solidFill>
+                  <a:schemeClr val="bg1"/>
+                </a:solidFill>
+                <a:latin typeface="Playfair Display" charset="0"/>
+                <a:ea typeface="Playfair Display" charset="0"/>
+                <a:cs typeface="Playfair Display" charset="0"/>
+              </a:rPr>
+              <a:t>Conclusion et perspectives</a:t>
+            </a:r>
+          </a:p>
+        </p:txBody>
+      </p:sp>
+      <p:sp>
+        <p:nvSpPr>
+          <p:cNvPr id="27" name="TextBox 26">
+            <a:extLst>
+              <a:ext uri="{FF2B5EF4-FFF2-40B4-BE49-F238E27FC236}">
+                <a16:creationId xmlns:a16="http://schemas.microsoft.com/office/drawing/2014/main" id="{9E705042-39F4-5049-9E23-832ECB60E4AF}"/>
+              </a:ext>
+            </a:extLst>
+          </p:cNvPr>
+          <p:cNvSpPr txBox="1"/>
+          <p:nvPr/>
+        </p:nvSpPr>
+        <p:spPr>
+          <a:xfrm>
+            <a:off x="192563" y="494571"/>
+            <a:ext cx="2706271" cy="400110"/>
+          </a:xfrm>
+          <a:prstGeom prst="rect">
+            <a:avLst/>
+          </a:prstGeom>
+          <a:noFill/>
+        </p:spPr>
+        <p:txBody>
+          <a:bodyPr wrap="square" rtlCol="0">
+            <a:spAutoFit/>
+          </a:bodyPr>
+          <a:lstStyle/>
+          <a:p>
+            <a:r>
+              <a:rPr lang="fr-FR" sz="2000" dirty="0">
+                <a:solidFill>
+                  <a:schemeClr val="bg1"/>
+                </a:solidFill>
+                <a:latin typeface="Playfair Display" charset="0"/>
+                <a:ea typeface="Playfair Display" charset="0"/>
+                <a:cs typeface="Playfair Display" charset="0"/>
+              </a:rPr>
+              <a:t>Définition du projet</a:t>
+            </a:r>
+          </a:p>
+        </p:txBody>
+      </p:sp>
+      <p:sp>
+        <p:nvSpPr>
+          <p:cNvPr id="32" name="TextBox 31">
+            <a:extLst>
+              <a:ext uri="{FF2B5EF4-FFF2-40B4-BE49-F238E27FC236}">
+                <a16:creationId xmlns:a16="http://schemas.microsoft.com/office/drawing/2014/main" id="{A83D7826-FADB-3D47-A4CA-4E0D9DAB70A4}"/>
+              </a:ext>
+            </a:extLst>
+          </p:cNvPr>
+          <p:cNvSpPr txBox="1"/>
+          <p:nvPr/>
+        </p:nvSpPr>
+        <p:spPr>
+          <a:xfrm>
+            <a:off x="201519" y="1062488"/>
+            <a:ext cx="2706271" cy="400110"/>
+          </a:xfrm>
+          <a:prstGeom prst="rect">
+            <a:avLst/>
+          </a:prstGeom>
+          <a:noFill/>
+        </p:spPr>
+        <p:txBody>
+          <a:bodyPr wrap="square" rtlCol="0">
+            <a:spAutoFit/>
+          </a:bodyPr>
+          <a:lstStyle/>
+          <a:p>
+            <a:r>
+              <a:rPr lang="fr-FR" sz="2000" dirty="0">
+                <a:solidFill>
+                  <a:schemeClr val="tx2">
+                    <a:lumMod val="75000"/>
+                  </a:schemeClr>
+                </a:solidFill>
+                <a:latin typeface="Playfair Display" charset="0"/>
+                <a:ea typeface="Playfair Display" charset="0"/>
+                <a:cs typeface="Playfair Display" charset="0"/>
+              </a:rPr>
+              <a:t>Analyse des besoins</a:t>
+            </a:r>
+          </a:p>
+        </p:txBody>
+      </p:sp>
+      <p:sp>
+        <p:nvSpPr>
+          <p:cNvPr id="14" name="TextBox 13">
+            <a:extLst>
+              <a:ext uri="{FF2B5EF4-FFF2-40B4-BE49-F238E27FC236}">
+                <a16:creationId xmlns:a16="http://schemas.microsoft.com/office/drawing/2014/main" id="{20162023-85BD-BA4F-98EA-A293089270B4}"/>
+              </a:ext>
+            </a:extLst>
+          </p:cNvPr>
+          <p:cNvSpPr txBox="1"/>
+          <p:nvPr/>
+        </p:nvSpPr>
+        <p:spPr>
+          <a:xfrm>
+            <a:off x="356946" y="1572530"/>
+            <a:ext cx="3157173" cy="646331"/>
+          </a:xfrm>
+          <a:prstGeom prst="rect">
+            <a:avLst/>
+          </a:prstGeom>
+          <a:noFill/>
+        </p:spPr>
+        <p:txBody>
+          <a:bodyPr wrap="square" rtlCol="0">
+            <a:spAutoFit/>
+          </a:bodyPr>
+          <a:lstStyle/>
+          <a:p>
+            <a:r>
+              <a:rPr lang="fr-FR" dirty="0">
+                <a:solidFill>
+                  <a:schemeClr val="tx2">
+                    <a:lumMod val="75000"/>
+                  </a:schemeClr>
+                </a:solidFill>
+                <a:latin typeface="Lato" charset="0"/>
+              </a:rPr>
+              <a:t>1- Etude fonctionnelle</a:t>
+            </a:r>
+          </a:p>
+          <a:p>
+            <a:r>
+              <a:rPr lang="fr-FR" dirty="0">
+                <a:solidFill>
+                  <a:schemeClr val="bg1"/>
+                </a:solidFill>
+                <a:latin typeface="Lato" charset="0"/>
+              </a:rPr>
+              <a:t>2- L’algorithme de covoiturage</a:t>
+            </a:r>
+          </a:p>
+        </p:txBody>
+      </p:sp>
+      <p:sp>
+        <p:nvSpPr>
+          <p:cNvPr id="15" name="TextBox 14">
+            <a:extLst>
+              <a:ext uri="{FF2B5EF4-FFF2-40B4-BE49-F238E27FC236}">
+                <a16:creationId xmlns:a16="http://schemas.microsoft.com/office/drawing/2014/main" id="{A115C374-1B95-2643-B7A9-E35048C84144}"/>
+              </a:ext>
+            </a:extLst>
+          </p:cNvPr>
+          <p:cNvSpPr txBox="1"/>
+          <p:nvPr/>
+        </p:nvSpPr>
+        <p:spPr>
+          <a:xfrm>
+            <a:off x="5704866" y="494571"/>
+            <a:ext cx="4600276" cy="707886"/>
+          </a:xfrm>
+          <a:prstGeom prst="rect">
+            <a:avLst/>
+          </a:prstGeom>
+          <a:noFill/>
+        </p:spPr>
+        <p:txBody>
+          <a:bodyPr wrap="square" rtlCol="0">
+            <a:spAutoFit/>
+          </a:bodyPr>
+          <a:lstStyle/>
+          <a:p>
+            <a:r>
+              <a:rPr lang="fr-FR" sz="4000" b="1" dirty="0">
+                <a:solidFill>
+                  <a:schemeClr val="bg1"/>
+                </a:solidFill>
+                <a:latin typeface="Playfair Display" charset="0"/>
+                <a:ea typeface="Playfair Display" charset="0"/>
+                <a:cs typeface="Playfair Display" charset="0"/>
+              </a:rPr>
+              <a:t>Besoins fonctionnels</a:t>
+            </a:r>
+          </a:p>
+        </p:txBody>
+      </p:sp>
+      <p:grpSp>
+        <p:nvGrpSpPr>
+          <p:cNvPr id="34" name="Group 33">
+            <a:extLst>
+              <a:ext uri="{FF2B5EF4-FFF2-40B4-BE49-F238E27FC236}">
+                <a16:creationId xmlns:a16="http://schemas.microsoft.com/office/drawing/2014/main" id="{7585EC1A-C0D7-734D-B8BF-3768FDF892B8}"/>
+              </a:ext>
+            </a:extLst>
+          </p:cNvPr>
+          <p:cNvGrpSpPr/>
+          <p:nvPr/>
+        </p:nvGrpSpPr>
+        <p:grpSpPr>
+          <a:xfrm>
+            <a:off x="6010221" y="1289567"/>
+            <a:ext cx="5980260" cy="814922"/>
+            <a:chOff x="4296043" y="487220"/>
+            <a:chExt cx="7097485" cy="814922"/>
+          </a:xfrm>
+        </p:grpSpPr>
+        <p:sp>
+          <p:nvSpPr>
+            <p:cNvPr id="38" name="Rounded Rectangle 37">
+              <a:extLst>
+                <a:ext uri="{FF2B5EF4-FFF2-40B4-BE49-F238E27FC236}">
+                  <a16:creationId xmlns:a16="http://schemas.microsoft.com/office/drawing/2014/main" id="{053301A0-CCD9-384B-A2B6-5E0BCFE89912}"/>
+                </a:ext>
+              </a:extLst>
+            </p:cNvPr>
+            <p:cNvSpPr/>
+            <p:nvPr/>
+          </p:nvSpPr>
+          <p:spPr>
+            <a:xfrm>
+              <a:off x="4296043" y="487220"/>
+              <a:ext cx="7097485" cy="814922"/>
+            </a:xfrm>
+            <a:prstGeom prst="roundRect">
+              <a:avLst/>
+            </a:prstGeom>
+          </p:spPr>
+          <p:style>
+            <a:lnRef idx="2">
+              <a:schemeClr val="accent1">
+                <a:shade val="50000"/>
+              </a:schemeClr>
+            </a:lnRef>
+            <a:fillRef idx="1">
+              <a:schemeClr val="accent1"/>
+            </a:fillRef>
+            <a:effectRef idx="0">
+              <a:schemeClr val="accent1"/>
+            </a:effectRef>
+            <a:fontRef idx="minor">
+              <a:schemeClr val="lt1"/>
+            </a:fontRef>
+          </p:style>
+          <p:txBody>
+            <a:bodyPr rtlCol="0" anchor="ctr"/>
+            <a:lstStyle/>
+            <a:p>
+              <a:pPr algn="ctr"/>
+              <a:endParaRPr lang="fr-FR"/>
+            </a:p>
+          </p:txBody>
+        </p:sp>
+        <p:sp>
+          <p:nvSpPr>
+            <p:cNvPr id="39" name="Rectangle 38">
+              <a:extLst>
+                <a:ext uri="{FF2B5EF4-FFF2-40B4-BE49-F238E27FC236}">
+                  <a16:creationId xmlns:a16="http://schemas.microsoft.com/office/drawing/2014/main" id="{F2198857-A6F0-3546-84B5-C3D1BD90B613}"/>
+                </a:ext>
+              </a:extLst>
+            </p:cNvPr>
+            <p:cNvSpPr/>
+            <p:nvPr/>
+          </p:nvSpPr>
+          <p:spPr>
+            <a:xfrm>
+              <a:off x="4451967" y="710015"/>
+              <a:ext cx="6751413" cy="369332"/>
+            </a:xfrm>
+            <a:prstGeom prst="rect">
+              <a:avLst/>
+            </a:prstGeom>
+          </p:spPr>
+          <p:txBody>
+            <a:bodyPr wrap="square">
+              <a:spAutoFit/>
+            </a:bodyPr>
+            <a:lstStyle/>
+            <a:p>
+              <a:pPr algn="ctr"/>
+              <a:r>
+                <a:rPr lang="fr-FR" dirty="0">
+                  <a:solidFill>
+                    <a:schemeClr val="bg1"/>
+                  </a:solidFill>
+                  <a:latin typeface="Lato" charset="0"/>
+                </a:rPr>
+                <a:t>Démarrer un trajet instantané</a:t>
+              </a:r>
+            </a:p>
+          </p:txBody>
+        </p:sp>
+      </p:grpSp>
+      <p:sp>
+        <p:nvSpPr>
+          <p:cNvPr id="4" name="TextBox 3">
+            <a:extLst>
+              <a:ext uri="{FF2B5EF4-FFF2-40B4-BE49-F238E27FC236}">
+                <a16:creationId xmlns:a16="http://schemas.microsoft.com/office/drawing/2014/main" id="{AB8D27B8-07BC-BF4B-B593-1113718235D3}"/>
+              </a:ext>
+            </a:extLst>
+          </p:cNvPr>
+          <p:cNvSpPr txBox="1"/>
+          <p:nvPr/>
+        </p:nvSpPr>
+        <p:spPr>
+          <a:xfrm>
+            <a:off x="5358204" y="1129887"/>
+            <a:ext cx="647934" cy="1862048"/>
+          </a:xfrm>
+          <a:prstGeom prst="rect">
+            <a:avLst/>
+          </a:prstGeom>
+          <a:noFill/>
+        </p:spPr>
+        <p:txBody>
+          <a:bodyPr wrap="none" rtlCol="0">
+            <a:spAutoFit/>
+          </a:bodyPr>
+          <a:lstStyle/>
+          <a:p>
+            <a:r>
+              <a:rPr lang="fr-FR" sz="11500" dirty="0">
+                <a:solidFill>
+                  <a:schemeClr val="bg1"/>
+                </a:solidFill>
+              </a:rPr>
+              <a:t>{</a:t>
+            </a:r>
+            <a:endParaRPr lang="fr-FR" sz="7200" dirty="0">
+              <a:solidFill>
+                <a:schemeClr val="bg1"/>
+              </a:solidFill>
+            </a:endParaRPr>
+          </a:p>
+        </p:txBody>
+      </p:sp>
+      <p:pic>
+        <p:nvPicPr>
+          <p:cNvPr id="52" name="Picture 51">
+            <a:extLst>
+              <a:ext uri="{FF2B5EF4-FFF2-40B4-BE49-F238E27FC236}">
+                <a16:creationId xmlns:a16="http://schemas.microsoft.com/office/drawing/2014/main" id="{66551A96-729B-4B41-9A0B-0A9BA1651184}"/>
+              </a:ext>
+            </a:extLst>
+          </p:cNvPr>
+          <p:cNvPicPr>
+            <a:picLocks noChangeAspect="1"/>
+          </p:cNvPicPr>
+          <p:nvPr/>
+        </p:nvPicPr>
+        <p:blipFill>
+          <a:blip r:embed="rId3"/>
+          <a:stretch>
+            <a:fillRect/>
+          </a:stretch>
+        </p:blipFill>
+        <p:spPr>
+          <a:xfrm>
+            <a:off x="4130580" y="1484848"/>
+            <a:ext cx="1190636" cy="1190636"/>
+          </a:xfrm>
+          <a:prstGeom prst="rect">
+            <a:avLst/>
+          </a:prstGeom>
+        </p:spPr>
+      </p:pic>
+      <p:grpSp>
+        <p:nvGrpSpPr>
+          <p:cNvPr id="53" name="Group 52">
+            <a:extLst>
+              <a:ext uri="{FF2B5EF4-FFF2-40B4-BE49-F238E27FC236}">
+                <a16:creationId xmlns:a16="http://schemas.microsoft.com/office/drawing/2014/main" id="{86F8EEF2-DC9A-D446-BCD3-8AC366F12C74}"/>
+              </a:ext>
+            </a:extLst>
+          </p:cNvPr>
+          <p:cNvGrpSpPr/>
+          <p:nvPr/>
+        </p:nvGrpSpPr>
+        <p:grpSpPr>
+          <a:xfrm>
+            <a:off x="6010221" y="2173142"/>
+            <a:ext cx="5980260" cy="814922"/>
+            <a:chOff x="4296043" y="487220"/>
+            <a:chExt cx="7097485" cy="814922"/>
+          </a:xfrm>
+        </p:grpSpPr>
+        <p:sp>
+          <p:nvSpPr>
+            <p:cNvPr id="54" name="Rounded Rectangle 53">
+              <a:extLst>
+                <a:ext uri="{FF2B5EF4-FFF2-40B4-BE49-F238E27FC236}">
+                  <a16:creationId xmlns:a16="http://schemas.microsoft.com/office/drawing/2014/main" id="{EAFF2762-7C67-F841-9FE7-6C6CD73C2F8C}"/>
+                </a:ext>
+              </a:extLst>
+            </p:cNvPr>
+            <p:cNvSpPr/>
+            <p:nvPr/>
+          </p:nvSpPr>
+          <p:spPr>
+            <a:xfrm>
+              <a:off x="4296043" y="487220"/>
+              <a:ext cx="7097485" cy="814922"/>
+            </a:xfrm>
+            <a:prstGeom prst="roundRect">
+              <a:avLst/>
+            </a:prstGeom>
+          </p:spPr>
+          <p:style>
+            <a:lnRef idx="2">
+              <a:schemeClr val="accent1">
+                <a:shade val="50000"/>
+              </a:schemeClr>
+            </a:lnRef>
+            <a:fillRef idx="1">
+              <a:schemeClr val="accent1"/>
+            </a:fillRef>
+            <a:effectRef idx="0">
+              <a:schemeClr val="accent1"/>
+            </a:effectRef>
+            <a:fontRef idx="minor">
+              <a:schemeClr val="lt1"/>
+            </a:fontRef>
+          </p:style>
+          <p:txBody>
+            <a:bodyPr rtlCol="0" anchor="ctr"/>
+            <a:lstStyle/>
+            <a:p>
+              <a:pPr algn="ctr"/>
+              <a:r>
+                <a:rPr lang="fr-FR" dirty="0"/>
+                <a:t>Publier une offre planifiée</a:t>
+              </a:r>
+            </a:p>
+          </p:txBody>
+        </p:sp>
+        <p:sp>
+          <p:nvSpPr>
+            <p:cNvPr id="55" name="Rectangle 54">
+              <a:extLst>
+                <a:ext uri="{FF2B5EF4-FFF2-40B4-BE49-F238E27FC236}">
+                  <a16:creationId xmlns:a16="http://schemas.microsoft.com/office/drawing/2014/main" id="{1646874D-452C-D34E-A2F1-89F7456F87B6}"/>
+                </a:ext>
+              </a:extLst>
+            </p:cNvPr>
+            <p:cNvSpPr/>
+            <p:nvPr/>
+          </p:nvSpPr>
+          <p:spPr>
+            <a:xfrm>
+              <a:off x="4451967" y="710015"/>
+              <a:ext cx="6751413" cy="369332"/>
+            </a:xfrm>
+            <a:prstGeom prst="rect">
+              <a:avLst/>
+            </a:prstGeom>
+          </p:spPr>
+          <p:txBody>
+            <a:bodyPr wrap="square">
+              <a:spAutoFit/>
+            </a:bodyPr>
+            <a:lstStyle/>
+            <a:p>
+              <a:pPr algn="ctr"/>
+              <a:endParaRPr lang="fr-FR" dirty="0">
+                <a:solidFill>
+                  <a:schemeClr val="bg1"/>
+                </a:solidFill>
+                <a:latin typeface="Lato" charset="0"/>
+              </a:endParaRPr>
+            </a:p>
+          </p:txBody>
+        </p:sp>
+      </p:grpSp>
+      <p:grpSp>
+        <p:nvGrpSpPr>
+          <p:cNvPr id="63" name="Group 62">
+            <a:extLst>
+              <a:ext uri="{FF2B5EF4-FFF2-40B4-BE49-F238E27FC236}">
+                <a16:creationId xmlns:a16="http://schemas.microsoft.com/office/drawing/2014/main" id="{FDF98CDB-E6D6-2942-9578-BF07869541F7}"/>
+              </a:ext>
+            </a:extLst>
+          </p:cNvPr>
+          <p:cNvGrpSpPr/>
+          <p:nvPr/>
+        </p:nvGrpSpPr>
+        <p:grpSpPr>
+          <a:xfrm>
+            <a:off x="6010221" y="3306900"/>
+            <a:ext cx="5980260" cy="814922"/>
+            <a:chOff x="4296043" y="487220"/>
+            <a:chExt cx="7097485" cy="814922"/>
+          </a:xfrm>
+        </p:grpSpPr>
+        <p:sp>
+          <p:nvSpPr>
+            <p:cNvPr id="64" name="Rounded Rectangle 63">
+              <a:extLst>
+                <a:ext uri="{FF2B5EF4-FFF2-40B4-BE49-F238E27FC236}">
+                  <a16:creationId xmlns:a16="http://schemas.microsoft.com/office/drawing/2014/main" id="{D0EDEB2F-976B-8A43-91C2-05B95B4A7848}"/>
+                </a:ext>
+              </a:extLst>
+            </p:cNvPr>
+            <p:cNvSpPr/>
+            <p:nvPr/>
+          </p:nvSpPr>
+          <p:spPr>
+            <a:xfrm>
+              <a:off x="4296043" y="487220"/>
+              <a:ext cx="7097485" cy="814922"/>
+            </a:xfrm>
+            <a:prstGeom prst="roundRect">
+              <a:avLst/>
+            </a:prstGeom>
+          </p:spPr>
+          <p:style>
+            <a:lnRef idx="2">
+              <a:schemeClr val="accent1">
+                <a:shade val="50000"/>
+              </a:schemeClr>
+            </a:lnRef>
+            <a:fillRef idx="1">
+              <a:schemeClr val="accent1"/>
+            </a:fillRef>
+            <a:effectRef idx="0">
+              <a:schemeClr val="accent1"/>
+            </a:effectRef>
+            <a:fontRef idx="minor">
+              <a:schemeClr val="lt1"/>
+            </a:fontRef>
+          </p:style>
+          <p:txBody>
+            <a:bodyPr rtlCol="0" anchor="ctr"/>
+            <a:lstStyle/>
+            <a:p>
+              <a:pPr algn="ctr"/>
+              <a:endParaRPr lang="fr-FR"/>
+            </a:p>
+          </p:txBody>
+        </p:sp>
+        <p:sp>
+          <p:nvSpPr>
+            <p:cNvPr id="65" name="Rectangle 64">
+              <a:extLst>
+                <a:ext uri="{FF2B5EF4-FFF2-40B4-BE49-F238E27FC236}">
+                  <a16:creationId xmlns:a16="http://schemas.microsoft.com/office/drawing/2014/main" id="{707AD3AD-D7A1-E04E-B791-9F5BC2348E72}"/>
+                </a:ext>
+              </a:extLst>
+            </p:cNvPr>
+            <p:cNvSpPr/>
+            <p:nvPr/>
+          </p:nvSpPr>
+          <p:spPr>
+            <a:xfrm>
+              <a:off x="4451967" y="710015"/>
+              <a:ext cx="6751413" cy="369332"/>
+            </a:xfrm>
+            <a:prstGeom prst="rect">
+              <a:avLst/>
+            </a:prstGeom>
+          </p:spPr>
+          <p:txBody>
+            <a:bodyPr wrap="square">
+              <a:spAutoFit/>
+            </a:bodyPr>
+            <a:lstStyle/>
+            <a:p>
+              <a:pPr algn="ctr"/>
+              <a:r>
+                <a:rPr lang="fr-FR" dirty="0">
+                  <a:solidFill>
+                    <a:schemeClr val="bg1"/>
+                  </a:solidFill>
+                  <a:latin typeface="Lato" charset="0"/>
+                </a:rPr>
+                <a:t>Demander un covoiturage instantané</a:t>
+              </a:r>
+            </a:p>
+          </p:txBody>
+        </p:sp>
+      </p:grpSp>
+      <p:grpSp>
+        <p:nvGrpSpPr>
+          <p:cNvPr id="66" name="Group 65">
+            <a:extLst>
+              <a:ext uri="{FF2B5EF4-FFF2-40B4-BE49-F238E27FC236}">
+                <a16:creationId xmlns:a16="http://schemas.microsoft.com/office/drawing/2014/main" id="{6BA1E5FB-94A1-CA4B-B72A-C9D14805441D}"/>
+              </a:ext>
+            </a:extLst>
+          </p:cNvPr>
+          <p:cNvGrpSpPr/>
+          <p:nvPr/>
+        </p:nvGrpSpPr>
+        <p:grpSpPr>
+          <a:xfrm>
+            <a:off x="5995803" y="4285768"/>
+            <a:ext cx="5980260" cy="814922"/>
+            <a:chOff x="4296043" y="487220"/>
+            <a:chExt cx="7097485" cy="814922"/>
+          </a:xfrm>
+        </p:grpSpPr>
+        <p:sp>
+          <p:nvSpPr>
+            <p:cNvPr id="67" name="Rounded Rectangle 66">
+              <a:extLst>
+                <a:ext uri="{FF2B5EF4-FFF2-40B4-BE49-F238E27FC236}">
+                  <a16:creationId xmlns:a16="http://schemas.microsoft.com/office/drawing/2014/main" id="{22976B0C-A12C-3241-94F3-E365AF455A0F}"/>
+                </a:ext>
+              </a:extLst>
+            </p:cNvPr>
+            <p:cNvSpPr/>
+            <p:nvPr/>
+          </p:nvSpPr>
+          <p:spPr>
+            <a:xfrm>
+              <a:off x="4296043" y="487220"/>
+              <a:ext cx="7097485" cy="814922"/>
+            </a:xfrm>
+            <a:prstGeom prst="roundRect">
+              <a:avLst/>
+            </a:prstGeom>
+          </p:spPr>
+          <p:style>
+            <a:lnRef idx="2">
+              <a:schemeClr val="accent1">
+                <a:shade val="50000"/>
+              </a:schemeClr>
+            </a:lnRef>
+            <a:fillRef idx="1">
+              <a:schemeClr val="accent1"/>
+            </a:fillRef>
+            <a:effectRef idx="0">
+              <a:schemeClr val="accent1"/>
+            </a:effectRef>
+            <a:fontRef idx="minor">
+              <a:schemeClr val="lt1"/>
+            </a:fontRef>
+          </p:style>
+          <p:txBody>
+            <a:bodyPr rtlCol="0" anchor="ctr"/>
+            <a:lstStyle/>
+            <a:p>
+              <a:pPr algn="ctr"/>
+              <a:endParaRPr lang="fr-FR"/>
+            </a:p>
+          </p:txBody>
+        </p:sp>
+        <p:sp>
+          <p:nvSpPr>
+            <p:cNvPr id="68" name="Rectangle 67">
+              <a:extLst>
+                <a:ext uri="{FF2B5EF4-FFF2-40B4-BE49-F238E27FC236}">
+                  <a16:creationId xmlns:a16="http://schemas.microsoft.com/office/drawing/2014/main" id="{782BBA8B-D7BB-A941-90A9-5351627C4706}"/>
+                </a:ext>
+              </a:extLst>
+            </p:cNvPr>
+            <p:cNvSpPr/>
+            <p:nvPr/>
+          </p:nvSpPr>
+          <p:spPr>
+            <a:xfrm>
+              <a:off x="4451967" y="710015"/>
+              <a:ext cx="6751413" cy="369332"/>
+            </a:xfrm>
+            <a:prstGeom prst="rect">
+              <a:avLst/>
+            </a:prstGeom>
+          </p:spPr>
+          <p:txBody>
+            <a:bodyPr wrap="square">
+              <a:spAutoFit/>
+            </a:bodyPr>
+            <a:lstStyle/>
+            <a:p>
+              <a:pPr algn="ctr"/>
+              <a:r>
+                <a:rPr lang="fr-FR" dirty="0">
+                  <a:solidFill>
+                    <a:schemeClr val="bg1"/>
+                  </a:solidFill>
+                  <a:latin typeface="Lato" charset="0"/>
+                </a:rPr>
+                <a:t>Prendre une place en planifié</a:t>
+              </a:r>
+            </a:p>
+          </p:txBody>
+        </p:sp>
+      </p:grpSp>
+      <p:grpSp>
+        <p:nvGrpSpPr>
+          <p:cNvPr id="69" name="Group 68">
+            <a:extLst>
+              <a:ext uri="{FF2B5EF4-FFF2-40B4-BE49-F238E27FC236}">
+                <a16:creationId xmlns:a16="http://schemas.microsoft.com/office/drawing/2014/main" id="{A2E1F666-B9A9-FB43-BFB7-438A13A52AA0}"/>
+              </a:ext>
+            </a:extLst>
+          </p:cNvPr>
+          <p:cNvGrpSpPr/>
+          <p:nvPr/>
+        </p:nvGrpSpPr>
+        <p:grpSpPr>
+          <a:xfrm>
+            <a:off x="4796836" y="5441119"/>
+            <a:ext cx="5980260" cy="814922"/>
+            <a:chOff x="4296043" y="487220"/>
+            <a:chExt cx="7097485" cy="814922"/>
+          </a:xfrm>
+        </p:grpSpPr>
+        <p:sp>
+          <p:nvSpPr>
+            <p:cNvPr id="70" name="Rounded Rectangle 69">
+              <a:extLst>
+                <a:ext uri="{FF2B5EF4-FFF2-40B4-BE49-F238E27FC236}">
+                  <a16:creationId xmlns:a16="http://schemas.microsoft.com/office/drawing/2014/main" id="{DE98F7DA-FA01-2941-B67C-F75A4218D603}"/>
+                </a:ext>
+              </a:extLst>
+            </p:cNvPr>
+            <p:cNvSpPr/>
+            <p:nvPr/>
+          </p:nvSpPr>
+          <p:spPr>
+            <a:xfrm>
+              <a:off x="4296043" y="487220"/>
+              <a:ext cx="7097485" cy="814922"/>
+            </a:xfrm>
+            <a:prstGeom prst="roundRect">
+              <a:avLst/>
+            </a:prstGeom>
+          </p:spPr>
+          <p:style>
+            <a:lnRef idx="2">
+              <a:schemeClr val="accent1">
+                <a:shade val="50000"/>
+              </a:schemeClr>
+            </a:lnRef>
+            <a:fillRef idx="1">
+              <a:schemeClr val="accent1"/>
+            </a:fillRef>
+            <a:effectRef idx="0">
+              <a:schemeClr val="accent1"/>
+            </a:effectRef>
+            <a:fontRef idx="minor">
+              <a:schemeClr val="lt1"/>
+            </a:fontRef>
+          </p:style>
+          <p:txBody>
+            <a:bodyPr rtlCol="0" anchor="ctr"/>
+            <a:lstStyle/>
+            <a:p>
+              <a:pPr algn="ctr"/>
+              <a:endParaRPr lang="fr-FR"/>
+            </a:p>
+          </p:txBody>
+        </p:sp>
+        <p:sp>
+          <p:nvSpPr>
+            <p:cNvPr id="71" name="Rectangle 70">
+              <a:extLst>
+                <a:ext uri="{FF2B5EF4-FFF2-40B4-BE49-F238E27FC236}">
+                  <a16:creationId xmlns:a16="http://schemas.microsoft.com/office/drawing/2014/main" id="{9D7B92EA-42EC-C94A-9AF0-ADFA57734082}"/>
+                </a:ext>
+              </a:extLst>
+            </p:cNvPr>
+            <p:cNvSpPr/>
+            <p:nvPr/>
+          </p:nvSpPr>
+          <p:spPr>
+            <a:xfrm>
+              <a:off x="4451967" y="710015"/>
+              <a:ext cx="6751413" cy="369332"/>
+            </a:xfrm>
+            <a:prstGeom prst="rect">
+              <a:avLst/>
+            </a:prstGeom>
+          </p:spPr>
+          <p:txBody>
+            <a:bodyPr wrap="square">
+              <a:spAutoFit/>
+            </a:bodyPr>
+            <a:lstStyle/>
+            <a:p>
+              <a:pPr algn="ctr"/>
+              <a:r>
+                <a:rPr lang="fr-FR" dirty="0">
+                  <a:solidFill>
+                    <a:schemeClr val="bg1"/>
+                  </a:solidFill>
+                  <a:latin typeface="Lato" charset="0"/>
+                </a:rPr>
+                <a:t>Consulter l’historiques de ses trajets</a:t>
+              </a:r>
+            </a:p>
+          </p:txBody>
+        </p:sp>
+      </p:grpSp>
+      <p:sp>
+        <p:nvSpPr>
+          <p:cNvPr id="72" name="TextBox 71">
+            <a:extLst>
+              <a:ext uri="{FF2B5EF4-FFF2-40B4-BE49-F238E27FC236}">
+                <a16:creationId xmlns:a16="http://schemas.microsoft.com/office/drawing/2014/main" id="{A1D67620-8C7C-F04E-860C-264B26669307}"/>
+              </a:ext>
+            </a:extLst>
+          </p:cNvPr>
+          <p:cNvSpPr txBox="1"/>
+          <p:nvPr/>
+        </p:nvSpPr>
+        <p:spPr>
+          <a:xfrm>
+            <a:off x="5388703" y="3216347"/>
+            <a:ext cx="647934" cy="1862048"/>
+          </a:xfrm>
+          <a:prstGeom prst="rect">
+            <a:avLst/>
+          </a:prstGeom>
+          <a:noFill/>
+        </p:spPr>
+        <p:txBody>
+          <a:bodyPr wrap="none" rtlCol="0">
+            <a:spAutoFit/>
+          </a:bodyPr>
+          <a:lstStyle/>
+          <a:p>
+            <a:r>
+              <a:rPr lang="fr-FR" sz="11500" dirty="0">
+                <a:solidFill>
+                  <a:schemeClr val="bg1"/>
+                </a:solidFill>
+              </a:rPr>
+              <a:t>{</a:t>
+            </a:r>
+            <a:endParaRPr lang="fr-FR" sz="7200" dirty="0">
+              <a:solidFill>
+                <a:schemeClr val="bg1"/>
+              </a:solidFill>
+            </a:endParaRPr>
+          </a:p>
+        </p:txBody>
+      </p:sp>
+      <p:pic>
+        <p:nvPicPr>
+          <p:cNvPr id="73" name="Picture 72">
+            <a:extLst>
+              <a:ext uri="{FF2B5EF4-FFF2-40B4-BE49-F238E27FC236}">
+                <a16:creationId xmlns:a16="http://schemas.microsoft.com/office/drawing/2014/main" id="{75BD7297-8EE3-9348-811C-5A7281E06FC6}"/>
+              </a:ext>
+            </a:extLst>
+          </p:cNvPr>
+          <p:cNvPicPr>
+            <a:picLocks noChangeAspect="1"/>
+          </p:cNvPicPr>
+          <p:nvPr/>
+        </p:nvPicPr>
+        <p:blipFill>
+          <a:blip r:embed="rId4"/>
+          <a:stretch>
+            <a:fillRect/>
+          </a:stretch>
+        </p:blipFill>
+        <p:spPr>
+          <a:xfrm>
+            <a:off x="4269887" y="3652883"/>
+            <a:ext cx="1190636" cy="1190636"/>
+          </a:xfrm>
+          <a:prstGeom prst="rect">
+            <a:avLst/>
+          </a:prstGeom>
+        </p:spPr>
+      </p:pic>
+    </p:spTree>
+    <p:extLst>
+      <p:ext uri="{BB962C8B-B14F-4D97-AF65-F5344CB8AC3E}">
+        <p14:creationId xmlns:p14="http://schemas.microsoft.com/office/powerpoint/2010/main" val="1911100035"/>
+      </p:ext>
+    </p:extLst>
+  </p:cSld>
+  <p:clrMapOvr>
+    <a:masterClrMapping/>
+  </p:clrMapOvr>
+  <mc:AlternateContent xmlns:mc="http://schemas.openxmlformats.org/markup-compatibility/2006" xmlns:p159="http://schemas.microsoft.com/office/powerpoint/2015/09/main">
+    <mc:Choice Requires="p159">
+      <p:transition xmlns:p14="http://schemas.microsoft.com/office/powerpoint/2010/main" spd="slow" p14:dur="2000">
+        <p159:morph option="byObject"/>
+      </p:transition>
+    </mc:Choice>
+    <mc:Fallback xmlns="">
+      <p:transition spd="slow">
+        <p:fade/>
+      </p:transition>
+    </mc:Fallback>
+  </mc:AlternateContent>
+  <p:timing>
+    <p:tnLst>
+      <p:par>
+        <p:cTn id="1" dur="indefinite" restart="never" nodeType="tmRoot">
+          <p:childTnLst>
+            <p:seq concurrent="1" nextAc="seek">
+              <p:cTn id="2" dur="indefinite" nodeType="mainSeq">
+                <p:childTnLst>
+                  <p:par>
+                    <p:cTn id="3" fill="hold">
+                      <p:stCondLst>
+                        <p:cond delay="indefinite"/>
+                      </p:stCondLst>
+                      <p:childTnLst>
+                        <p:par>
+                          <p:cTn id="4" fill="hold">
+                            <p:stCondLst>
+                              <p:cond delay="0"/>
+                            </p:stCondLst>
+                            <p:childTnLst>
+                              <p:par>
+                                <p:cTn id="5" presetID="10" presetClass="entr" presetSubtype="0" fill="hold" nodeType="clickEffect">
+                                  <p:stCondLst>
+                                    <p:cond delay="0"/>
+                                  </p:stCondLst>
+                                  <p:childTnLst>
+                                    <p:set>
+                                      <p:cBhvr>
+                                        <p:cTn id="6" dur="1" fill="hold">
+                                          <p:stCondLst>
+                                            <p:cond delay="0"/>
+                                          </p:stCondLst>
+                                        </p:cTn>
+                                        <p:tgtEl>
+                                          <p:spTgt spid="52"/>
+                                        </p:tgtEl>
+                                        <p:attrNameLst>
+                                          <p:attrName>style.visibility</p:attrName>
+                                        </p:attrNameLst>
+                                      </p:cBhvr>
+                                      <p:to>
+                                        <p:strVal val="visible"/>
+                                      </p:to>
+                                    </p:set>
+                                    <p:animEffect transition="in" filter="fade">
+                                      <p:cBhvr>
+                                        <p:cTn id="7" dur="500"/>
+                                        <p:tgtEl>
+                                          <p:spTgt spid="52"/>
+                                        </p:tgtEl>
+                                      </p:cBhvr>
+                                    </p:animEffect>
+                                  </p:childTnLst>
+                                </p:cTn>
+                              </p:par>
+                              <p:par>
+                                <p:cTn id="8" presetID="10" presetClass="entr" presetSubtype="0" fill="hold" grpId="0" nodeType="withEffect">
+                                  <p:stCondLst>
+                                    <p:cond delay="0"/>
+                                  </p:stCondLst>
+                                  <p:childTnLst>
+                                    <p:set>
+                                      <p:cBhvr>
+                                        <p:cTn id="9" dur="1" fill="hold">
+                                          <p:stCondLst>
+                                            <p:cond delay="0"/>
+                                          </p:stCondLst>
+                                        </p:cTn>
+                                        <p:tgtEl>
+                                          <p:spTgt spid="4"/>
+                                        </p:tgtEl>
+                                        <p:attrNameLst>
+                                          <p:attrName>style.visibility</p:attrName>
+                                        </p:attrNameLst>
+                                      </p:cBhvr>
+                                      <p:to>
+                                        <p:strVal val="visible"/>
+                                      </p:to>
+                                    </p:set>
+                                    <p:animEffect transition="in" filter="fade">
+                                      <p:cBhvr>
+                                        <p:cTn id="10" dur="500"/>
+                                        <p:tgtEl>
+                                          <p:spTgt spid="4"/>
+                                        </p:tgtEl>
+                                      </p:cBhvr>
+                                    </p:animEffect>
+                                  </p:childTnLst>
+                                </p:cTn>
+                              </p:par>
+                            </p:childTnLst>
+                          </p:cTn>
+                        </p:par>
+                      </p:childTnLst>
+                    </p:cTn>
+                  </p:par>
+                  <p:par>
+                    <p:cTn id="11" fill="hold">
+                      <p:stCondLst>
+                        <p:cond delay="indefinite"/>
+                      </p:stCondLst>
+                      <p:childTnLst>
+                        <p:par>
+                          <p:cTn id="12" fill="hold">
+                            <p:stCondLst>
+                              <p:cond delay="0"/>
+                            </p:stCondLst>
+                            <p:childTnLst>
+                              <p:par>
+                                <p:cTn id="13" presetID="10" presetClass="entr" presetSubtype="0" fill="hold" nodeType="clickEffect">
+                                  <p:stCondLst>
+                                    <p:cond delay="0"/>
+                                  </p:stCondLst>
+                                  <p:childTnLst>
+                                    <p:set>
+                                      <p:cBhvr>
+                                        <p:cTn id="14" dur="1" fill="hold">
+                                          <p:stCondLst>
+                                            <p:cond delay="0"/>
+                                          </p:stCondLst>
+                                        </p:cTn>
+                                        <p:tgtEl>
+                                          <p:spTgt spid="34"/>
+                                        </p:tgtEl>
+                                        <p:attrNameLst>
+                                          <p:attrName>style.visibility</p:attrName>
+                                        </p:attrNameLst>
+                                      </p:cBhvr>
+                                      <p:to>
+                                        <p:strVal val="visible"/>
+                                      </p:to>
+                                    </p:set>
+                                    <p:animEffect transition="in" filter="fade">
+                                      <p:cBhvr>
+                                        <p:cTn id="15" dur="500"/>
+                                        <p:tgtEl>
+                                          <p:spTgt spid="34"/>
+                                        </p:tgtEl>
+                                      </p:cBhvr>
+                                    </p:animEffect>
+                                  </p:childTnLst>
+                                </p:cTn>
+                              </p:par>
+                            </p:childTnLst>
+                          </p:cTn>
+                        </p:par>
+                      </p:childTnLst>
+                    </p:cTn>
+                  </p:par>
+                  <p:par>
+                    <p:cTn id="16" fill="hold">
+                      <p:stCondLst>
+                        <p:cond delay="indefinite"/>
+                      </p:stCondLst>
+                      <p:childTnLst>
+                        <p:par>
+                          <p:cTn id="17" fill="hold">
+                            <p:stCondLst>
+                              <p:cond delay="0"/>
+                            </p:stCondLst>
+                            <p:childTnLst>
+                              <p:par>
+                                <p:cTn id="18" presetID="10" presetClass="entr" presetSubtype="0" fill="hold" nodeType="clickEffect">
+                                  <p:stCondLst>
+                                    <p:cond delay="0"/>
+                                  </p:stCondLst>
+                                  <p:childTnLst>
+                                    <p:set>
+                                      <p:cBhvr>
+                                        <p:cTn id="19" dur="1" fill="hold">
+                                          <p:stCondLst>
+                                            <p:cond delay="0"/>
+                                          </p:stCondLst>
+                                        </p:cTn>
+                                        <p:tgtEl>
+                                          <p:spTgt spid="53"/>
+                                        </p:tgtEl>
+                                        <p:attrNameLst>
+                                          <p:attrName>style.visibility</p:attrName>
+                                        </p:attrNameLst>
+                                      </p:cBhvr>
+                                      <p:to>
+                                        <p:strVal val="visible"/>
+                                      </p:to>
+                                    </p:set>
+                                    <p:animEffect transition="in" filter="fade">
+                                      <p:cBhvr>
+                                        <p:cTn id="20" dur="500"/>
+                                        <p:tgtEl>
+                                          <p:spTgt spid="53"/>
+                                        </p:tgtEl>
+                                      </p:cBhvr>
+                                    </p:animEffect>
+                                  </p:childTnLst>
+                                </p:cTn>
+                              </p:par>
+                            </p:childTnLst>
+                          </p:cTn>
+                        </p:par>
+                      </p:childTnLst>
+                    </p:cTn>
+                  </p:par>
+                  <p:par>
+                    <p:cTn id="21" fill="hold">
+                      <p:stCondLst>
+                        <p:cond delay="indefinite"/>
+                      </p:stCondLst>
+                      <p:childTnLst>
+                        <p:par>
+                          <p:cTn id="22" fill="hold">
+                            <p:stCondLst>
+                              <p:cond delay="0"/>
+                            </p:stCondLst>
+                            <p:childTnLst>
+                              <p:par>
+                                <p:cTn id="23" presetID="10" presetClass="entr" presetSubtype="0" fill="hold" nodeType="clickEffect">
+                                  <p:stCondLst>
+                                    <p:cond delay="0"/>
+                                  </p:stCondLst>
+                                  <p:childTnLst>
+                                    <p:set>
+                                      <p:cBhvr>
+                                        <p:cTn id="24" dur="1" fill="hold">
+                                          <p:stCondLst>
+                                            <p:cond delay="0"/>
+                                          </p:stCondLst>
+                                        </p:cTn>
+                                        <p:tgtEl>
+                                          <p:spTgt spid="73"/>
+                                        </p:tgtEl>
+                                        <p:attrNameLst>
+                                          <p:attrName>style.visibility</p:attrName>
+                                        </p:attrNameLst>
+                                      </p:cBhvr>
+                                      <p:to>
+                                        <p:strVal val="visible"/>
+                                      </p:to>
+                                    </p:set>
+                                    <p:animEffect transition="in" filter="fade">
+                                      <p:cBhvr>
+                                        <p:cTn id="25" dur="500"/>
+                                        <p:tgtEl>
+                                          <p:spTgt spid="73"/>
+                                        </p:tgtEl>
+                                      </p:cBhvr>
+                                    </p:animEffect>
+                                  </p:childTnLst>
+                                </p:cTn>
+                              </p:par>
+                              <p:par>
+                                <p:cTn id="26" presetID="10" presetClass="entr" presetSubtype="0" fill="hold" grpId="0" nodeType="withEffect">
+                                  <p:stCondLst>
+                                    <p:cond delay="0"/>
+                                  </p:stCondLst>
+                                  <p:childTnLst>
+                                    <p:set>
+                                      <p:cBhvr>
+                                        <p:cTn id="27" dur="1" fill="hold">
+                                          <p:stCondLst>
+                                            <p:cond delay="0"/>
+                                          </p:stCondLst>
+                                        </p:cTn>
+                                        <p:tgtEl>
+                                          <p:spTgt spid="72"/>
+                                        </p:tgtEl>
+                                        <p:attrNameLst>
+                                          <p:attrName>style.visibility</p:attrName>
+                                        </p:attrNameLst>
+                                      </p:cBhvr>
+                                      <p:to>
+                                        <p:strVal val="visible"/>
+                                      </p:to>
+                                    </p:set>
+                                    <p:animEffect transition="in" filter="fade">
+                                      <p:cBhvr>
+                                        <p:cTn id="28" dur="500"/>
+                                        <p:tgtEl>
+                                          <p:spTgt spid="72"/>
+                                        </p:tgtEl>
+                                      </p:cBhvr>
+                                    </p:animEffect>
+                                  </p:childTnLst>
+                                </p:cTn>
+                              </p:par>
+                            </p:childTnLst>
+                          </p:cTn>
+                        </p:par>
+                      </p:childTnLst>
+                    </p:cTn>
+                  </p:par>
+                  <p:par>
+                    <p:cTn id="29" fill="hold">
+                      <p:stCondLst>
+                        <p:cond delay="indefinite"/>
+                      </p:stCondLst>
+                      <p:childTnLst>
+                        <p:par>
+                          <p:cTn id="30" fill="hold">
+                            <p:stCondLst>
+                              <p:cond delay="0"/>
+                            </p:stCondLst>
+                            <p:childTnLst>
+                              <p:par>
+                                <p:cTn id="31" presetID="10" presetClass="entr" presetSubtype="0" fill="hold" nodeType="clickEffect">
+                                  <p:stCondLst>
+                                    <p:cond delay="0"/>
+                                  </p:stCondLst>
+                                  <p:childTnLst>
+                                    <p:set>
+                                      <p:cBhvr>
+                                        <p:cTn id="32" dur="1" fill="hold">
+                                          <p:stCondLst>
+                                            <p:cond delay="0"/>
+                                          </p:stCondLst>
+                                        </p:cTn>
+                                        <p:tgtEl>
+                                          <p:spTgt spid="63"/>
+                                        </p:tgtEl>
+                                        <p:attrNameLst>
+                                          <p:attrName>style.visibility</p:attrName>
+                                        </p:attrNameLst>
+                                      </p:cBhvr>
+                                      <p:to>
+                                        <p:strVal val="visible"/>
+                                      </p:to>
+                                    </p:set>
+                                    <p:animEffect transition="in" filter="fade">
+                                      <p:cBhvr>
+                                        <p:cTn id="33" dur="500"/>
+                                        <p:tgtEl>
+                                          <p:spTgt spid="63"/>
+                                        </p:tgtEl>
+                                      </p:cBhvr>
+                                    </p:animEffect>
+                                  </p:childTnLst>
+                                </p:cTn>
+                              </p:par>
+                            </p:childTnLst>
+                          </p:cTn>
+                        </p:par>
+                      </p:childTnLst>
+                    </p:cTn>
+                  </p:par>
+                  <p:par>
+                    <p:cTn id="34" fill="hold">
+                      <p:stCondLst>
+                        <p:cond delay="indefinite"/>
+                      </p:stCondLst>
+                      <p:childTnLst>
+                        <p:par>
+                          <p:cTn id="35" fill="hold">
+                            <p:stCondLst>
+                              <p:cond delay="0"/>
+                            </p:stCondLst>
+                            <p:childTnLst>
+                              <p:par>
+                                <p:cTn id="36" presetID="10" presetClass="entr" presetSubtype="0" fill="hold" nodeType="clickEffect">
+                                  <p:stCondLst>
+                                    <p:cond delay="0"/>
+                                  </p:stCondLst>
+                                  <p:childTnLst>
+                                    <p:set>
+                                      <p:cBhvr>
+                                        <p:cTn id="37" dur="1" fill="hold">
+                                          <p:stCondLst>
+                                            <p:cond delay="0"/>
+                                          </p:stCondLst>
+                                        </p:cTn>
+                                        <p:tgtEl>
+                                          <p:spTgt spid="66"/>
+                                        </p:tgtEl>
+                                        <p:attrNameLst>
+                                          <p:attrName>style.visibility</p:attrName>
+                                        </p:attrNameLst>
+                                      </p:cBhvr>
+                                      <p:to>
+                                        <p:strVal val="visible"/>
+                                      </p:to>
+                                    </p:set>
+                                    <p:animEffect transition="in" filter="fade">
+                                      <p:cBhvr>
+                                        <p:cTn id="38" dur="500"/>
+                                        <p:tgtEl>
+                                          <p:spTgt spid="66"/>
+                                        </p:tgtEl>
+                                      </p:cBhvr>
+                                    </p:animEffect>
+                                  </p:childTnLst>
+                                </p:cTn>
+                              </p:par>
+                            </p:childTnLst>
+                          </p:cTn>
+                        </p:par>
+                      </p:childTnLst>
+                    </p:cTn>
+                  </p:par>
+                  <p:par>
+                    <p:cTn id="39" fill="hold">
+                      <p:stCondLst>
+                        <p:cond delay="indefinite"/>
+                      </p:stCondLst>
+                      <p:childTnLst>
+                        <p:par>
+                          <p:cTn id="40" fill="hold">
+                            <p:stCondLst>
+                              <p:cond delay="0"/>
+                            </p:stCondLst>
+                            <p:childTnLst>
+                              <p:par>
+                                <p:cTn id="41" presetID="10" presetClass="entr" presetSubtype="0" fill="hold" nodeType="clickEffect">
+                                  <p:stCondLst>
+                                    <p:cond delay="0"/>
+                                  </p:stCondLst>
+                                  <p:childTnLst>
+                                    <p:set>
+                                      <p:cBhvr>
+                                        <p:cTn id="42" dur="1" fill="hold">
+                                          <p:stCondLst>
+                                            <p:cond delay="0"/>
+                                          </p:stCondLst>
+                                        </p:cTn>
+                                        <p:tgtEl>
+                                          <p:spTgt spid="69"/>
+                                        </p:tgtEl>
+                                        <p:attrNameLst>
+                                          <p:attrName>style.visibility</p:attrName>
+                                        </p:attrNameLst>
+                                      </p:cBhvr>
+                                      <p:to>
+                                        <p:strVal val="visible"/>
+                                      </p:to>
+                                    </p:set>
+                                    <p:animEffect transition="in" filter="fade">
+                                      <p:cBhvr>
+                                        <p:cTn id="43" dur="500"/>
+                                        <p:tgtEl>
+                                          <p:spTgt spid="69"/>
+                                        </p:tgtEl>
+                                      </p:cBhvr>
+                                    </p:animEffect>
+                                  </p:childTnLst>
+                                </p:cTn>
+                              </p:par>
+                            </p:childTnLst>
+                          </p:cTn>
+                        </p:par>
+                      </p:childTnLst>
+                    </p:cTn>
+                  </p:par>
+                </p:childTnLst>
+              </p:cTn>
+              <p:prevCondLst>
+                <p:cond evt="onPrev" delay="0">
+                  <p:tgtEl>
+                    <p:sldTgt/>
+                  </p:tgtEl>
+                </p:cond>
+              </p:prevCondLst>
+              <p:nextCondLst>
+                <p:cond evt="onNext" delay="0">
+                  <p:tgtEl>
+                    <p:sldTgt/>
+                  </p:tgtEl>
+                </p:cond>
+              </p:nextCondLst>
+            </p:seq>
+          </p:childTnLst>
+        </p:cTn>
+      </p:par>
+    </p:tnLst>
+    <p:bldLst>
+      <p:bldP spid="4" grpId="0"/>
+      <p:bldP spid="72" grpId="0"/>
+    </p:bldLst>
+  </p:timing>
+</p:sld>
+</file>
+
+<file path=ppt/slides/slide12.xml><?xml version="1.0" encoding="utf-8"?>
+<p:sld xmlns:a="http://schemas.openxmlformats.org/drawingml/2006/main" xmlns:r="http://schemas.openxmlformats.org/officeDocument/2006/relationships" xmlns:p="http://schemas.openxmlformats.org/presentationml/2006/main">
+  <p:cSld>
+    <p:spTree>
+      <p:nvGrpSpPr>
+        <p:cNvPr id="1" name=""/>
+        <p:cNvGrpSpPr/>
+        <p:nvPr/>
+      </p:nvGrpSpPr>
+      <p:grpSpPr>
+        <a:xfrm>
+          <a:off x="0" y="0"/>
+          <a:ext cx="0" cy="0"/>
+          <a:chOff x="0" y="0"/>
+          <a:chExt cx="0" cy="0"/>
+        </a:xfrm>
+      </p:grpSpPr>
+      <p:sp>
+        <p:nvSpPr>
+          <p:cNvPr id="8" name="Rectangle 7"/>
+          <p:cNvSpPr/>
+          <p:nvPr/>
+        </p:nvSpPr>
+        <p:spPr>
+          <a:xfrm>
+            <a:off x="1586" y="0"/>
+            <a:ext cx="12188827" cy="6858000"/>
+          </a:xfrm>
+          <a:prstGeom prst="rect">
+            <a:avLst/>
+          </a:prstGeom>
+          <a:solidFill>
+            <a:schemeClr val="tx2">
+              <a:lumMod val="75000"/>
+            </a:schemeClr>
+          </a:solidFill>
+          <a:ln>
+            <a:noFill/>
+          </a:ln>
+        </p:spPr>
+        <p:style>
+          <a:lnRef idx="2">
+            <a:schemeClr val="accent1">
+              <a:shade val="50000"/>
+            </a:schemeClr>
+          </a:lnRef>
+          <a:fillRef idx="1">
+            <a:schemeClr val="accent1"/>
+          </a:fillRef>
+          <a:effectRef idx="0">
+            <a:schemeClr val="accent1"/>
+          </a:effectRef>
+          <a:fontRef idx="minor">
+            <a:schemeClr val="lt1"/>
+          </a:fontRef>
+        </p:style>
+        <p:txBody>
+          <a:bodyPr rtlCol="0" anchor="ctr"/>
+          <a:lstStyle/>
+          <a:p>
+            <a:pPr algn="ctr"/>
+            <a:endParaRPr lang="en-US" sz="900" dirty="0"/>
+          </a:p>
+        </p:txBody>
+      </p:sp>
+      <p:sp>
+        <p:nvSpPr>
+          <p:cNvPr id="2" name="Rectangle 1"/>
+          <p:cNvSpPr/>
+          <p:nvPr/>
+        </p:nvSpPr>
+        <p:spPr>
+          <a:xfrm flipH="1">
+            <a:off x="-2" y="159"/>
+            <a:ext cx="3383521" cy="6858000"/>
+          </a:xfrm>
+          <a:prstGeom prst="rect">
+            <a:avLst/>
+          </a:prstGeom>
+          <a:solidFill>
+            <a:schemeClr val="accent4">
+              <a:lumMod val="60000"/>
+              <a:lumOff val="40000"/>
+            </a:schemeClr>
+          </a:solidFill>
+          <a:ln>
+            <a:noFill/>
+          </a:ln>
+        </p:spPr>
+        <p:style>
+          <a:lnRef idx="2">
+            <a:schemeClr val="accent1">
+              <a:shade val="50000"/>
+            </a:schemeClr>
+          </a:lnRef>
+          <a:fillRef idx="1">
+            <a:schemeClr val="accent1"/>
+          </a:fillRef>
+          <a:effectRef idx="0">
+            <a:schemeClr val="accent1"/>
+          </a:effectRef>
+          <a:fontRef idx="minor">
+            <a:schemeClr val="lt1"/>
+          </a:fontRef>
+        </p:style>
+        <p:txBody>
+          <a:bodyPr rtlCol="0" anchor="ctr"/>
+          <a:lstStyle/>
+          <a:p>
+            <a:pPr algn="ctr"/>
+            <a:endParaRPr lang="en-US" sz="900"/>
+          </a:p>
+        </p:txBody>
+      </p:sp>
+      <p:grpSp>
+        <p:nvGrpSpPr>
+          <p:cNvPr id="18" name="Group 17"/>
+          <p:cNvGrpSpPr/>
+          <p:nvPr/>
+        </p:nvGrpSpPr>
+        <p:grpSpPr>
+          <a:xfrm>
+            <a:off x="11358229" y="6438900"/>
+            <a:ext cx="419100" cy="419100"/>
+            <a:chOff x="22713283" y="12877800"/>
+            <a:chExt cx="838200" cy="838200"/>
+          </a:xfrm>
+        </p:grpSpPr>
+        <p:sp>
+          <p:nvSpPr>
+            <p:cNvPr id="5" name="Rectangle 4"/>
+            <p:cNvSpPr/>
+            <p:nvPr/>
+          </p:nvSpPr>
+          <p:spPr>
+            <a:xfrm>
+              <a:off x="22713283" y="12877800"/>
+              <a:ext cx="838200" cy="838200"/>
+            </a:xfrm>
+            <a:prstGeom prst="rect">
+              <a:avLst/>
+            </a:prstGeom>
+            <a:solidFill>
+              <a:schemeClr val="accent1"/>
+            </a:solidFill>
+            <a:ln>
+              <a:noFill/>
+            </a:ln>
+          </p:spPr>
+          <p:style>
+            <a:lnRef idx="2">
+              <a:schemeClr val="accent1">
+                <a:shade val="50000"/>
+              </a:schemeClr>
+            </a:lnRef>
+            <a:fillRef idx="1">
+              <a:schemeClr val="accent1"/>
+            </a:fillRef>
+            <a:effectRef idx="0">
+              <a:schemeClr val="accent1"/>
+            </a:effectRef>
+            <a:fontRef idx="minor">
+              <a:schemeClr val="lt1"/>
+            </a:fontRef>
+          </p:style>
+          <p:txBody>
+            <a:bodyPr rtlCol="0" anchor="ctr"/>
+            <a:lstStyle/>
+            <a:p>
+              <a:pPr algn="ctr"/>
+              <a:endParaRPr lang="en-US" sz="900" dirty="0"/>
+            </a:p>
+          </p:txBody>
+        </p:sp>
+        <p:sp>
+          <p:nvSpPr>
+            <p:cNvPr id="17" name="Subtitle 2"/>
+            <p:cNvSpPr txBox="1">
+              <a:spLocks/>
+            </p:cNvSpPr>
+            <p:nvPr/>
+          </p:nvSpPr>
+          <p:spPr>
+            <a:xfrm>
+              <a:off x="22783885" y="12877800"/>
+              <a:ext cx="696996" cy="724056"/>
+            </a:xfrm>
+            <a:prstGeom prst="rect">
+              <a:avLst/>
+            </a:prstGeom>
+          </p:spPr>
+          <p:txBody>
+            <a:bodyPr vert="horz" wrap="square" lIns="108717" tIns="54359" rIns="108717" bIns="54359" rtlCol="0">
+              <a:spAutoFit/>
+            </a:bodyPr>
+            <a:lstStyle>
+              <a:lvl1pPr marL="0" indent="0" algn="ctr" defTabSz="1087636" rtl="0" eaLnBrk="1" latinLnBrk="0" hangingPunct="1">
+                <a:lnSpc>
+                  <a:spcPct val="120000"/>
+                </a:lnSpc>
+                <a:spcBef>
+                  <a:spcPct val="20000"/>
+                </a:spcBef>
+                <a:buFont typeface="Arial"/>
+                <a:buNone/>
+                <a:defRPr sz="2400" kern="1200">
+                  <a:solidFill>
+                    <a:schemeClr val="tx2"/>
+                  </a:solidFill>
+                  <a:latin typeface="Open Sans Light"/>
+                  <a:ea typeface="+mn-ea"/>
+                  <a:cs typeface="Open Sans Light"/>
+                </a:defRPr>
+              </a:lvl1pPr>
+              <a:lvl2pPr marL="1087636" indent="0" algn="ctr" defTabSz="1087636" rtl="0" eaLnBrk="1" latinLnBrk="0" hangingPunct="1">
+                <a:lnSpc>
+                  <a:spcPct val="130000"/>
+                </a:lnSpc>
+                <a:spcBef>
+                  <a:spcPct val="20000"/>
+                </a:spcBef>
+                <a:buFont typeface="Arial"/>
+                <a:buNone/>
+                <a:defRPr sz="3200" kern="1200">
+                  <a:solidFill>
+                    <a:schemeClr val="tx1">
+                      <a:tint val="75000"/>
+                    </a:schemeClr>
+                  </a:solidFill>
+                  <a:latin typeface="Open Sans"/>
+                  <a:ea typeface="+mn-ea"/>
+                  <a:cs typeface="Open Sans"/>
+                </a:defRPr>
+              </a:lvl2pPr>
+              <a:lvl3pPr marL="2175271" indent="0" algn="ctr" defTabSz="1087636" rtl="0" eaLnBrk="1" latinLnBrk="0" hangingPunct="1">
+                <a:lnSpc>
+                  <a:spcPct val="130000"/>
+                </a:lnSpc>
+                <a:spcBef>
+                  <a:spcPct val="20000"/>
+                </a:spcBef>
+                <a:buFont typeface="Arial"/>
+                <a:buNone/>
+                <a:defRPr sz="3200" kern="1200">
+                  <a:solidFill>
+                    <a:schemeClr val="tx1">
+                      <a:tint val="75000"/>
+                    </a:schemeClr>
+                  </a:solidFill>
+                  <a:latin typeface="Open Sans"/>
+                  <a:ea typeface="+mn-ea"/>
+                  <a:cs typeface="Open Sans"/>
+                </a:defRPr>
+              </a:lvl3pPr>
+              <a:lvl4pPr marL="3262912" indent="0" algn="ctr" defTabSz="1087636" rtl="0" eaLnBrk="1" latinLnBrk="0" hangingPunct="1">
+                <a:lnSpc>
+                  <a:spcPct val="130000"/>
+                </a:lnSpc>
+                <a:spcBef>
+                  <a:spcPct val="20000"/>
+                </a:spcBef>
+                <a:buFont typeface="Arial"/>
+                <a:buNone/>
+                <a:defRPr sz="3200" kern="1200">
+                  <a:solidFill>
+                    <a:schemeClr val="tx1">
+                      <a:tint val="75000"/>
+                    </a:schemeClr>
+                  </a:solidFill>
+                  <a:latin typeface="Open Sans"/>
+                  <a:ea typeface="+mn-ea"/>
+                  <a:cs typeface="Open Sans"/>
+                </a:defRPr>
+              </a:lvl4pPr>
+              <a:lvl5pPr marL="4350546" indent="0" algn="ctr" defTabSz="1087636" rtl="0" eaLnBrk="1" latinLnBrk="0" hangingPunct="1">
+                <a:lnSpc>
+                  <a:spcPct val="130000"/>
+                </a:lnSpc>
+                <a:spcBef>
+                  <a:spcPct val="20000"/>
+                </a:spcBef>
+                <a:buFont typeface="Arial"/>
+                <a:buNone/>
+                <a:defRPr sz="3200" kern="1200">
+                  <a:solidFill>
+                    <a:schemeClr val="tx1">
+                      <a:tint val="75000"/>
+                    </a:schemeClr>
+                  </a:solidFill>
+                  <a:latin typeface="Open Sans"/>
+                  <a:ea typeface="+mn-ea"/>
+                  <a:cs typeface="Open Sans"/>
+                </a:defRPr>
+              </a:lvl5pPr>
+              <a:lvl6pPr marL="5438184" indent="0" algn="ctr" defTabSz="1087636" rtl="0" eaLnBrk="1" latinLnBrk="0" hangingPunct="1">
+                <a:spcBef>
+                  <a:spcPct val="20000"/>
+                </a:spcBef>
+                <a:buFont typeface="Arial"/>
+                <a:buNone/>
+                <a:defRPr sz="4800" kern="1200">
+                  <a:solidFill>
+                    <a:schemeClr val="tx1">
+                      <a:tint val="75000"/>
+                    </a:schemeClr>
+                  </a:solidFill>
+                  <a:latin typeface="+mn-lt"/>
+                  <a:ea typeface="+mn-ea"/>
+                  <a:cs typeface="+mn-cs"/>
+                </a:defRPr>
+              </a:lvl6pPr>
+              <a:lvl7pPr marL="6525820" indent="0" algn="ctr" defTabSz="1087636" rtl="0" eaLnBrk="1" latinLnBrk="0" hangingPunct="1">
+                <a:spcBef>
+                  <a:spcPct val="20000"/>
+                </a:spcBef>
+                <a:buFont typeface="Arial"/>
+                <a:buNone/>
+                <a:defRPr sz="4800" kern="1200">
+                  <a:solidFill>
+                    <a:schemeClr val="tx1">
+                      <a:tint val="75000"/>
+                    </a:schemeClr>
+                  </a:solidFill>
+                  <a:latin typeface="+mn-lt"/>
+                  <a:ea typeface="+mn-ea"/>
+                  <a:cs typeface="+mn-cs"/>
+                </a:defRPr>
+              </a:lvl7pPr>
+              <a:lvl8pPr marL="7613455" indent="0" algn="ctr" defTabSz="1087636" rtl="0" eaLnBrk="1" latinLnBrk="0" hangingPunct="1">
+                <a:spcBef>
+                  <a:spcPct val="20000"/>
+                </a:spcBef>
+                <a:buFont typeface="Arial"/>
+                <a:buNone/>
+                <a:defRPr sz="4800" kern="1200">
+                  <a:solidFill>
+                    <a:schemeClr val="tx1">
+                      <a:tint val="75000"/>
+                    </a:schemeClr>
+                  </a:solidFill>
+                  <a:latin typeface="+mn-lt"/>
+                  <a:ea typeface="+mn-ea"/>
+                  <a:cs typeface="+mn-cs"/>
+                </a:defRPr>
+              </a:lvl8pPr>
+              <a:lvl9pPr marL="8701091" indent="0" algn="ctr" defTabSz="1087636" rtl="0" eaLnBrk="1" latinLnBrk="0" hangingPunct="1">
+                <a:spcBef>
+                  <a:spcPct val="20000"/>
+                </a:spcBef>
+                <a:buFont typeface="Arial"/>
+                <a:buNone/>
+                <a:defRPr sz="4800" kern="1200">
+                  <a:solidFill>
+                    <a:schemeClr val="tx1">
+                      <a:tint val="75000"/>
+                    </a:schemeClr>
+                  </a:solidFill>
+                  <a:latin typeface="+mn-lt"/>
+                  <a:ea typeface="+mn-ea"/>
+                  <a:cs typeface="+mn-cs"/>
+                </a:defRPr>
+              </a:lvl9pPr>
+            </a:lstStyle>
+            <a:p>
+              <a:pPr>
+                <a:lnSpc>
+                  <a:spcPts val="2150"/>
+                </a:lnSpc>
+              </a:pPr>
+              <a:r>
+                <a:rPr lang="en-US" sz="1200" dirty="0">
+                  <a:solidFill>
+                    <a:schemeClr val="bg1"/>
+                  </a:solidFill>
+                  <a:latin typeface="Lato" charset="0"/>
+                  <a:ea typeface="Lato" charset="0"/>
+                  <a:cs typeface="Lato" charset="0"/>
+                </a:rPr>
+                <a:t>4</a:t>
+              </a:r>
+            </a:p>
+          </p:txBody>
+        </p:sp>
+      </p:grpSp>
+      <p:grpSp>
+        <p:nvGrpSpPr>
+          <p:cNvPr id="9" name="Group 8"/>
+          <p:cNvGrpSpPr/>
+          <p:nvPr/>
+        </p:nvGrpSpPr>
+        <p:grpSpPr>
+          <a:xfrm>
+            <a:off x="232083" y="3849561"/>
+            <a:ext cx="124864" cy="3008440"/>
+            <a:chOff x="944559" y="7284867"/>
+            <a:chExt cx="327912" cy="2474670"/>
+          </a:xfrm>
+        </p:grpSpPr>
+        <p:sp>
+          <p:nvSpPr>
+            <p:cNvPr id="28" name="Rectangle 27"/>
+            <p:cNvSpPr/>
+            <p:nvPr/>
+          </p:nvSpPr>
+          <p:spPr>
+            <a:xfrm>
+              <a:off x="944559" y="7284867"/>
+              <a:ext cx="327912" cy="327912"/>
+            </a:xfrm>
+            <a:prstGeom prst="rect">
+              <a:avLst/>
+            </a:prstGeom>
+            <a:solidFill>
+              <a:schemeClr val="accent4">
+                <a:lumMod val="60000"/>
+                <a:lumOff val="40000"/>
+              </a:schemeClr>
+            </a:solidFill>
+            <a:ln>
+              <a:noFill/>
+            </a:ln>
+          </p:spPr>
+          <p:style>
+            <a:lnRef idx="2">
+              <a:schemeClr val="accent1">
+                <a:shade val="50000"/>
+              </a:schemeClr>
+            </a:lnRef>
+            <a:fillRef idx="1">
+              <a:schemeClr val="accent1"/>
+            </a:fillRef>
+            <a:effectRef idx="0">
+              <a:schemeClr val="accent1"/>
+            </a:effectRef>
+            <a:fontRef idx="minor">
+              <a:schemeClr val="lt1"/>
+            </a:fontRef>
+          </p:style>
+          <p:txBody>
+            <a:bodyPr rtlCol="0" anchor="ctr"/>
+            <a:lstStyle/>
+            <a:p>
+              <a:pPr algn="ctr"/>
+              <a:endParaRPr lang="en-US" sz="900"/>
+            </a:p>
+          </p:txBody>
+        </p:sp>
+        <p:sp>
+          <p:nvSpPr>
+            <p:cNvPr id="29" name="Rectangle 28"/>
+            <p:cNvSpPr/>
+            <p:nvPr/>
+          </p:nvSpPr>
+          <p:spPr>
+            <a:xfrm>
+              <a:off x="944559" y="9431625"/>
+              <a:ext cx="327912" cy="327912"/>
+            </a:xfrm>
+            <a:prstGeom prst="rect">
+              <a:avLst/>
+            </a:prstGeom>
+            <a:solidFill>
+              <a:schemeClr val="accent4">
+                <a:lumMod val="60000"/>
+                <a:lumOff val="40000"/>
+              </a:schemeClr>
+            </a:solidFill>
+            <a:ln>
+              <a:noFill/>
+            </a:ln>
+          </p:spPr>
+          <p:style>
+            <a:lnRef idx="2">
+              <a:schemeClr val="accent1">
+                <a:shade val="50000"/>
+              </a:schemeClr>
+            </a:lnRef>
+            <a:fillRef idx="1">
+              <a:schemeClr val="accent1"/>
+            </a:fillRef>
+            <a:effectRef idx="0">
+              <a:schemeClr val="accent1"/>
+            </a:effectRef>
+            <a:fontRef idx="minor">
+              <a:schemeClr val="lt1"/>
+            </a:fontRef>
+          </p:style>
+          <p:txBody>
+            <a:bodyPr rtlCol="0" anchor="ctr"/>
+            <a:lstStyle/>
+            <a:p>
+              <a:pPr algn="ctr"/>
+              <a:endParaRPr lang="en-US" sz="900"/>
+            </a:p>
+          </p:txBody>
+        </p:sp>
+      </p:grpSp>
+      <p:sp>
+        <p:nvSpPr>
+          <p:cNvPr id="30" name="TextBox 29">
+            <a:extLst>
+              <a:ext uri="{FF2B5EF4-FFF2-40B4-BE49-F238E27FC236}">
+                <a16:creationId xmlns:a16="http://schemas.microsoft.com/office/drawing/2014/main" id="{BB5EE1A2-01E7-384B-B3D4-C14EAECE9A88}"/>
+              </a:ext>
+            </a:extLst>
+          </p:cNvPr>
+          <p:cNvSpPr txBox="1"/>
+          <p:nvPr/>
+        </p:nvSpPr>
+        <p:spPr>
+          <a:xfrm>
+            <a:off x="243566" y="4017368"/>
+            <a:ext cx="2706271" cy="400110"/>
+          </a:xfrm>
+          <a:prstGeom prst="rect">
+            <a:avLst/>
+          </a:prstGeom>
+          <a:noFill/>
+        </p:spPr>
+        <p:txBody>
+          <a:bodyPr wrap="square" rtlCol="0">
+            <a:spAutoFit/>
+          </a:bodyPr>
+          <a:lstStyle/>
+          <a:p>
+            <a:r>
+              <a:rPr lang="fr-FR" sz="2000" dirty="0">
+                <a:solidFill>
+                  <a:schemeClr val="bg1"/>
+                </a:solidFill>
+                <a:latin typeface="Playfair Display" charset="0"/>
+                <a:ea typeface="Playfair Display" charset="0"/>
+                <a:cs typeface="Playfair Display" charset="0"/>
+              </a:rPr>
+              <a:t>Implémentation et tests</a:t>
+            </a:r>
+          </a:p>
+        </p:txBody>
+      </p:sp>
+      <p:sp>
+        <p:nvSpPr>
+          <p:cNvPr id="26" name="TextBox 25">
+            <a:extLst>
+              <a:ext uri="{FF2B5EF4-FFF2-40B4-BE49-F238E27FC236}">
+                <a16:creationId xmlns:a16="http://schemas.microsoft.com/office/drawing/2014/main" id="{4A5C87BF-6D10-9145-B649-A92E41425124}"/>
+              </a:ext>
+            </a:extLst>
+          </p:cNvPr>
+          <p:cNvSpPr txBox="1"/>
+          <p:nvPr/>
+        </p:nvSpPr>
+        <p:spPr>
+          <a:xfrm>
+            <a:off x="192563" y="5963319"/>
+            <a:ext cx="3157173" cy="400110"/>
+          </a:xfrm>
+          <a:prstGeom prst="rect">
+            <a:avLst/>
+          </a:prstGeom>
+          <a:noFill/>
+        </p:spPr>
+        <p:txBody>
+          <a:bodyPr wrap="square" rtlCol="0">
+            <a:spAutoFit/>
+          </a:bodyPr>
+          <a:lstStyle/>
+          <a:p>
+            <a:r>
+              <a:rPr lang="fr-FR" sz="2000" dirty="0">
+                <a:solidFill>
+                  <a:schemeClr val="bg1"/>
+                </a:solidFill>
+                <a:latin typeface="Playfair Display" charset="0"/>
+                <a:ea typeface="Playfair Display" charset="0"/>
+                <a:cs typeface="Playfair Display" charset="0"/>
+              </a:rPr>
+              <a:t>Conclusion et perspectives</a:t>
+            </a:r>
+          </a:p>
+        </p:txBody>
+      </p:sp>
+      <p:sp>
+        <p:nvSpPr>
+          <p:cNvPr id="27" name="TextBox 26">
+            <a:extLst>
+              <a:ext uri="{FF2B5EF4-FFF2-40B4-BE49-F238E27FC236}">
+                <a16:creationId xmlns:a16="http://schemas.microsoft.com/office/drawing/2014/main" id="{9E705042-39F4-5049-9E23-832ECB60E4AF}"/>
+              </a:ext>
+            </a:extLst>
+          </p:cNvPr>
+          <p:cNvSpPr txBox="1"/>
+          <p:nvPr/>
+        </p:nvSpPr>
+        <p:spPr>
+          <a:xfrm>
+            <a:off x="192563" y="494571"/>
+            <a:ext cx="2706271" cy="400110"/>
+          </a:xfrm>
+          <a:prstGeom prst="rect">
+            <a:avLst/>
+          </a:prstGeom>
+          <a:noFill/>
+        </p:spPr>
+        <p:txBody>
+          <a:bodyPr wrap="square" rtlCol="0">
+            <a:spAutoFit/>
+          </a:bodyPr>
+          <a:lstStyle/>
+          <a:p>
+            <a:r>
+              <a:rPr lang="fr-FR" sz="2000" dirty="0">
+                <a:solidFill>
+                  <a:schemeClr val="bg1"/>
+                </a:solidFill>
+                <a:latin typeface="Playfair Display" charset="0"/>
+                <a:ea typeface="Playfair Display" charset="0"/>
+                <a:cs typeface="Playfair Display" charset="0"/>
+              </a:rPr>
+              <a:t>Définition du projet</a:t>
+            </a:r>
+          </a:p>
+        </p:txBody>
+      </p:sp>
+      <p:sp>
+        <p:nvSpPr>
+          <p:cNvPr id="32" name="TextBox 31">
+            <a:extLst>
+              <a:ext uri="{FF2B5EF4-FFF2-40B4-BE49-F238E27FC236}">
+                <a16:creationId xmlns:a16="http://schemas.microsoft.com/office/drawing/2014/main" id="{A83D7826-FADB-3D47-A4CA-4E0D9DAB70A4}"/>
+              </a:ext>
+            </a:extLst>
+          </p:cNvPr>
+          <p:cNvSpPr txBox="1"/>
+          <p:nvPr/>
+        </p:nvSpPr>
+        <p:spPr>
+          <a:xfrm>
+            <a:off x="201519" y="1062488"/>
+            <a:ext cx="2706271" cy="400110"/>
+          </a:xfrm>
+          <a:prstGeom prst="rect">
+            <a:avLst/>
+          </a:prstGeom>
+          <a:noFill/>
+        </p:spPr>
+        <p:txBody>
+          <a:bodyPr wrap="square" rtlCol="0">
+            <a:spAutoFit/>
+          </a:bodyPr>
+          <a:lstStyle/>
+          <a:p>
+            <a:r>
+              <a:rPr lang="fr-FR" sz="2000" dirty="0">
+                <a:solidFill>
+                  <a:schemeClr val="tx2">
+                    <a:lumMod val="75000"/>
+                  </a:schemeClr>
+                </a:solidFill>
+                <a:latin typeface="Playfair Display" charset="0"/>
+                <a:ea typeface="Playfair Display" charset="0"/>
+                <a:cs typeface="Playfair Display" charset="0"/>
+              </a:rPr>
+              <a:t>Analyse des besoins</a:t>
+            </a:r>
+          </a:p>
+        </p:txBody>
+      </p:sp>
+      <p:sp>
+        <p:nvSpPr>
+          <p:cNvPr id="14" name="TextBox 13">
+            <a:extLst>
+              <a:ext uri="{FF2B5EF4-FFF2-40B4-BE49-F238E27FC236}">
+                <a16:creationId xmlns:a16="http://schemas.microsoft.com/office/drawing/2014/main" id="{20162023-85BD-BA4F-98EA-A293089270B4}"/>
+              </a:ext>
+            </a:extLst>
+          </p:cNvPr>
+          <p:cNvSpPr txBox="1"/>
+          <p:nvPr/>
+        </p:nvSpPr>
+        <p:spPr>
+          <a:xfrm>
+            <a:off x="356946" y="1572530"/>
+            <a:ext cx="3157173" cy="646331"/>
+          </a:xfrm>
+          <a:prstGeom prst="rect">
+            <a:avLst/>
+          </a:prstGeom>
+          <a:noFill/>
+        </p:spPr>
+        <p:txBody>
+          <a:bodyPr wrap="square" rtlCol="0">
+            <a:spAutoFit/>
+          </a:bodyPr>
+          <a:lstStyle/>
+          <a:p>
+            <a:r>
+              <a:rPr lang="fr-FR" dirty="0">
+                <a:solidFill>
+                  <a:schemeClr val="tx2">
+                    <a:lumMod val="75000"/>
+                  </a:schemeClr>
+                </a:solidFill>
+                <a:latin typeface="Lato" charset="0"/>
+              </a:rPr>
+              <a:t>1- Etude fonctionnelle</a:t>
+            </a:r>
+          </a:p>
+          <a:p>
+            <a:r>
+              <a:rPr lang="fr-FR" dirty="0">
+                <a:solidFill>
+                  <a:schemeClr val="bg1"/>
+                </a:solidFill>
+                <a:latin typeface="Lato" charset="0"/>
+              </a:rPr>
+              <a:t>2- L’algorithme de covoiturage</a:t>
+            </a:r>
+          </a:p>
+        </p:txBody>
+      </p:sp>
+      <p:sp>
+        <p:nvSpPr>
+          <p:cNvPr id="15" name="TextBox 14">
+            <a:extLst>
+              <a:ext uri="{FF2B5EF4-FFF2-40B4-BE49-F238E27FC236}">
+                <a16:creationId xmlns:a16="http://schemas.microsoft.com/office/drawing/2014/main" id="{A115C374-1B95-2643-B7A9-E35048C84144}"/>
+              </a:ext>
+            </a:extLst>
+          </p:cNvPr>
+          <p:cNvSpPr txBox="1"/>
+          <p:nvPr/>
+        </p:nvSpPr>
+        <p:spPr>
+          <a:xfrm>
+            <a:off x="5704866" y="494571"/>
+            <a:ext cx="4600276" cy="707886"/>
+          </a:xfrm>
+          <a:prstGeom prst="rect">
+            <a:avLst/>
+          </a:prstGeom>
+          <a:noFill/>
+        </p:spPr>
+        <p:txBody>
+          <a:bodyPr wrap="square" rtlCol="0">
+            <a:spAutoFit/>
+          </a:bodyPr>
+          <a:lstStyle/>
+          <a:p>
+            <a:r>
+              <a:rPr lang="fr-FR" sz="4000" b="1" dirty="0">
+                <a:solidFill>
+                  <a:schemeClr val="bg1"/>
+                </a:solidFill>
+                <a:latin typeface="Playfair Display" charset="0"/>
+                <a:ea typeface="Playfair Display" charset="0"/>
+                <a:cs typeface="Playfair Display" charset="0"/>
+              </a:rPr>
+              <a:t>Besoins fonctionnels</a:t>
+            </a:r>
+          </a:p>
+        </p:txBody>
+      </p:sp>
+      <p:pic>
+        <p:nvPicPr>
+          <p:cNvPr id="6" name="Picture 5">
+            <a:extLst>
+              <a:ext uri="{FF2B5EF4-FFF2-40B4-BE49-F238E27FC236}">
+                <a16:creationId xmlns:a16="http://schemas.microsoft.com/office/drawing/2014/main" id="{4F6EADA8-D7AC-3141-953C-0CD127A859D8}"/>
+              </a:ext>
+            </a:extLst>
+          </p:cNvPr>
+          <p:cNvPicPr>
+            <a:picLocks noChangeAspect="1"/>
+          </p:cNvPicPr>
+          <p:nvPr/>
+        </p:nvPicPr>
+        <p:blipFill>
+          <a:blip r:embed="rId3"/>
+          <a:stretch>
+            <a:fillRect/>
+          </a:stretch>
+        </p:blipFill>
+        <p:spPr>
+          <a:xfrm>
+            <a:off x="3383519" y="272454"/>
+            <a:ext cx="8829380" cy="6066971"/>
+          </a:xfrm>
+          <a:prstGeom prst="rect">
+            <a:avLst/>
+          </a:prstGeom>
+        </p:spPr>
+      </p:pic>
+      <p:sp>
+        <p:nvSpPr>
+          <p:cNvPr id="34" name="Rectangle 33">
+            <a:extLst>
+              <a:ext uri="{FF2B5EF4-FFF2-40B4-BE49-F238E27FC236}">
+                <a16:creationId xmlns:a16="http://schemas.microsoft.com/office/drawing/2014/main" id="{48F9E54C-5371-BD42-8A74-8E56D9C6B0E5}"/>
+              </a:ext>
+            </a:extLst>
+          </p:cNvPr>
+          <p:cNvSpPr/>
+          <p:nvPr/>
+        </p:nvSpPr>
+        <p:spPr>
+          <a:xfrm>
+            <a:off x="6907060" y="6414046"/>
+            <a:ext cx="3258613" cy="369332"/>
+          </a:xfrm>
+          <a:prstGeom prst="rect">
+            <a:avLst/>
+          </a:prstGeom>
+        </p:spPr>
+        <p:txBody>
+          <a:bodyPr wrap="square">
+            <a:spAutoFit/>
+          </a:bodyPr>
+          <a:lstStyle/>
+          <a:p>
+            <a:r>
+              <a:rPr lang="fr-FR" dirty="0">
+                <a:solidFill>
+                  <a:schemeClr val="bg1"/>
+                </a:solidFill>
+                <a:latin typeface="Lato" charset="0"/>
+              </a:rPr>
+              <a:t>Diagramme de cas d’utilisation</a:t>
+            </a:r>
+          </a:p>
+        </p:txBody>
+      </p:sp>
+    </p:spTree>
+    <p:extLst>
+      <p:ext uri="{BB962C8B-B14F-4D97-AF65-F5344CB8AC3E}">
+        <p14:creationId xmlns:p14="http://schemas.microsoft.com/office/powerpoint/2010/main" val="3839331938"/>
+      </p:ext>
+    </p:extLst>
+  </p:cSld>
+  <p:clrMapOvr>
+    <a:masterClrMapping/>
+  </p:clrMapOvr>
+  <mc:AlternateContent xmlns:mc="http://schemas.openxmlformats.org/markup-compatibility/2006" xmlns:p159="http://schemas.microsoft.com/office/powerpoint/2015/09/main">
+    <mc:Choice Requires="p159">
+      <p:transition xmlns:p14="http://schemas.microsoft.com/office/powerpoint/2010/main" spd="slow" p14:dur="2000">
+        <p159:morph option="byObject"/>
+      </p:transition>
+    </mc:Choice>
+    <mc:Fallback xmlns="">
+      <p:transition spd="slow">
+        <p:fade/>
+      </p:transition>
+    </mc:Fallback>
+  </mc:AlternateContent>
+  <p:timing>
+    <p:tnLst>
+      <p:par>
+        <p:cTn id="1" dur="indefinite" restart="never" nodeType="tmRoot">
+          <p:childTnLst>
+            <p:seq concurrent="1" nextAc="seek">
+              <p:cTn id="2" dur="indefinite" nodeType="mainSeq">
+                <p:childTnLst>
+                  <p:par>
+                    <p:cTn id="3" fill="hold">
+                      <p:stCondLst>
+                        <p:cond delay="indefinite"/>
+                      </p:stCondLst>
+                      <p:childTnLst>
+                        <p:par>
+                          <p:cTn id="4" fill="hold">
+                            <p:stCondLst>
+                              <p:cond delay="0"/>
+                            </p:stCondLst>
+                            <p:childTnLst>
+                              <p:par>
+                                <p:cTn id="5" presetID="2" presetClass="exit" presetSubtype="1" fill="hold" grpId="0" nodeType="clickEffect">
+                                  <p:stCondLst>
+                                    <p:cond delay="0"/>
+                                  </p:stCondLst>
+                                  <p:childTnLst>
+                                    <p:anim calcmode="lin" valueType="num">
+                                      <p:cBhvr additive="base">
+                                        <p:cTn id="6" dur="1000"/>
+                                        <p:tgtEl>
+                                          <p:spTgt spid="15"/>
+                                        </p:tgtEl>
+                                        <p:attrNameLst>
+                                          <p:attrName>ppt_x</p:attrName>
+                                        </p:attrNameLst>
+                                      </p:cBhvr>
+                                      <p:tavLst>
+                                        <p:tav tm="0">
+                                          <p:val>
+                                            <p:strVal val="ppt_x"/>
+                                          </p:val>
+                                        </p:tav>
+                                        <p:tav tm="100000">
+                                          <p:val>
+                                            <p:strVal val="ppt_x"/>
+                                          </p:val>
+                                        </p:tav>
+                                      </p:tavLst>
+                                    </p:anim>
+                                    <p:anim calcmode="lin" valueType="num">
+                                      <p:cBhvr additive="base">
+                                        <p:cTn id="7" dur="1000"/>
+                                        <p:tgtEl>
+                                          <p:spTgt spid="15"/>
+                                        </p:tgtEl>
+                                        <p:attrNameLst>
+                                          <p:attrName>ppt_y</p:attrName>
+                                        </p:attrNameLst>
+                                      </p:cBhvr>
+                                      <p:tavLst>
+                                        <p:tav tm="0">
+                                          <p:val>
+                                            <p:strVal val="ppt_y"/>
+                                          </p:val>
+                                        </p:tav>
+                                        <p:tav tm="100000">
+                                          <p:val>
+                                            <p:strVal val="0-ppt_h/2"/>
+                                          </p:val>
+                                        </p:tav>
+                                      </p:tavLst>
+                                    </p:anim>
+                                    <p:set>
+                                      <p:cBhvr>
+                                        <p:cTn id="8" dur="1" fill="hold">
+                                          <p:stCondLst>
+                                            <p:cond delay="999"/>
+                                          </p:stCondLst>
+                                        </p:cTn>
+                                        <p:tgtEl>
+                                          <p:spTgt spid="15"/>
+                                        </p:tgtEl>
+                                        <p:attrNameLst>
+                                          <p:attrName>style.visibility</p:attrName>
+                                        </p:attrNameLst>
+                                      </p:cBhvr>
+                                      <p:to>
+                                        <p:strVal val="hidden"/>
+                                      </p:to>
+                                    </p:set>
+                                  </p:childTnLst>
+                                </p:cTn>
+                              </p:par>
+                            </p:childTnLst>
+                          </p:cTn>
+                        </p:par>
+                        <p:par>
+                          <p:cTn id="9" fill="hold">
+                            <p:stCondLst>
+                              <p:cond delay="1000"/>
+                            </p:stCondLst>
+                            <p:childTnLst>
+                              <p:par>
+                                <p:cTn id="10" presetID="10" presetClass="entr" presetSubtype="0" fill="hold" nodeType="afterEffect">
+                                  <p:stCondLst>
+                                    <p:cond delay="0"/>
+                                  </p:stCondLst>
+                                  <p:childTnLst>
+                                    <p:set>
+                                      <p:cBhvr>
+                                        <p:cTn id="11" dur="1" fill="hold">
+                                          <p:stCondLst>
+                                            <p:cond delay="0"/>
+                                          </p:stCondLst>
+                                        </p:cTn>
+                                        <p:tgtEl>
+                                          <p:spTgt spid="6"/>
+                                        </p:tgtEl>
+                                        <p:attrNameLst>
+                                          <p:attrName>style.visibility</p:attrName>
+                                        </p:attrNameLst>
+                                      </p:cBhvr>
+                                      <p:to>
+                                        <p:strVal val="visible"/>
+                                      </p:to>
+                                    </p:set>
+                                    <p:animEffect transition="in" filter="fade">
+                                      <p:cBhvr>
+                                        <p:cTn id="12" dur="500"/>
+                                        <p:tgtEl>
+                                          <p:spTgt spid="6"/>
+                                        </p:tgtEl>
+                                      </p:cBhvr>
+                                    </p:animEffect>
+                                  </p:childTnLst>
+                                </p:cTn>
+                              </p:par>
+                            </p:childTnLst>
+                          </p:cTn>
+                        </p:par>
+                        <p:par>
+                          <p:cTn id="13" fill="hold">
+                            <p:stCondLst>
+                              <p:cond delay="1500"/>
+                            </p:stCondLst>
+                            <p:childTnLst>
+                              <p:par>
+                                <p:cTn id="14" presetID="10" presetClass="entr" presetSubtype="0" fill="hold" grpId="0" nodeType="afterEffect">
+                                  <p:stCondLst>
+                                    <p:cond delay="0"/>
+                                  </p:stCondLst>
+                                  <p:childTnLst>
+                                    <p:set>
+                                      <p:cBhvr>
+                                        <p:cTn id="15" dur="1" fill="hold">
+                                          <p:stCondLst>
+                                            <p:cond delay="0"/>
+                                          </p:stCondLst>
+                                        </p:cTn>
+                                        <p:tgtEl>
+                                          <p:spTgt spid="34"/>
+                                        </p:tgtEl>
+                                        <p:attrNameLst>
+                                          <p:attrName>style.visibility</p:attrName>
+                                        </p:attrNameLst>
+                                      </p:cBhvr>
+                                      <p:to>
+                                        <p:strVal val="visible"/>
+                                      </p:to>
+                                    </p:set>
+                                    <p:animEffect transition="in" filter="fade">
+                                      <p:cBhvr>
+                                        <p:cTn id="16" dur="500"/>
+                                        <p:tgtEl>
+                                          <p:spTgt spid="34"/>
+                                        </p:tgtEl>
+                                      </p:cBhvr>
+                                    </p:animEffect>
+                                  </p:childTnLst>
+                                </p:cTn>
+                              </p:par>
+                            </p:childTnLst>
+                          </p:cTn>
+                        </p:par>
+                      </p:childTnLst>
+                    </p:cTn>
+                  </p:par>
+                </p:childTnLst>
+              </p:cTn>
+              <p:prevCondLst>
+                <p:cond evt="onPrev" delay="0">
+                  <p:tgtEl>
+                    <p:sldTgt/>
+                  </p:tgtEl>
+                </p:cond>
+              </p:prevCondLst>
+              <p:nextCondLst>
+                <p:cond evt="onNext" delay="0">
+                  <p:tgtEl>
+                    <p:sldTgt/>
+                  </p:tgtEl>
+                </p:cond>
+              </p:nextCondLst>
+            </p:seq>
+          </p:childTnLst>
+        </p:cTn>
+      </p:par>
+    </p:tnLst>
+    <p:bldLst>
+      <p:bldP spid="15" grpId="0"/>
+      <p:bldP spid="34" grpId="0"/>
+    </p:bldLst>
+  </p:timing>
+</p:sld>
+</file>
+
+<file path=ppt/slides/slide13.xml><?xml version="1.0" encoding="utf-8"?>
+<p:sld xmlns:a="http://schemas.openxmlformats.org/drawingml/2006/main" xmlns:r="http://schemas.openxmlformats.org/officeDocument/2006/relationships" xmlns:p="http://schemas.openxmlformats.org/presentationml/2006/main">
+  <p:cSld>
+    <p:spTree>
+      <p:nvGrpSpPr>
+        <p:cNvPr id="1" name=""/>
+        <p:cNvGrpSpPr/>
+        <p:nvPr/>
+      </p:nvGrpSpPr>
+      <p:grpSpPr>
+        <a:xfrm>
+          <a:off x="0" y="0"/>
+          <a:ext cx="0" cy="0"/>
+          <a:chOff x="0" y="0"/>
+          <a:chExt cx="0" cy="0"/>
+        </a:xfrm>
+      </p:grpSpPr>
+      <p:sp>
+        <p:nvSpPr>
+          <p:cNvPr id="8" name="Rectangle 7"/>
+          <p:cNvSpPr/>
+          <p:nvPr/>
+        </p:nvSpPr>
+        <p:spPr>
+          <a:xfrm>
+            <a:off x="1586" y="0"/>
+            <a:ext cx="12188827" cy="6858000"/>
+          </a:xfrm>
+          <a:prstGeom prst="rect">
+            <a:avLst/>
+          </a:prstGeom>
+          <a:solidFill>
+            <a:schemeClr val="tx2">
+              <a:lumMod val="75000"/>
+            </a:schemeClr>
+          </a:solidFill>
+          <a:ln>
+            <a:noFill/>
+          </a:ln>
+        </p:spPr>
+        <p:style>
+          <a:lnRef idx="2">
+            <a:schemeClr val="accent1">
+              <a:shade val="50000"/>
+            </a:schemeClr>
+          </a:lnRef>
+          <a:fillRef idx="1">
+            <a:schemeClr val="accent1"/>
+          </a:fillRef>
+          <a:effectRef idx="0">
+            <a:schemeClr val="accent1"/>
+          </a:effectRef>
+          <a:fontRef idx="minor">
+            <a:schemeClr val="lt1"/>
+          </a:fontRef>
+        </p:style>
+        <p:txBody>
+          <a:bodyPr rtlCol="0" anchor="ctr"/>
+          <a:lstStyle/>
+          <a:p>
+            <a:pPr algn="ctr"/>
+            <a:endParaRPr lang="en-US" sz="900" dirty="0"/>
+          </a:p>
+        </p:txBody>
+      </p:sp>
+      <p:sp>
+        <p:nvSpPr>
+          <p:cNvPr id="2" name="Rectangle 1"/>
+          <p:cNvSpPr/>
+          <p:nvPr/>
+        </p:nvSpPr>
+        <p:spPr>
+          <a:xfrm flipH="1">
+            <a:off x="-2" y="159"/>
+            <a:ext cx="3383521" cy="6858000"/>
+          </a:xfrm>
+          <a:prstGeom prst="rect">
+            <a:avLst/>
+          </a:prstGeom>
+          <a:solidFill>
+            <a:schemeClr val="accent4">
+              <a:lumMod val="60000"/>
+              <a:lumOff val="40000"/>
+            </a:schemeClr>
+          </a:solidFill>
+          <a:ln>
+            <a:noFill/>
+          </a:ln>
+        </p:spPr>
+        <p:style>
+          <a:lnRef idx="2">
+            <a:schemeClr val="accent1">
+              <a:shade val="50000"/>
+            </a:schemeClr>
+          </a:lnRef>
+          <a:fillRef idx="1">
+            <a:schemeClr val="accent1"/>
+          </a:fillRef>
+          <a:effectRef idx="0">
+            <a:schemeClr val="accent1"/>
+          </a:effectRef>
+          <a:fontRef idx="minor">
+            <a:schemeClr val="lt1"/>
+          </a:fontRef>
+        </p:style>
+        <p:txBody>
+          <a:bodyPr rtlCol="0" anchor="ctr"/>
+          <a:lstStyle/>
+          <a:p>
+            <a:pPr algn="ctr"/>
+            <a:endParaRPr lang="en-US" sz="900"/>
+          </a:p>
+        </p:txBody>
+      </p:sp>
+      <p:grpSp>
+        <p:nvGrpSpPr>
+          <p:cNvPr id="18" name="Group 17"/>
+          <p:cNvGrpSpPr/>
+          <p:nvPr/>
+        </p:nvGrpSpPr>
+        <p:grpSpPr>
+          <a:xfrm>
+            <a:off x="11358229" y="6438900"/>
+            <a:ext cx="419100" cy="419100"/>
+            <a:chOff x="22713283" y="12877800"/>
+            <a:chExt cx="838200" cy="838200"/>
+          </a:xfrm>
+        </p:grpSpPr>
+        <p:sp>
+          <p:nvSpPr>
+            <p:cNvPr id="5" name="Rectangle 4"/>
+            <p:cNvSpPr/>
+            <p:nvPr/>
+          </p:nvSpPr>
+          <p:spPr>
+            <a:xfrm>
+              <a:off x="22713283" y="12877800"/>
+              <a:ext cx="838200" cy="838200"/>
+            </a:xfrm>
+            <a:prstGeom prst="rect">
+              <a:avLst/>
+            </a:prstGeom>
+            <a:solidFill>
+              <a:schemeClr val="accent1"/>
+            </a:solidFill>
+            <a:ln>
+              <a:noFill/>
+            </a:ln>
+          </p:spPr>
+          <p:style>
+            <a:lnRef idx="2">
+              <a:schemeClr val="accent1">
+                <a:shade val="50000"/>
+              </a:schemeClr>
+            </a:lnRef>
+            <a:fillRef idx="1">
+              <a:schemeClr val="accent1"/>
+            </a:fillRef>
+            <a:effectRef idx="0">
+              <a:schemeClr val="accent1"/>
+            </a:effectRef>
+            <a:fontRef idx="minor">
+              <a:schemeClr val="lt1"/>
+            </a:fontRef>
+          </p:style>
+          <p:txBody>
+            <a:bodyPr rtlCol="0" anchor="ctr"/>
+            <a:lstStyle/>
+            <a:p>
+              <a:pPr algn="ctr"/>
+              <a:endParaRPr lang="en-US" sz="900" dirty="0"/>
+            </a:p>
+          </p:txBody>
+        </p:sp>
+        <p:sp>
+          <p:nvSpPr>
+            <p:cNvPr id="17" name="Subtitle 2"/>
+            <p:cNvSpPr txBox="1">
+              <a:spLocks/>
+            </p:cNvSpPr>
+            <p:nvPr/>
+          </p:nvSpPr>
+          <p:spPr>
+            <a:xfrm>
+              <a:off x="22783885" y="12877800"/>
+              <a:ext cx="696996" cy="724056"/>
+            </a:xfrm>
+            <a:prstGeom prst="rect">
+              <a:avLst/>
+            </a:prstGeom>
+          </p:spPr>
+          <p:txBody>
+            <a:bodyPr vert="horz" wrap="square" lIns="108717" tIns="54359" rIns="108717" bIns="54359" rtlCol="0">
+              <a:spAutoFit/>
+            </a:bodyPr>
+            <a:lstStyle>
+              <a:lvl1pPr marL="0" indent="0" algn="ctr" defTabSz="1087636" rtl="0" eaLnBrk="1" latinLnBrk="0" hangingPunct="1">
+                <a:lnSpc>
+                  <a:spcPct val="120000"/>
+                </a:lnSpc>
+                <a:spcBef>
+                  <a:spcPct val="20000"/>
+                </a:spcBef>
+                <a:buFont typeface="Arial"/>
+                <a:buNone/>
+                <a:defRPr sz="2400" kern="1200">
+                  <a:solidFill>
+                    <a:schemeClr val="tx2"/>
+                  </a:solidFill>
+                  <a:latin typeface="Open Sans Light"/>
+                  <a:ea typeface="+mn-ea"/>
+                  <a:cs typeface="Open Sans Light"/>
+                </a:defRPr>
+              </a:lvl1pPr>
+              <a:lvl2pPr marL="1087636" indent="0" algn="ctr" defTabSz="1087636" rtl="0" eaLnBrk="1" latinLnBrk="0" hangingPunct="1">
+                <a:lnSpc>
+                  <a:spcPct val="130000"/>
+                </a:lnSpc>
+                <a:spcBef>
+                  <a:spcPct val="20000"/>
+                </a:spcBef>
+                <a:buFont typeface="Arial"/>
+                <a:buNone/>
+                <a:defRPr sz="3200" kern="1200">
+                  <a:solidFill>
+                    <a:schemeClr val="tx1">
+                      <a:tint val="75000"/>
+                    </a:schemeClr>
+                  </a:solidFill>
+                  <a:latin typeface="Open Sans"/>
+                  <a:ea typeface="+mn-ea"/>
+                  <a:cs typeface="Open Sans"/>
+                </a:defRPr>
+              </a:lvl2pPr>
+              <a:lvl3pPr marL="2175271" indent="0" algn="ctr" defTabSz="1087636" rtl="0" eaLnBrk="1" latinLnBrk="0" hangingPunct="1">
+                <a:lnSpc>
+                  <a:spcPct val="130000"/>
+                </a:lnSpc>
+                <a:spcBef>
+                  <a:spcPct val="20000"/>
+                </a:spcBef>
+                <a:buFont typeface="Arial"/>
+                <a:buNone/>
+                <a:defRPr sz="3200" kern="1200">
+                  <a:solidFill>
+                    <a:schemeClr val="tx1">
+                      <a:tint val="75000"/>
+                    </a:schemeClr>
+                  </a:solidFill>
+                  <a:latin typeface="Open Sans"/>
+                  <a:ea typeface="+mn-ea"/>
+                  <a:cs typeface="Open Sans"/>
+                </a:defRPr>
+              </a:lvl3pPr>
+              <a:lvl4pPr marL="3262912" indent="0" algn="ctr" defTabSz="1087636" rtl="0" eaLnBrk="1" latinLnBrk="0" hangingPunct="1">
+                <a:lnSpc>
+                  <a:spcPct val="130000"/>
+                </a:lnSpc>
+                <a:spcBef>
+                  <a:spcPct val="20000"/>
+                </a:spcBef>
+                <a:buFont typeface="Arial"/>
+                <a:buNone/>
+                <a:defRPr sz="3200" kern="1200">
+                  <a:solidFill>
+                    <a:schemeClr val="tx1">
+                      <a:tint val="75000"/>
+                    </a:schemeClr>
+                  </a:solidFill>
+                  <a:latin typeface="Open Sans"/>
+                  <a:ea typeface="+mn-ea"/>
+                  <a:cs typeface="Open Sans"/>
+                </a:defRPr>
+              </a:lvl4pPr>
+              <a:lvl5pPr marL="4350546" indent="0" algn="ctr" defTabSz="1087636" rtl="0" eaLnBrk="1" latinLnBrk="0" hangingPunct="1">
+                <a:lnSpc>
+                  <a:spcPct val="130000"/>
+                </a:lnSpc>
+                <a:spcBef>
+                  <a:spcPct val="20000"/>
+                </a:spcBef>
+                <a:buFont typeface="Arial"/>
+                <a:buNone/>
+                <a:defRPr sz="3200" kern="1200">
+                  <a:solidFill>
+                    <a:schemeClr val="tx1">
+                      <a:tint val="75000"/>
+                    </a:schemeClr>
+                  </a:solidFill>
+                  <a:latin typeface="Open Sans"/>
+                  <a:ea typeface="+mn-ea"/>
+                  <a:cs typeface="Open Sans"/>
+                </a:defRPr>
+              </a:lvl5pPr>
+              <a:lvl6pPr marL="5438184" indent="0" algn="ctr" defTabSz="1087636" rtl="0" eaLnBrk="1" latinLnBrk="0" hangingPunct="1">
+                <a:spcBef>
+                  <a:spcPct val="20000"/>
+                </a:spcBef>
+                <a:buFont typeface="Arial"/>
+                <a:buNone/>
+                <a:defRPr sz="4800" kern="1200">
+                  <a:solidFill>
+                    <a:schemeClr val="tx1">
+                      <a:tint val="75000"/>
+                    </a:schemeClr>
+                  </a:solidFill>
+                  <a:latin typeface="+mn-lt"/>
+                  <a:ea typeface="+mn-ea"/>
+                  <a:cs typeface="+mn-cs"/>
+                </a:defRPr>
+              </a:lvl6pPr>
+              <a:lvl7pPr marL="6525820" indent="0" algn="ctr" defTabSz="1087636" rtl="0" eaLnBrk="1" latinLnBrk="0" hangingPunct="1">
+                <a:spcBef>
+                  <a:spcPct val="20000"/>
+                </a:spcBef>
+                <a:buFont typeface="Arial"/>
+                <a:buNone/>
+                <a:defRPr sz="4800" kern="1200">
+                  <a:solidFill>
+                    <a:schemeClr val="tx1">
+                      <a:tint val="75000"/>
+                    </a:schemeClr>
+                  </a:solidFill>
+                  <a:latin typeface="+mn-lt"/>
+                  <a:ea typeface="+mn-ea"/>
+                  <a:cs typeface="+mn-cs"/>
+                </a:defRPr>
+              </a:lvl7pPr>
+              <a:lvl8pPr marL="7613455" indent="0" algn="ctr" defTabSz="1087636" rtl="0" eaLnBrk="1" latinLnBrk="0" hangingPunct="1">
+                <a:spcBef>
+                  <a:spcPct val="20000"/>
+                </a:spcBef>
+                <a:buFont typeface="Arial"/>
+                <a:buNone/>
+                <a:defRPr sz="4800" kern="1200">
+                  <a:solidFill>
+                    <a:schemeClr val="tx1">
+                      <a:tint val="75000"/>
+                    </a:schemeClr>
+                  </a:solidFill>
+                  <a:latin typeface="+mn-lt"/>
+                  <a:ea typeface="+mn-ea"/>
+                  <a:cs typeface="+mn-cs"/>
+                </a:defRPr>
+              </a:lvl8pPr>
+              <a:lvl9pPr marL="8701091" indent="0" algn="ctr" defTabSz="1087636" rtl="0" eaLnBrk="1" latinLnBrk="0" hangingPunct="1">
+                <a:spcBef>
+                  <a:spcPct val="20000"/>
+                </a:spcBef>
+                <a:buFont typeface="Arial"/>
+                <a:buNone/>
+                <a:defRPr sz="4800" kern="1200">
+                  <a:solidFill>
+                    <a:schemeClr val="tx1">
+                      <a:tint val="75000"/>
+                    </a:schemeClr>
+                  </a:solidFill>
+                  <a:latin typeface="+mn-lt"/>
+                  <a:ea typeface="+mn-ea"/>
+                  <a:cs typeface="+mn-cs"/>
+                </a:defRPr>
+              </a:lvl9pPr>
+            </a:lstStyle>
+            <a:p>
+              <a:pPr>
+                <a:lnSpc>
+                  <a:spcPts val="2150"/>
+                </a:lnSpc>
+              </a:pPr>
+              <a:r>
+                <a:rPr lang="en-US" sz="1200" dirty="0">
+                  <a:solidFill>
+                    <a:schemeClr val="bg1"/>
+                  </a:solidFill>
+                  <a:latin typeface="Lato" charset="0"/>
+                  <a:ea typeface="Lato" charset="0"/>
+                  <a:cs typeface="Lato" charset="0"/>
+                </a:rPr>
+                <a:t>4</a:t>
+              </a:r>
+            </a:p>
+          </p:txBody>
+        </p:sp>
+      </p:grpSp>
+      <p:grpSp>
+        <p:nvGrpSpPr>
+          <p:cNvPr id="9" name="Group 8"/>
+          <p:cNvGrpSpPr/>
+          <p:nvPr/>
+        </p:nvGrpSpPr>
+        <p:grpSpPr>
+          <a:xfrm>
+            <a:off x="232083" y="3849561"/>
+            <a:ext cx="124864" cy="3008440"/>
+            <a:chOff x="944559" y="7284867"/>
+            <a:chExt cx="327912" cy="2474670"/>
+          </a:xfrm>
+        </p:grpSpPr>
+        <p:sp>
+          <p:nvSpPr>
+            <p:cNvPr id="28" name="Rectangle 27"/>
+            <p:cNvSpPr/>
+            <p:nvPr/>
+          </p:nvSpPr>
+          <p:spPr>
+            <a:xfrm>
+              <a:off x="944559" y="7284867"/>
+              <a:ext cx="327912" cy="327912"/>
+            </a:xfrm>
+            <a:prstGeom prst="rect">
+              <a:avLst/>
+            </a:prstGeom>
+            <a:solidFill>
+              <a:schemeClr val="accent4">
+                <a:lumMod val="60000"/>
+                <a:lumOff val="40000"/>
+              </a:schemeClr>
+            </a:solidFill>
+            <a:ln>
+              <a:noFill/>
+            </a:ln>
+          </p:spPr>
+          <p:style>
+            <a:lnRef idx="2">
+              <a:schemeClr val="accent1">
+                <a:shade val="50000"/>
+              </a:schemeClr>
+            </a:lnRef>
+            <a:fillRef idx="1">
+              <a:schemeClr val="accent1"/>
+            </a:fillRef>
+            <a:effectRef idx="0">
+              <a:schemeClr val="accent1"/>
+            </a:effectRef>
+            <a:fontRef idx="minor">
+              <a:schemeClr val="lt1"/>
+            </a:fontRef>
+          </p:style>
+          <p:txBody>
+            <a:bodyPr rtlCol="0" anchor="ctr"/>
+            <a:lstStyle/>
+            <a:p>
+              <a:pPr algn="ctr"/>
+              <a:endParaRPr lang="en-US" sz="900"/>
+            </a:p>
+          </p:txBody>
+        </p:sp>
+        <p:sp>
+          <p:nvSpPr>
+            <p:cNvPr id="29" name="Rectangle 28"/>
+            <p:cNvSpPr/>
+            <p:nvPr/>
+          </p:nvSpPr>
+          <p:spPr>
+            <a:xfrm>
+              <a:off x="944559" y="9431625"/>
+              <a:ext cx="327912" cy="327912"/>
+            </a:xfrm>
+            <a:prstGeom prst="rect">
+              <a:avLst/>
+            </a:prstGeom>
+            <a:solidFill>
+              <a:schemeClr val="accent4">
+                <a:lumMod val="60000"/>
+                <a:lumOff val="40000"/>
+              </a:schemeClr>
+            </a:solidFill>
+            <a:ln>
+              <a:noFill/>
+            </a:ln>
+          </p:spPr>
+          <p:style>
+            <a:lnRef idx="2">
+              <a:schemeClr val="accent1">
+                <a:shade val="50000"/>
+              </a:schemeClr>
+            </a:lnRef>
+            <a:fillRef idx="1">
+              <a:schemeClr val="accent1"/>
+            </a:fillRef>
+            <a:effectRef idx="0">
+              <a:schemeClr val="accent1"/>
+            </a:effectRef>
+            <a:fontRef idx="minor">
+              <a:schemeClr val="lt1"/>
+            </a:fontRef>
+          </p:style>
+          <p:txBody>
+            <a:bodyPr rtlCol="0" anchor="ctr"/>
+            <a:lstStyle/>
+            <a:p>
+              <a:pPr algn="ctr"/>
+              <a:endParaRPr lang="en-US" sz="900"/>
+            </a:p>
+          </p:txBody>
+        </p:sp>
+      </p:grpSp>
+      <p:sp>
+        <p:nvSpPr>
+          <p:cNvPr id="30" name="TextBox 29">
+            <a:extLst>
+              <a:ext uri="{FF2B5EF4-FFF2-40B4-BE49-F238E27FC236}">
+                <a16:creationId xmlns:a16="http://schemas.microsoft.com/office/drawing/2014/main" id="{BB5EE1A2-01E7-384B-B3D4-C14EAECE9A88}"/>
+              </a:ext>
+            </a:extLst>
+          </p:cNvPr>
+          <p:cNvSpPr txBox="1"/>
+          <p:nvPr/>
+        </p:nvSpPr>
+        <p:spPr>
+          <a:xfrm>
+            <a:off x="243566" y="4017368"/>
+            <a:ext cx="2706271" cy="400110"/>
+          </a:xfrm>
+          <a:prstGeom prst="rect">
+            <a:avLst/>
+          </a:prstGeom>
+          <a:noFill/>
+        </p:spPr>
+        <p:txBody>
+          <a:bodyPr wrap="square" rtlCol="0">
+            <a:spAutoFit/>
+          </a:bodyPr>
+          <a:lstStyle/>
+          <a:p>
+            <a:r>
+              <a:rPr lang="fr-FR" sz="2000" dirty="0">
+                <a:solidFill>
+                  <a:schemeClr val="bg1"/>
+                </a:solidFill>
+                <a:latin typeface="Playfair Display" charset="0"/>
+                <a:ea typeface="Playfair Display" charset="0"/>
+                <a:cs typeface="Playfair Display" charset="0"/>
+              </a:rPr>
+              <a:t>Implémentation et tests</a:t>
+            </a:r>
+          </a:p>
+        </p:txBody>
+      </p:sp>
+      <p:sp>
+        <p:nvSpPr>
+          <p:cNvPr id="26" name="TextBox 25">
+            <a:extLst>
+              <a:ext uri="{FF2B5EF4-FFF2-40B4-BE49-F238E27FC236}">
+                <a16:creationId xmlns:a16="http://schemas.microsoft.com/office/drawing/2014/main" id="{4A5C87BF-6D10-9145-B649-A92E41425124}"/>
+              </a:ext>
+            </a:extLst>
+          </p:cNvPr>
+          <p:cNvSpPr txBox="1"/>
+          <p:nvPr/>
+        </p:nvSpPr>
+        <p:spPr>
+          <a:xfrm>
+            <a:off x="192563" y="5963319"/>
+            <a:ext cx="3157173" cy="400110"/>
+          </a:xfrm>
+          <a:prstGeom prst="rect">
+            <a:avLst/>
+          </a:prstGeom>
+          <a:noFill/>
+        </p:spPr>
+        <p:txBody>
+          <a:bodyPr wrap="square" rtlCol="0">
+            <a:spAutoFit/>
+          </a:bodyPr>
+          <a:lstStyle/>
+          <a:p>
+            <a:r>
+              <a:rPr lang="fr-FR" sz="2000" dirty="0">
+                <a:solidFill>
+                  <a:schemeClr val="bg1"/>
+                </a:solidFill>
+                <a:latin typeface="Playfair Display" charset="0"/>
+                <a:ea typeface="Playfair Display" charset="0"/>
+                <a:cs typeface="Playfair Display" charset="0"/>
+              </a:rPr>
+              <a:t>Conclusion et perspectives</a:t>
+            </a:r>
+          </a:p>
+        </p:txBody>
+      </p:sp>
+      <p:sp>
+        <p:nvSpPr>
+          <p:cNvPr id="27" name="TextBox 26">
+            <a:extLst>
+              <a:ext uri="{FF2B5EF4-FFF2-40B4-BE49-F238E27FC236}">
+                <a16:creationId xmlns:a16="http://schemas.microsoft.com/office/drawing/2014/main" id="{9E705042-39F4-5049-9E23-832ECB60E4AF}"/>
+              </a:ext>
+            </a:extLst>
+          </p:cNvPr>
+          <p:cNvSpPr txBox="1"/>
+          <p:nvPr/>
+        </p:nvSpPr>
+        <p:spPr>
+          <a:xfrm>
+            <a:off x="192563" y="494571"/>
+            <a:ext cx="2706271" cy="400110"/>
+          </a:xfrm>
+          <a:prstGeom prst="rect">
+            <a:avLst/>
+          </a:prstGeom>
+          <a:noFill/>
+        </p:spPr>
+        <p:txBody>
+          <a:bodyPr wrap="square" rtlCol="0">
+            <a:spAutoFit/>
+          </a:bodyPr>
+          <a:lstStyle/>
+          <a:p>
+            <a:r>
+              <a:rPr lang="fr-FR" sz="2000" dirty="0">
+                <a:solidFill>
+                  <a:schemeClr val="bg1"/>
+                </a:solidFill>
+                <a:latin typeface="Playfair Display" charset="0"/>
+                <a:ea typeface="Playfair Display" charset="0"/>
+                <a:cs typeface="Playfair Display" charset="0"/>
+              </a:rPr>
+              <a:t>Définition du projet</a:t>
+            </a:r>
+          </a:p>
+        </p:txBody>
+      </p:sp>
+      <p:sp>
+        <p:nvSpPr>
+          <p:cNvPr id="32" name="TextBox 31">
+            <a:extLst>
+              <a:ext uri="{FF2B5EF4-FFF2-40B4-BE49-F238E27FC236}">
+                <a16:creationId xmlns:a16="http://schemas.microsoft.com/office/drawing/2014/main" id="{A83D7826-FADB-3D47-A4CA-4E0D9DAB70A4}"/>
+              </a:ext>
+            </a:extLst>
+          </p:cNvPr>
+          <p:cNvSpPr txBox="1"/>
+          <p:nvPr/>
+        </p:nvSpPr>
+        <p:spPr>
+          <a:xfrm>
+            <a:off x="201519" y="1062488"/>
+            <a:ext cx="2706271" cy="400110"/>
+          </a:xfrm>
+          <a:prstGeom prst="rect">
+            <a:avLst/>
+          </a:prstGeom>
+          <a:noFill/>
+        </p:spPr>
+        <p:txBody>
+          <a:bodyPr wrap="square" rtlCol="0">
+            <a:spAutoFit/>
+          </a:bodyPr>
+          <a:lstStyle/>
+          <a:p>
+            <a:r>
+              <a:rPr lang="fr-FR" sz="2000" dirty="0">
+                <a:solidFill>
+                  <a:schemeClr val="tx2">
+                    <a:lumMod val="75000"/>
+                  </a:schemeClr>
+                </a:solidFill>
+                <a:latin typeface="Playfair Display" charset="0"/>
+                <a:ea typeface="Playfair Display" charset="0"/>
+                <a:cs typeface="Playfair Display" charset="0"/>
+              </a:rPr>
+              <a:t>Analyse des besoins</a:t>
+            </a:r>
+          </a:p>
+        </p:txBody>
+      </p:sp>
+      <p:sp>
+        <p:nvSpPr>
+          <p:cNvPr id="14" name="TextBox 13">
+            <a:extLst>
+              <a:ext uri="{FF2B5EF4-FFF2-40B4-BE49-F238E27FC236}">
+                <a16:creationId xmlns:a16="http://schemas.microsoft.com/office/drawing/2014/main" id="{20162023-85BD-BA4F-98EA-A293089270B4}"/>
+              </a:ext>
+            </a:extLst>
+          </p:cNvPr>
+          <p:cNvSpPr txBox="1"/>
+          <p:nvPr/>
+        </p:nvSpPr>
+        <p:spPr>
+          <a:xfrm>
+            <a:off x="356946" y="1572530"/>
+            <a:ext cx="3157173" cy="646331"/>
+          </a:xfrm>
+          <a:prstGeom prst="rect">
+            <a:avLst/>
+          </a:prstGeom>
+          <a:noFill/>
+        </p:spPr>
+        <p:txBody>
+          <a:bodyPr wrap="square" rtlCol="0">
+            <a:spAutoFit/>
+          </a:bodyPr>
+          <a:lstStyle/>
+          <a:p>
+            <a:r>
+              <a:rPr lang="fr-FR" dirty="0">
+                <a:solidFill>
+                  <a:schemeClr val="tx2">
+                    <a:lumMod val="75000"/>
+                  </a:schemeClr>
+                </a:solidFill>
+                <a:latin typeface="Lato" charset="0"/>
+              </a:rPr>
+              <a:t>1- Etude fonctionnelle</a:t>
+            </a:r>
+          </a:p>
+          <a:p>
+            <a:r>
+              <a:rPr lang="fr-FR" dirty="0">
+                <a:solidFill>
+                  <a:schemeClr val="bg1"/>
+                </a:solidFill>
+                <a:latin typeface="Lato" charset="0"/>
+              </a:rPr>
+              <a:t>2- L’algorithme de covoiturage</a:t>
+            </a:r>
+          </a:p>
+        </p:txBody>
+      </p:sp>
+      <p:sp>
+        <p:nvSpPr>
+          <p:cNvPr id="15" name="TextBox 14">
+            <a:extLst>
+              <a:ext uri="{FF2B5EF4-FFF2-40B4-BE49-F238E27FC236}">
+                <a16:creationId xmlns:a16="http://schemas.microsoft.com/office/drawing/2014/main" id="{A115C374-1B95-2643-B7A9-E35048C84144}"/>
+              </a:ext>
+            </a:extLst>
+          </p:cNvPr>
+          <p:cNvSpPr txBox="1"/>
+          <p:nvPr/>
+        </p:nvSpPr>
+        <p:spPr>
+          <a:xfrm>
+            <a:off x="3349736" y="494571"/>
+            <a:ext cx="8840677" cy="707886"/>
+          </a:xfrm>
+          <a:prstGeom prst="rect">
+            <a:avLst/>
+          </a:prstGeom>
+          <a:noFill/>
+        </p:spPr>
+        <p:txBody>
+          <a:bodyPr wrap="square" rtlCol="0">
+            <a:spAutoFit/>
+          </a:bodyPr>
+          <a:lstStyle/>
+          <a:p>
+            <a:pPr algn="ctr"/>
+            <a:r>
+              <a:rPr lang="fr-FR" sz="4000" b="1" dirty="0">
+                <a:solidFill>
+                  <a:schemeClr val="bg1"/>
+                </a:solidFill>
+                <a:latin typeface="Playfair Display" charset="0"/>
+                <a:ea typeface="Playfair Display" charset="0"/>
+                <a:cs typeface="Playfair Display" charset="0"/>
+              </a:rPr>
+              <a:t>Besoins non fonctionnels</a:t>
+            </a:r>
+          </a:p>
+        </p:txBody>
+      </p:sp>
+      <p:grpSp>
+        <p:nvGrpSpPr>
+          <p:cNvPr id="41" name="Group 40">
+            <a:extLst>
+              <a:ext uri="{FF2B5EF4-FFF2-40B4-BE49-F238E27FC236}">
+                <a16:creationId xmlns:a16="http://schemas.microsoft.com/office/drawing/2014/main" id="{2FF1EBA9-63C0-AF48-BE5A-E28AA0B6432A}"/>
+              </a:ext>
+            </a:extLst>
+          </p:cNvPr>
+          <p:cNvGrpSpPr/>
+          <p:nvPr/>
+        </p:nvGrpSpPr>
+        <p:grpSpPr>
+          <a:xfrm>
+            <a:off x="4862136" y="1811400"/>
+            <a:ext cx="5980260" cy="814922"/>
+            <a:chOff x="4296043" y="487220"/>
+            <a:chExt cx="7097485" cy="814922"/>
+          </a:xfrm>
+        </p:grpSpPr>
+        <p:sp>
+          <p:nvSpPr>
+            <p:cNvPr id="42" name="Rounded Rectangle 41">
+              <a:extLst>
+                <a:ext uri="{FF2B5EF4-FFF2-40B4-BE49-F238E27FC236}">
+                  <a16:creationId xmlns:a16="http://schemas.microsoft.com/office/drawing/2014/main" id="{8A51EE96-6BA3-A546-858E-3CCC18C027B3}"/>
+                </a:ext>
+              </a:extLst>
+            </p:cNvPr>
+            <p:cNvSpPr/>
+            <p:nvPr/>
+          </p:nvSpPr>
+          <p:spPr>
+            <a:xfrm>
+              <a:off x="4296043" y="487220"/>
+              <a:ext cx="7097485" cy="814922"/>
+            </a:xfrm>
+            <a:prstGeom prst="roundRect">
+              <a:avLst/>
+            </a:prstGeom>
+          </p:spPr>
+          <p:style>
+            <a:lnRef idx="2">
+              <a:schemeClr val="accent1">
+                <a:shade val="50000"/>
+              </a:schemeClr>
+            </a:lnRef>
+            <a:fillRef idx="1">
+              <a:schemeClr val="accent1"/>
+            </a:fillRef>
+            <a:effectRef idx="0">
+              <a:schemeClr val="accent1"/>
+            </a:effectRef>
+            <a:fontRef idx="minor">
+              <a:schemeClr val="lt1"/>
+            </a:fontRef>
+          </p:style>
+          <p:txBody>
+            <a:bodyPr rtlCol="0" anchor="ctr"/>
+            <a:lstStyle/>
+            <a:p>
+              <a:pPr algn="ctr"/>
+              <a:endParaRPr lang="fr-FR"/>
+            </a:p>
+          </p:txBody>
+        </p:sp>
+        <p:sp>
+          <p:nvSpPr>
+            <p:cNvPr id="43" name="Rectangle 42">
+              <a:extLst>
+                <a:ext uri="{FF2B5EF4-FFF2-40B4-BE49-F238E27FC236}">
+                  <a16:creationId xmlns:a16="http://schemas.microsoft.com/office/drawing/2014/main" id="{1301EFFE-5BCC-C54F-9E82-E038944355A7}"/>
+                </a:ext>
+              </a:extLst>
+            </p:cNvPr>
+            <p:cNvSpPr/>
+            <p:nvPr/>
+          </p:nvSpPr>
+          <p:spPr>
+            <a:xfrm>
+              <a:off x="4451967" y="710015"/>
+              <a:ext cx="6751413" cy="369332"/>
+            </a:xfrm>
+            <a:prstGeom prst="rect">
+              <a:avLst/>
+            </a:prstGeom>
+          </p:spPr>
+          <p:txBody>
+            <a:bodyPr wrap="square">
+              <a:spAutoFit/>
+            </a:bodyPr>
+            <a:lstStyle/>
+            <a:p>
+              <a:pPr algn="ctr"/>
+              <a:r>
+                <a:rPr lang="fr-FR" dirty="0">
+                  <a:solidFill>
+                    <a:schemeClr val="bg1"/>
+                  </a:solidFill>
+                  <a:latin typeface="Lato" charset="0"/>
+                </a:rPr>
+                <a:t>Performance</a:t>
+              </a:r>
+            </a:p>
+          </p:txBody>
+        </p:sp>
+      </p:grpSp>
+      <p:grpSp>
+        <p:nvGrpSpPr>
+          <p:cNvPr id="45" name="Group 44">
+            <a:extLst>
+              <a:ext uri="{FF2B5EF4-FFF2-40B4-BE49-F238E27FC236}">
+                <a16:creationId xmlns:a16="http://schemas.microsoft.com/office/drawing/2014/main" id="{09E6F9E7-E6AD-3247-B765-DF32F9C26537}"/>
+              </a:ext>
+            </a:extLst>
+          </p:cNvPr>
+          <p:cNvGrpSpPr/>
+          <p:nvPr/>
+        </p:nvGrpSpPr>
+        <p:grpSpPr>
+          <a:xfrm>
+            <a:off x="4862136" y="3262469"/>
+            <a:ext cx="5980260" cy="814922"/>
+            <a:chOff x="4296043" y="487220"/>
+            <a:chExt cx="7097485" cy="814922"/>
+          </a:xfrm>
+        </p:grpSpPr>
+        <p:sp>
+          <p:nvSpPr>
+            <p:cNvPr id="46" name="Rounded Rectangle 45">
+              <a:extLst>
+                <a:ext uri="{FF2B5EF4-FFF2-40B4-BE49-F238E27FC236}">
+                  <a16:creationId xmlns:a16="http://schemas.microsoft.com/office/drawing/2014/main" id="{2F6D302A-62C0-2A40-B4D3-6479CB912E41}"/>
+                </a:ext>
+              </a:extLst>
+            </p:cNvPr>
+            <p:cNvSpPr/>
+            <p:nvPr/>
+          </p:nvSpPr>
+          <p:spPr>
+            <a:xfrm>
+              <a:off x="4296043" y="487220"/>
+              <a:ext cx="7097485" cy="814922"/>
+            </a:xfrm>
+            <a:prstGeom prst="roundRect">
+              <a:avLst/>
+            </a:prstGeom>
+          </p:spPr>
+          <p:style>
+            <a:lnRef idx="2">
+              <a:schemeClr val="accent1">
+                <a:shade val="50000"/>
+              </a:schemeClr>
+            </a:lnRef>
+            <a:fillRef idx="1">
+              <a:schemeClr val="accent1"/>
+            </a:fillRef>
+            <a:effectRef idx="0">
+              <a:schemeClr val="accent1"/>
+            </a:effectRef>
+            <a:fontRef idx="minor">
+              <a:schemeClr val="lt1"/>
+            </a:fontRef>
+          </p:style>
+          <p:txBody>
+            <a:bodyPr rtlCol="0" anchor="ctr"/>
+            <a:lstStyle/>
+            <a:p>
+              <a:pPr algn="ctr"/>
+              <a:endParaRPr lang="fr-FR"/>
+            </a:p>
+          </p:txBody>
+        </p:sp>
+        <p:sp>
+          <p:nvSpPr>
+            <p:cNvPr id="47" name="Rectangle 46">
+              <a:extLst>
+                <a:ext uri="{FF2B5EF4-FFF2-40B4-BE49-F238E27FC236}">
+                  <a16:creationId xmlns:a16="http://schemas.microsoft.com/office/drawing/2014/main" id="{CAD561DB-E155-DD47-98FE-1FD9C5B7C7A5}"/>
+                </a:ext>
+              </a:extLst>
+            </p:cNvPr>
+            <p:cNvSpPr/>
+            <p:nvPr/>
+          </p:nvSpPr>
+          <p:spPr>
+            <a:xfrm>
+              <a:off x="4451967" y="710015"/>
+              <a:ext cx="6751413" cy="369332"/>
+            </a:xfrm>
+            <a:prstGeom prst="rect">
+              <a:avLst/>
+            </a:prstGeom>
+          </p:spPr>
+          <p:txBody>
+            <a:bodyPr wrap="square">
+              <a:spAutoFit/>
+            </a:bodyPr>
+            <a:lstStyle/>
+            <a:p>
+              <a:pPr algn="ctr"/>
+              <a:r>
+                <a:rPr lang="fr-FR" dirty="0">
+                  <a:solidFill>
+                    <a:schemeClr val="bg1"/>
+                  </a:solidFill>
+                  <a:latin typeface="Lato" charset="0"/>
+                </a:rPr>
+                <a:t>Tests</a:t>
+              </a:r>
+            </a:p>
+          </p:txBody>
+        </p:sp>
+      </p:grpSp>
+      <p:grpSp>
+        <p:nvGrpSpPr>
+          <p:cNvPr id="48" name="Group 47">
+            <a:extLst>
+              <a:ext uri="{FF2B5EF4-FFF2-40B4-BE49-F238E27FC236}">
+                <a16:creationId xmlns:a16="http://schemas.microsoft.com/office/drawing/2014/main" id="{A6DB633A-7A03-F641-8262-9878DC3CC41A}"/>
+              </a:ext>
+            </a:extLst>
+          </p:cNvPr>
+          <p:cNvGrpSpPr/>
+          <p:nvPr/>
+        </p:nvGrpSpPr>
+        <p:grpSpPr>
+          <a:xfrm>
+            <a:off x="4862136" y="4713538"/>
+            <a:ext cx="5980260" cy="814922"/>
+            <a:chOff x="4296043" y="487220"/>
+            <a:chExt cx="7097485" cy="814922"/>
+          </a:xfrm>
+        </p:grpSpPr>
+        <p:sp>
+          <p:nvSpPr>
+            <p:cNvPr id="49" name="Rounded Rectangle 48">
+              <a:extLst>
+                <a:ext uri="{FF2B5EF4-FFF2-40B4-BE49-F238E27FC236}">
+                  <a16:creationId xmlns:a16="http://schemas.microsoft.com/office/drawing/2014/main" id="{34B35B42-79C2-F94D-BF65-0D400E08793C}"/>
+                </a:ext>
+              </a:extLst>
+            </p:cNvPr>
+            <p:cNvSpPr/>
+            <p:nvPr/>
+          </p:nvSpPr>
+          <p:spPr>
+            <a:xfrm>
+              <a:off x="4296043" y="487220"/>
+              <a:ext cx="7097485" cy="814922"/>
+            </a:xfrm>
+            <a:prstGeom prst="roundRect">
+              <a:avLst/>
+            </a:prstGeom>
+          </p:spPr>
+          <p:style>
+            <a:lnRef idx="2">
+              <a:schemeClr val="accent1">
+                <a:shade val="50000"/>
+              </a:schemeClr>
+            </a:lnRef>
+            <a:fillRef idx="1">
+              <a:schemeClr val="accent1"/>
+            </a:fillRef>
+            <a:effectRef idx="0">
+              <a:schemeClr val="accent1"/>
+            </a:effectRef>
+            <a:fontRef idx="minor">
+              <a:schemeClr val="lt1"/>
+            </a:fontRef>
+          </p:style>
+          <p:txBody>
+            <a:bodyPr rtlCol="0" anchor="ctr"/>
+            <a:lstStyle/>
+            <a:p>
+              <a:pPr algn="ctr"/>
+              <a:endParaRPr lang="fr-FR"/>
+            </a:p>
+          </p:txBody>
+        </p:sp>
+        <p:sp>
+          <p:nvSpPr>
+            <p:cNvPr id="50" name="Rectangle 49">
+              <a:extLst>
+                <a:ext uri="{FF2B5EF4-FFF2-40B4-BE49-F238E27FC236}">
+                  <a16:creationId xmlns:a16="http://schemas.microsoft.com/office/drawing/2014/main" id="{32C6B1A5-D43B-F345-95BE-00EC49F2A44F}"/>
+                </a:ext>
+              </a:extLst>
+            </p:cNvPr>
+            <p:cNvSpPr/>
+            <p:nvPr/>
+          </p:nvSpPr>
+          <p:spPr>
+            <a:xfrm>
+              <a:off x="4451967" y="710015"/>
+              <a:ext cx="6751413" cy="369332"/>
+            </a:xfrm>
+            <a:prstGeom prst="rect">
+              <a:avLst/>
+            </a:prstGeom>
+          </p:spPr>
+          <p:txBody>
+            <a:bodyPr wrap="square">
+              <a:spAutoFit/>
+            </a:bodyPr>
+            <a:lstStyle/>
+            <a:p>
+              <a:pPr algn="ctr"/>
+              <a:r>
+                <a:rPr lang="fr-FR" dirty="0">
+                  <a:solidFill>
+                    <a:schemeClr val="bg1"/>
+                  </a:solidFill>
+                  <a:latin typeface="Lato" charset="0"/>
+                </a:rPr>
+                <a:t>Structure du code</a:t>
+              </a:r>
+            </a:p>
+          </p:txBody>
+        </p:sp>
+      </p:grpSp>
+    </p:spTree>
+    <p:extLst>
+      <p:ext uri="{BB962C8B-B14F-4D97-AF65-F5344CB8AC3E}">
+        <p14:creationId xmlns:p14="http://schemas.microsoft.com/office/powerpoint/2010/main" val="742854877"/>
+      </p:ext>
+    </p:extLst>
+  </p:cSld>
+  <p:clrMapOvr>
+    <a:masterClrMapping/>
+  </p:clrMapOvr>
+  <mc:AlternateContent xmlns:mc="http://schemas.openxmlformats.org/markup-compatibility/2006" xmlns:p159="http://schemas.microsoft.com/office/powerpoint/2015/09/main">
+    <mc:Choice Requires="p159">
+      <p:transition xmlns:p14="http://schemas.microsoft.com/office/powerpoint/2010/main" spd="slow" p14:dur="2000">
+        <p159:morph option="byObject"/>
+      </p:transition>
+    </mc:Choice>
+    <mc:Fallback xmlns="">
+      <p:transition spd="slow">
+        <p:fade/>
+      </p:transition>
+    </mc:Fallback>
+  </mc:AlternateContent>
+  <p:timing>
+    <p:tnLst>
+      <p:par>
+        <p:cTn id="1" dur="indefinite" restart="never" nodeType="tmRoot">
+          <p:childTnLst>
+            <p:seq concurrent="1" nextAc="seek">
+              <p:cTn id="2" dur="indefinite" nodeType="mainSeq">
+                <p:childTnLst>
+                  <p:par>
+                    <p:cTn id="3" fill="hold">
+                      <p:stCondLst>
+                        <p:cond delay="indefinite"/>
+                      </p:stCondLst>
+                      <p:childTnLst>
+                        <p:par>
+                          <p:cTn id="4" fill="hold">
+                            <p:stCondLst>
+                              <p:cond delay="0"/>
+                            </p:stCondLst>
+                            <p:childTnLst>
+                              <p:par>
+                                <p:cTn id="5" presetID="10" presetClass="entr" presetSubtype="0" fill="hold" nodeType="clickEffect">
+                                  <p:stCondLst>
+                                    <p:cond delay="0"/>
+                                  </p:stCondLst>
+                                  <p:childTnLst>
+                                    <p:set>
+                                      <p:cBhvr>
+                                        <p:cTn id="6" dur="1" fill="hold">
+                                          <p:stCondLst>
+                                            <p:cond delay="0"/>
+                                          </p:stCondLst>
+                                        </p:cTn>
+                                        <p:tgtEl>
+                                          <p:spTgt spid="41"/>
+                                        </p:tgtEl>
+                                        <p:attrNameLst>
+                                          <p:attrName>style.visibility</p:attrName>
+                                        </p:attrNameLst>
+                                      </p:cBhvr>
+                                      <p:to>
+                                        <p:strVal val="visible"/>
+                                      </p:to>
+                                    </p:set>
+                                    <p:animEffect transition="in" filter="fade">
+                                      <p:cBhvr>
+                                        <p:cTn id="7" dur="500"/>
+                                        <p:tgtEl>
+                                          <p:spTgt spid="41"/>
+                                        </p:tgtEl>
+                                      </p:cBhvr>
+                                    </p:animEffect>
+                                  </p:childTnLst>
+                                </p:cTn>
+                              </p:par>
+                              <p:par>
+                                <p:cTn id="8" presetID="10" presetClass="entr" presetSubtype="0" fill="hold" nodeType="withEffect">
+                                  <p:stCondLst>
+                                    <p:cond delay="0"/>
+                                  </p:stCondLst>
+                                  <p:childTnLst>
+                                    <p:set>
+                                      <p:cBhvr>
+                                        <p:cTn id="9" dur="1" fill="hold">
+                                          <p:stCondLst>
+                                            <p:cond delay="0"/>
+                                          </p:stCondLst>
+                                        </p:cTn>
+                                        <p:tgtEl>
+                                          <p:spTgt spid="45"/>
+                                        </p:tgtEl>
+                                        <p:attrNameLst>
+                                          <p:attrName>style.visibility</p:attrName>
+                                        </p:attrNameLst>
+                                      </p:cBhvr>
+                                      <p:to>
+                                        <p:strVal val="visible"/>
+                                      </p:to>
+                                    </p:set>
+                                    <p:animEffect transition="in" filter="fade">
+                                      <p:cBhvr>
+                                        <p:cTn id="10" dur="500"/>
+                                        <p:tgtEl>
+                                          <p:spTgt spid="45"/>
+                                        </p:tgtEl>
+                                      </p:cBhvr>
+                                    </p:animEffect>
+                                  </p:childTnLst>
+                                </p:cTn>
+                              </p:par>
+                              <p:par>
+                                <p:cTn id="11" presetID="10" presetClass="entr" presetSubtype="0" fill="hold" nodeType="withEffect">
+                                  <p:stCondLst>
+                                    <p:cond delay="0"/>
+                                  </p:stCondLst>
+                                  <p:childTnLst>
+                                    <p:set>
+                                      <p:cBhvr>
+                                        <p:cTn id="12" dur="1" fill="hold">
+                                          <p:stCondLst>
+                                            <p:cond delay="0"/>
+                                          </p:stCondLst>
+                                        </p:cTn>
+                                        <p:tgtEl>
+                                          <p:spTgt spid="48"/>
+                                        </p:tgtEl>
+                                        <p:attrNameLst>
+                                          <p:attrName>style.visibility</p:attrName>
+                                        </p:attrNameLst>
+                                      </p:cBhvr>
+                                      <p:to>
+                                        <p:strVal val="visible"/>
+                                      </p:to>
+                                    </p:set>
+                                    <p:animEffect transition="in" filter="fade">
+                                      <p:cBhvr>
+                                        <p:cTn id="13" dur="500"/>
+                                        <p:tgtEl>
+                                          <p:spTgt spid="48"/>
+                                        </p:tgtEl>
+                                      </p:cBhvr>
+                                    </p:animEffect>
+                                  </p:childTnLst>
+                                </p:cTn>
+                              </p:par>
+                            </p:childTnLst>
+                          </p:cTn>
+                        </p:par>
+                      </p:childTnLst>
+                    </p:cTn>
+                  </p:par>
+                </p:childTnLst>
+              </p:cTn>
+              <p:prevCondLst>
+                <p:cond evt="onPrev" delay="0">
+                  <p:tgtEl>
+                    <p:sldTgt/>
+                  </p:tgtEl>
+                </p:cond>
+              </p:prevCondLst>
+              <p:nextCondLst>
+                <p:cond evt="onNext" delay="0">
+                  <p:tgtEl>
+                    <p:sldTgt/>
+                  </p:tgtEl>
+                </p:cond>
+              </p:nextCondLst>
+            </p:seq>
+          </p:childTnLst>
+        </p:cTn>
+      </p:par>
+    </p:tnLst>
+  </p:timing>
+</p:sld>
+</file>
+
+<file path=ppt/slides/slide14.xml><?xml version="1.0" encoding="utf-8"?>
+<p:sld xmlns:a="http://schemas.openxmlformats.org/drawingml/2006/main" xmlns:r="http://schemas.openxmlformats.org/officeDocument/2006/relationships" xmlns:p="http://schemas.openxmlformats.org/presentationml/2006/main">
+  <p:cSld>
+    <p:spTree>
+      <p:nvGrpSpPr>
+        <p:cNvPr id="1" name=""/>
+        <p:cNvGrpSpPr/>
+        <p:nvPr/>
+      </p:nvGrpSpPr>
+      <p:grpSpPr>
+        <a:xfrm>
+          <a:off x="0" y="0"/>
+          <a:ext cx="0" cy="0"/>
+          <a:chOff x="0" y="0"/>
+          <a:chExt cx="0" cy="0"/>
+        </a:xfrm>
+      </p:grpSpPr>
+      <p:sp>
+        <p:nvSpPr>
+          <p:cNvPr id="8" name="Rectangle 7"/>
+          <p:cNvSpPr/>
+          <p:nvPr/>
+        </p:nvSpPr>
+        <p:spPr>
+          <a:xfrm>
+            <a:off x="1586" y="0"/>
+            <a:ext cx="12188827" cy="6858000"/>
+          </a:xfrm>
+          <a:prstGeom prst="rect">
+            <a:avLst/>
+          </a:prstGeom>
+          <a:solidFill>
+            <a:schemeClr val="tx2">
+              <a:lumMod val="75000"/>
+            </a:schemeClr>
+          </a:solidFill>
+          <a:ln>
+            <a:noFill/>
+          </a:ln>
+        </p:spPr>
+        <p:style>
+          <a:lnRef idx="2">
+            <a:schemeClr val="accent1">
+              <a:shade val="50000"/>
+            </a:schemeClr>
+          </a:lnRef>
+          <a:fillRef idx="1">
+            <a:schemeClr val="accent1"/>
+          </a:fillRef>
+          <a:effectRef idx="0">
+            <a:schemeClr val="accent1"/>
+          </a:effectRef>
+          <a:fontRef idx="minor">
+            <a:schemeClr val="lt1"/>
+          </a:fontRef>
+        </p:style>
+        <p:txBody>
+          <a:bodyPr rtlCol="0" anchor="ctr"/>
+          <a:lstStyle/>
+          <a:p>
+            <a:pPr algn="ctr"/>
+            <a:endParaRPr lang="en-US" sz="900" dirty="0"/>
+          </a:p>
+        </p:txBody>
+      </p:sp>
+      <p:sp>
+        <p:nvSpPr>
+          <p:cNvPr id="2" name="Rectangle 1"/>
+          <p:cNvSpPr/>
+          <p:nvPr/>
+        </p:nvSpPr>
+        <p:spPr>
+          <a:xfrm flipH="1">
+            <a:off x="-2" y="159"/>
+            <a:ext cx="3383521" cy="6858000"/>
+          </a:xfrm>
+          <a:prstGeom prst="rect">
+            <a:avLst/>
+          </a:prstGeom>
+          <a:solidFill>
+            <a:schemeClr val="accent4">
+              <a:lumMod val="60000"/>
+              <a:lumOff val="40000"/>
+            </a:schemeClr>
+          </a:solidFill>
+          <a:ln>
+            <a:noFill/>
+          </a:ln>
+        </p:spPr>
+        <p:style>
+          <a:lnRef idx="2">
+            <a:schemeClr val="accent1">
+              <a:shade val="50000"/>
+            </a:schemeClr>
+          </a:lnRef>
+          <a:fillRef idx="1">
+            <a:schemeClr val="accent1"/>
+          </a:fillRef>
+          <a:effectRef idx="0">
+            <a:schemeClr val="accent1"/>
+          </a:effectRef>
+          <a:fontRef idx="minor">
+            <a:schemeClr val="lt1"/>
+          </a:fontRef>
+        </p:style>
+        <p:txBody>
+          <a:bodyPr rtlCol="0" anchor="ctr"/>
+          <a:lstStyle/>
+          <a:p>
+            <a:pPr algn="ctr"/>
+            <a:endParaRPr lang="en-US" sz="900"/>
+          </a:p>
+        </p:txBody>
+      </p:sp>
+      <p:grpSp>
+        <p:nvGrpSpPr>
+          <p:cNvPr id="18" name="Group 17"/>
+          <p:cNvGrpSpPr/>
+          <p:nvPr/>
+        </p:nvGrpSpPr>
+        <p:grpSpPr>
+          <a:xfrm>
+            <a:off x="11358229" y="6438900"/>
+            <a:ext cx="419100" cy="419100"/>
+            <a:chOff x="22713283" y="12877800"/>
+            <a:chExt cx="838200" cy="838200"/>
+          </a:xfrm>
+        </p:grpSpPr>
+        <p:sp>
+          <p:nvSpPr>
+            <p:cNvPr id="5" name="Rectangle 4"/>
+            <p:cNvSpPr/>
+            <p:nvPr/>
+          </p:nvSpPr>
+          <p:spPr>
+            <a:xfrm>
+              <a:off x="22713283" y="12877800"/>
+              <a:ext cx="838200" cy="838200"/>
+            </a:xfrm>
+            <a:prstGeom prst="rect">
+              <a:avLst/>
+            </a:prstGeom>
+            <a:solidFill>
+              <a:schemeClr val="accent1"/>
+            </a:solidFill>
+            <a:ln>
+              <a:noFill/>
+            </a:ln>
+          </p:spPr>
+          <p:style>
+            <a:lnRef idx="2">
+              <a:schemeClr val="accent1">
+                <a:shade val="50000"/>
+              </a:schemeClr>
+            </a:lnRef>
+            <a:fillRef idx="1">
+              <a:schemeClr val="accent1"/>
+            </a:fillRef>
+            <a:effectRef idx="0">
+              <a:schemeClr val="accent1"/>
+            </a:effectRef>
+            <a:fontRef idx="minor">
+              <a:schemeClr val="lt1"/>
+            </a:fontRef>
+          </p:style>
+          <p:txBody>
+            <a:bodyPr rtlCol="0" anchor="ctr"/>
+            <a:lstStyle/>
+            <a:p>
+              <a:pPr algn="ctr"/>
+              <a:endParaRPr lang="en-US" sz="900" dirty="0"/>
+            </a:p>
+          </p:txBody>
+        </p:sp>
+        <p:sp>
+          <p:nvSpPr>
+            <p:cNvPr id="17" name="Subtitle 2"/>
+            <p:cNvSpPr txBox="1">
+              <a:spLocks/>
+            </p:cNvSpPr>
+            <p:nvPr/>
+          </p:nvSpPr>
+          <p:spPr>
+            <a:xfrm>
+              <a:off x="22783885" y="12877800"/>
+              <a:ext cx="696996" cy="724056"/>
+            </a:xfrm>
+            <a:prstGeom prst="rect">
+              <a:avLst/>
+            </a:prstGeom>
+          </p:spPr>
+          <p:txBody>
+            <a:bodyPr vert="horz" wrap="square" lIns="108717" tIns="54359" rIns="108717" bIns="54359" rtlCol="0">
+              <a:spAutoFit/>
+            </a:bodyPr>
+            <a:lstStyle>
+              <a:lvl1pPr marL="0" indent="0" algn="ctr" defTabSz="1087636" rtl="0" eaLnBrk="1" latinLnBrk="0" hangingPunct="1">
+                <a:lnSpc>
+                  <a:spcPct val="120000"/>
+                </a:lnSpc>
+                <a:spcBef>
+                  <a:spcPct val="20000"/>
+                </a:spcBef>
+                <a:buFont typeface="Arial"/>
+                <a:buNone/>
+                <a:defRPr sz="2400" kern="1200">
+                  <a:solidFill>
+                    <a:schemeClr val="tx2"/>
+                  </a:solidFill>
+                  <a:latin typeface="Open Sans Light"/>
+                  <a:ea typeface="+mn-ea"/>
+                  <a:cs typeface="Open Sans Light"/>
+                </a:defRPr>
+              </a:lvl1pPr>
+              <a:lvl2pPr marL="1087636" indent="0" algn="ctr" defTabSz="1087636" rtl="0" eaLnBrk="1" latinLnBrk="0" hangingPunct="1">
+                <a:lnSpc>
+                  <a:spcPct val="130000"/>
+                </a:lnSpc>
+                <a:spcBef>
+                  <a:spcPct val="20000"/>
+                </a:spcBef>
+                <a:buFont typeface="Arial"/>
+                <a:buNone/>
+                <a:defRPr sz="3200" kern="1200">
+                  <a:solidFill>
+                    <a:schemeClr val="tx1">
+                      <a:tint val="75000"/>
+                    </a:schemeClr>
+                  </a:solidFill>
+                  <a:latin typeface="Open Sans"/>
+                  <a:ea typeface="+mn-ea"/>
+                  <a:cs typeface="Open Sans"/>
+                </a:defRPr>
+              </a:lvl2pPr>
+              <a:lvl3pPr marL="2175271" indent="0" algn="ctr" defTabSz="1087636" rtl="0" eaLnBrk="1" latinLnBrk="0" hangingPunct="1">
+                <a:lnSpc>
+                  <a:spcPct val="130000"/>
+                </a:lnSpc>
+                <a:spcBef>
+                  <a:spcPct val="20000"/>
+                </a:spcBef>
+                <a:buFont typeface="Arial"/>
+                <a:buNone/>
+                <a:defRPr sz="3200" kern="1200">
+                  <a:solidFill>
+                    <a:schemeClr val="tx1">
+                      <a:tint val="75000"/>
+                    </a:schemeClr>
+                  </a:solidFill>
+                  <a:latin typeface="Open Sans"/>
+                  <a:ea typeface="+mn-ea"/>
+                  <a:cs typeface="Open Sans"/>
+                </a:defRPr>
+              </a:lvl3pPr>
+              <a:lvl4pPr marL="3262912" indent="0" algn="ctr" defTabSz="1087636" rtl="0" eaLnBrk="1" latinLnBrk="0" hangingPunct="1">
+                <a:lnSpc>
+                  <a:spcPct val="130000"/>
+                </a:lnSpc>
+                <a:spcBef>
+                  <a:spcPct val="20000"/>
+                </a:spcBef>
+                <a:buFont typeface="Arial"/>
+                <a:buNone/>
+                <a:defRPr sz="3200" kern="1200">
+                  <a:solidFill>
+                    <a:schemeClr val="tx1">
+                      <a:tint val="75000"/>
+                    </a:schemeClr>
+                  </a:solidFill>
+                  <a:latin typeface="Open Sans"/>
+                  <a:ea typeface="+mn-ea"/>
+                  <a:cs typeface="Open Sans"/>
+                </a:defRPr>
+              </a:lvl4pPr>
+              <a:lvl5pPr marL="4350546" indent="0" algn="ctr" defTabSz="1087636" rtl="0" eaLnBrk="1" latinLnBrk="0" hangingPunct="1">
+                <a:lnSpc>
+                  <a:spcPct val="130000"/>
+                </a:lnSpc>
+                <a:spcBef>
+                  <a:spcPct val="20000"/>
+                </a:spcBef>
+                <a:buFont typeface="Arial"/>
+                <a:buNone/>
+                <a:defRPr sz="3200" kern="1200">
+                  <a:solidFill>
+                    <a:schemeClr val="tx1">
+                      <a:tint val="75000"/>
+                    </a:schemeClr>
+                  </a:solidFill>
+                  <a:latin typeface="Open Sans"/>
+                  <a:ea typeface="+mn-ea"/>
+                  <a:cs typeface="Open Sans"/>
+                </a:defRPr>
+              </a:lvl5pPr>
+              <a:lvl6pPr marL="5438184" indent="0" algn="ctr" defTabSz="1087636" rtl="0" eaLnBrk="1" latinLnBrk="0" hangingPunct="1">
+                <a:spcBef>
+                  <a:spcPct val="20000"/>
+                </a:spcBef>
+                <a:buFont typeface="Arial"/>
+                <a:buNone/>
+                <a:defRPr sz="4800" kern="1200">
+                  <a:solidFill>
+                    <a:schemeClr val="tx1">
+                      <a:tint val="75000"/>
+                    </a:schemeClr>
+                  </a:solidFill>
+                  <a:latin typeface="+mn-lt"/>
+                  <a:ea typeface="+mn-ea"/>
+                  <a:cs typeface="+mn-cs"/>
+                </a:defRPr>
+              </a:lvl6pPr>
+              <a:lvl7pPr marL="6525820" indent="0" algn="ctr" defTabSz="1087636" rtl="0" eaLnBrk="1" latinLnBrk="0" hangingPunct="1">
+                <a:spcBef>
+                  <a:spcPct val="20000"/>
+                </a:spcBef>
+                <a:buFont typeface="Arial"/>
+                <a:buNone/>
+                <a:defRPr sz="4800" kern="1200">
+                  <a:solidFill>
+                    <a:schemeClr val="tx1">
+                      <a:tint val="75000"/>
+                    </a:schemeClr>
+                  </a:solidFill>
+                  <a:latin typeface="+mn-lt"/>
+                  <a:ea typeface="+mn-ea"/>
+                  <a:cs typeface="+mn-cs"/>
+                </a:defRPr>
+              </a:lvl7pPr>
+              <a:lvl8pPr marL="7613455" indent="0" algn="ctr" defTabSz="1087636" rtl="0" eaLnBrk="1" latinLnBrk="0" hangingPunct="1">
+                <a:spcBef>
+                  <a:spcPct val="20000"/>
+                </a:spcBef>
+                <a:buFont typeface="Arial"/>
+                <a:buNone/>
+                <a:defRPr sz="4800" kern="1200">
+                  <a:solidFill>
+                    <a:schemeClr val="tx1">
+                      <a:tint val="75000"/>
+                    </a:schemeClr>
+                  </a:solidFill>
+                  <a:latin typeface="+mn-lt"/>
+                  <a:ea typeface="+mn-ea"/>
+                  <a:cs typeface="+mn-cs"/>
+                </a:defRPr>
+              </a:lvl8pPr>
+              <a:lvl9pPr marL="8701091" indent="0" algn="ctr" defTabSz="1087636" rtl="0" eaLnBrk="1" latinLnBrk="0" hangingPunct="1">
+                <a:spcBef>
+                  <a:spcPct val="20000"/>
+                </a:spcBef>
+                <a:buFont typeface="Arial"/>
+                <a:buNone/>
+                <a:defRPr sz="4800" kern="1200">
+                  <a:solidFill>
+                    <a:schemeClr val="tx1">
+                      <a:tint val="75000"/>
+                    </a:schemeClr>
+                  </a:solidFill>
+                  <a:latin typeface="+mn-lt"/>
+                  <a:ea typeface="+mn-ea"/>
+                  <a:cs typeface="+mn-cs"/>
+                </a:defRPr>
+              </a:lvl9pPr>
+            </a:lstStyle>
+            <a:p>
+              <a:pPr>
+                <a:lnSpc>
+                  <a:spcPts val="2150"/>
+                </a:lnSpc>
+              </a:pPr>
+              <a:r>
+                <a:rPr lang="en-US" sz="1200" dirty="0">
+                  <a:solidFill>
+                    <a:schemeClr val="bg1"/>
+                  </a:solidFill>
+                  <a:latin typeface="Lato" charset="0"/>
+                  <a:ea typeface="Lato" charset="0"/>
+                  <a:cs typeface="Lato" charset="0"/>
+                </a:rPr>
+                <a:t>4</a:t>
+              </a:r>
+            </a:p>
+          </p:txBody>
+        </p:sp>
+      </p:grpSp>
+      <p:grpSp>
+        <p:nvGrpSpPr>
+          <p:cNvPr id="9" name="Group 8"/>
+          <p:cNvGrpSpPr/>
+          <p:nvPr/>
+        </p:nvGrpSpPr>
+        <p:grpSpPr>
+          <a:xfrm>
+            <a:off x="232083" y="3849561"/>
+            <a:ext cx="124864" cy="3008440"/>
+            <a:chOff x="944559" y="7284867"/>
+            <a:chExt cx="327912" cy="2474670"/>
+          </a:xfrm>
+        </p:grpSpPr>
+        <p:sp>
+          <p:nvSpPr>
+            <p:cNvPr id="28" name="Rectangle 27"/>
+            <p:cNvSpPr/>
+            <p:nvPr/>
+          </p:nvSpPr>
+          <p:spPr>
+            <a:xfrm>
+              <a:off x="944559" y="7284867"/>
+              <a:ext cx="327912" cy="327912"/>
+            </a:xfrm>
+            <a:prstGeom prst="rect">
+              <a:avLst/>
+            </a:prstGeom>
+            <a:solidFill>
+              <a:schemeClr val="accent4">
+                <a:lumMod val="60000"/>
+                <a:lumOff val="40000"/>
+              </a:schemeClr>
+            </a:solidFill>
+            <a:ln>
+              <a:noFill/>
+            </a:ln>
+          </p:spPr>
+          <p:style>
+            <a:lnRef idx="2">
+              <a:schemeClr val="accent1">
+                <a:shade val="50000"/>
+              </a:schemeClr>
+            </a:lnRef>
+            <a:fillRef idx="1">
+              <a:schemeClr val="accent1"/>
+            </a:fillRef>
+            <a:effectRef idx="0">
+              <a:schemeClr val="accent1"/>
+            </a:effectRef>
+            <a:fontRef idx="minor">
+              <a:schemeClr val="lt1"/>
+            </a:fontRef>
+          </p:style>
+          <p:txBody>
+            <a:bodyPr rtlCol="0" anchor="ctr"/>
+            <a:lstStyle/>
+            <a:p>
+              <a:pPr algn="ctr"/>
+              <a:endParaRPr lang="en-US" sz="900"/>
+            </a:p>
+          </p:txBody>
+        </p:sp>
+        <p:sp>
+          <p:nvSpPr>
+            <p:cNvPr id="29" name="Rectangle 28"/>
+            <p:cNvSpPr/>
+            <p:nvPr/>
+          </p:nvSpPr>
+          <p:spPr>
+            <a:xfrm>
+              <a:off x="944559" y="9431625"/>
+              <a:ext cx="327912" cy="327912"/>
+            </a:xfrm>
+            <a:prstGeom prst="rect">
+              <a:avLst/>
+            </a:prstGeom>
+            <a:solidFill>
+              <a:schemeClr val="accent4">
+                <a:lumMod val="60000"/>
+                <a:lumOff val="40000"/>
+              </a:schemeClr>
+            </a:solidFill>
+            <a:ln>
+              <a:noFill/>
+            </a:ln>
+          </p:spPr>
+          <p:style>
+            <a:lnRef idx="2">
+              <a:schemeClr val="accent1">
+                <a:shade val="50000"/>
+              </a:schemeClr>
+            </a:lnRef>
+            <a:fillRef idx="1">
+              <a:schemeClr val="accent1"/>
+            </a:fillRef>
+            <a:effectRef idx="0">
+              <a:schemeClr val="accent1"/>
+            </a:effectRef>
+            <a:fontRef idx="minor">
+              <a:schemeClr val="lt1"/>
+            </a:fontRef>
+          </p:style>
+          <p:txBody>
+            <a:bodyPr rtlCol="0" anchor="ctr"/>
+            <a:lstStyle/>
+            <a:p>
+              <a:pPr algn="ctr"/>
+              <a:endParaRPr lang="en-US" sz="900"/>
+            </a:p>
+          </p:txBody>
+        </p:sp>
+      </p:grpSp>
+      <p:sp>
+        <p:nvSpPr>
+          <p:cNvPr id="30" name="TextBox 29">
+            <a:extLst>
+              <a:ext uri="{FF2B5EF4-FFF2-40B4-BE49-F238E27FC236}">
+                <a16:creationId xmlns:a16="http://schemas.microsoft.com/office/drawing/2014/main" id="{BB5EE1A2-01E7-384B-B3D4-C14EAECE9A88}"/>
+              </a:ext>
+            </a:extLst>
+          </p:cNvPr>
+          <p:cNvSpPr txBox="1"/>
+          <p:nvPr/>
+        </p:nvSpPr>
+        <p:spPr>
+          <a:xfrm>
+            <a:off x="243566" y="4017368"/>
+            <a:ext cx="2706271" cy="400110"/>
+          </a:xfrm>
+          <a:prstGeom prst="rect">
+            <a:avLst/>
+          </a:prstGeom>
+          <a:noFill/>
+        </p:spPr>
+        <p:txBody>
+          <a:bodyPr wrap="square" rtlCol="0">
+            <a:spAutoFit/>
+          </a:bodyPr>
+          <a:lstStyle/>
+          <a:p>
+            <a:r>
+              <a:rPr lang="fr-FR" sz="2000" dirty="0">
+                <a:solidFill>
+                  <a:schemeClr val="bg1"/>
+                </a:solidFill>
+                <a:latin typeface="Playfair Display" charset="0"/>
+                <a:ea typeface="Playfair Display" charset="0"/>
+                <a:cs typeface="Playfair Display" charset="0"/>
+              </a:rPr>
+              <a:t>Implémentation et tests</a:t>
+            </a:r>
+          </a:p>
+        </p:txBody>
+      </p:sp>
+      <p:sp>
+        <p:nvSpPr>
+          <p:cNvPr id="26" name="TextBox 25">
+            <a:extLst>
+              <a:ext uri="{FF2B5EF4-FFF2-40B4-BE49-F238E27FC236}">
+                <a16:creationId xmlns:a16="http://schemas.microsoft.com/office/drawing/2014/main" id="{4A5C87BF-6D10-9145-B649-A92E41425124}"/>
+              </a:ext>
+            </a:extLst>
+          </p:cNvPr>
+          <p:cNvSpPr txBox="1"/>
+          <p:nvPr/>
+        </p:nvSpPr>
+        <p:spPr>
+          <a:xfrm>
+            <a:off x="192563" y="5963319"/>
+            <a:ext cx="3157173" cy="400110"/>
+          </a:xfrm>
+          <a:prstGeom prst="rect">
+            <a:avLst/>
+          </a:prstGeom>
+          <a:noFill/>
+        </p:spPr>
+        <p:txBody>
+          <a:bodyPr wrap="square" rtlCol="0">
+            <a:spAutoFit/>
+          </a:bodyPr>
+          <a:lstStyle/>
+          <a:p>
+            <a:r>
+              <a:rPr lang="fr-FR" sz="2000" dirty="0">
+                <a:solidFill>
+                  <a:schemeClr val="bg1"/>
+                </a:solidFill>
+                <a:latin typeface="Playfair Display" charset="0"/>
+                <a:ea typeface="Playfair Display" charset="0"/>
+                <a:cs typeface="Playfair Display" charset="0"/>
+              </a:rPr>
+              <a:t>Conclusion et perspectives</a:t>
+            </a:r>
+          </a:p>
+        </p:txBody>
+      </p:sp>
+      <p:sp>
+        <p:nvSpPr>
+          <p:cNvPr id="27" name="TextBox 26">
+            <a:extLst>
+              <a:ext uri="{FF2B5EF4-FFF2-40B4-BE49-F238E27FC236}">
+                <a16:creationId xmlns:a16="http://schemas.microsoft.com/office/drawing/2014/main" id="{9E705042-39F4-5049-9E23-832ECB60E4AF}"/>
+              </a:ext>
+            </a:extLst>
+          </p:cNvPr>
+          <p:cNvSpPr txBox="1"/>
+          <p:nvPr/>
+        </p:nvSpPr>
+        <p:spPr>
+          <a:xfrm>
+            <a:off x="192563" y="494571"/>
+            <a:ext cx="2706271" cy="400110"/>
+          </a:xfrm>
+          <a:prstGeom prst="rect">
+            <a:avLst/>
+          </a:prstGeom>
+          <a:noFill/>
+        </p:spPr>
+        <p:txBody>
+          <a:bodyPr wrap="square" rtlCol="0">
+            <a:spAutoFit/>
+          </a:bodyPr>
+          <a:lstStyle/>
+          <a:p>
+            <a:r>
+              <a:rPr lang="fr-FR" sz="2000" dirty="0">
+                <a:solidFill>
+                  <a:schemeClr val="bg1"/>
+                </a:solidFill>
+                <a:latin typeface="Playfair Display" charset="0"/>
+                <a:ea typeface="Playfair Display" charset="0"/>
+                <a:cs typeface="Playfair Display" charset="0"/>
+              </a:rPr>
+              <a:t>Définition du projet</a:t>
+            </a:r>
+          </a:p>
+        </p:txBody>
+      </p:sp>
+      <p:sp>
+        <p:nvSpPr>
+          <p:cNvPr id="32" name="TextBox 31">
+            <a:extLst>
+              <a:ext uri="{FF2B5EF4-FFF2-40B4-BE49-F238E27FC236}">
+                <a16:creationId xmlns:a16="http://schemas.microsoft.com/office/drawing/2014/main" id="{A83D7826-FADB-3D47-A4CA-4E0D9DAB70A4}"/>
+              </a:ext>
+            </a:extLst>
+          </p:cNvPr>
+          <p:cNvSpPr txBox="1"/>
+          <p:nvPr/>
+        </p:nvSpPr>
+        <p:spPr>
+          <a:xfrm>
+            <a:off x="201519" y="1062488"/>
+            <a:ext cx="2706271" cy="400110"/>
+          </a:xfrm>
+          <a:prstGeom prst="rect">
+            <a:avLst/>
+          </a:prstGeom>
+          <a:noFill/>
+        </p:spPr>
+        <p:txBody>
+          <a:bodyPr wrap="square" rtlCol="0">
+            <a:spAutoFit/>
+          </a:bodyPr>
+          <a:lstStyle/>
+          <a:p>
+            <a:r>
+              <a:rPr lang="fr-FR" sz="2000" dirty="0">
+                <a:solidFill>
+                  <a:schemeClr val="tx2">
+                    <a:lumMod val="75000"/>
+                  </a:schemeClr>
+                </a:solidFill>
+                <a:latin typeface="Playfair Display" charset="0"/>
+                <a:ea typeface="Playfair Display" charset="0"/>
+                <a:cs typeface="Playfair Display" charset="0"/>
+              </a:rPr>
+              <a:t>Analyse des besoins</a:t>
+            </a:r>
+          </a:p>
+        </p:txBody>
+      </p:sp>
+      <p:sp>
+        <p:nvSpPr>
+          <p:cNvPr id="14" name="TextBox 13">
+            <a:extLst>
+              <a:ext uri="{FF2B5EF4-FFF2-40B4-BE49-F238E27FC236}">
+                <a16:creationId xmlns:a16="http://schemas.microsoft.com/office/drawing/2014/main" id="{20162023-85BD-BA4F-98EA-A293089270B4}"/>
+              </a:ext>
+            </a:extLst>
+          </p:cNvPr>
+          <p:cNvSpPr txBox="1"/>
+          <p:nvPr/>
+        </p:nvSpPr>
+        <p:spPr>
+          <a:xfrm>
+            <a:off x="356946" y="1572530"/>
+            <a:ext cx="3157173" cy="646331"/>
+          </a:xfrm>
+          <a:prstGeom prst="rect">
+            <a:avLst/>
+          </a:prstGeom>
+          <a:noFill/>
+        </p:spPr>
+        <p:txBody>
+          <a:bodyPr wrap="square" rtlCol="0">
+            <a:spAutoFit/>
+          </a:bodyPr>
+          <a:lstStyle/>
+          <a:p>
+            <a:r>
+              <a:rPr lang="fr-FR" dirty="0">
+                <a:solidFill>
+                  <a:schemeClr val="bg1"/>
+                </a:solidFill>
+                <a:latin typeface="Lato" charset="0"/>
+              </a:rPr>
+              <a:t>1- Etude fonctionnelle</a:t>
+            </a:r>
+          </a:p>
+          <a:p>
+            <a:r>
+              <a:rPr lang="fr-FR" dirty="0">
+                <a:solidFill>
+                  <a:schemeClr val="tx2">
+                    <a:lumMod val="75000"/>
+                  </a:schemeClr>
+                </a:solidFill>
+                <a:latin typeface="Lato" charset="0"/>
+              </a:rPr>
+              <a:t>2- L’algorithme de covoiturage</a:t>
+            </a:r>
+          </a:p>
+        </p:txBody>
+      </p:sp>
+    </p:spTree>
+    <p:extLst>
+      <p:ext uri="{BB962C8B-B14F-4D97-AF65-F5344CB8AC3E}">
+        <p14:creationId xmlns:p14="http://schemas.microsoft.com/office/powerpoint/2010/main" val="3691867302"/>
+      </p:ext>
+    </p:extLst>
+  </p:cSld>
+  <p:clrMapOvr>
+    <a:masterClrMapping/>
+  </p:clrMapOvr>
+  <mc:AlternateContent xmlns:mc="http://schemas.openxmlformats.org/markup-compatibility/2006" xmlns:p159="http://schemas.microsoft.com/office/powerpoint/2015/09/main">
+    <mc:Choice Requires="p159">
+      <p:transition xmlns:p14="http://schemas.microsoft.com/office/powerpoint/2010/main" spd="slow" p14:dur="2000">
+        <p159:morph option="byObject"/>
+      </p:transition>
+    </mc:Choice>
+    <mc:Fallback xmlns="">
+      <p:transition spd="slow">
+        <p:fade/>
+      </p:transition>
+    </mc:Fallback>
+  </mc:AlternateContent>
+</p:sld>
+</file>
+
+<file path=ppt/slides/slide15.xml><?xml version="1.0" encoding="utf-8"?>
+<p:sld xmlns:a="http://schemas.openxmlformats.org/drawingml/2006/main" xmlns:r="http://schemas.openxmlformats.org/officeDocument/2006/relationships" xmlns:p="http://schemas.openxmlformats.org/presentationml/2006/main">
+  <p:cSld>
+    <p:spTree>
+      <p:nvGrpSpPr>
+        <p:cNvPr id="1" name=""/>
+        <p:cNvGrpSpPr/>
+        <p:nvPr/>
+      </p:nvGrpSpPr>
+      <p:grpSpPr>
+        <a:xfrm>
+          <a:off x="0" y="0"/>
+          <a:ext cx="0" cy="0"/>
+          <a:chOff x="0" y="0"/>
+          <a:chExt cx="0" cy="0"/>
+        </a:xfrm>
+      </p:grpSpPr>
+      <p:sp>
+        <p:nvSpPr>
+          <p:cNvPr id="8" name="Rectangle 7"/>
+          <p:cNvSpPr/>
+          <p:nvPr/>
+        </p:nvSpPr>
+        <p:spPr>
+          <a:xfrm>
+            <a:off x="1586" y="0"/>
+            <a:ext cx="12188827" cy="6858000"/>
+          </a:xfrm>
+          <a:prstGeom prst="rect">
+            <a:avLst/>
+          </a:prstGeom>
+          <a:solidFill>
+            <a:schemeClr val="tx2">
+              <a:lumMod val="75000"/>
+            </a:schemeClr>
+          </a:solidFill>
+          <a:ln>
+            <a:noFill/>
+          </a:ln>
+        </p:spPr>
+        <p:style>
+          <a:lnRef idx="2">
+            <a:schemeClr val="accent1">
+              <a:shade val="50000"/>
+            </a:schemeClr>
+          </a:lnRef>
+          <a:fillRef idx="1">
+            <a:schemeClr val="accent1"/>
+          </a:fillRef>
+          <a:effectRef idx="0">
+            <a:schemeClr val="accent1"/>
+          </a:effectRef>
+          <a:fontRef idx="minor">
+            <a:schemeClr val="lt1"/>
+          </a:fontRef>
+        </p:style>
+        <p:txBody>
+          <a:bodyPr rtlCol="0" anchor="ctr"/>
+          <a:lstStyle/>
+          <a:p>
+            <a:pPr algn="ctr"/>
+            <a:endParaRPr lang="en-US" sz="900" dirty="0"/>
+          </a:p>
+        </p:txBody>
+      </p:sp>
+      <p:sp>
+        <p:nvSpPr>
+          <p:cNvPr id="2" name="Rectangle 1"/>
+          <p:cNvSpPr/>
+          <p:nvPr/>
+        </p:nvSpPr>
+        <p:spPr>
+          <a:xfrm flipH="1">
+            <a:off x="-2" y="159"/>
+            <a:ext cx="3383521" cy="6858000"/>
+          </a:xfrm>
+          <a:prstGeom prst="rect">
+            <a:avLst/>
+          </a:prstGeom>
+          <a:solidFill>
+            <a:schemeClr val="accent4">
+              <a:lumMod val="60000"/>
+              <a:lumOff val="40000"/>
+            </a:schemeClr>
+          </a:solidFill>
+          <a:ln>
+            <a:noFill/>
+          </a:ln>
+        </p:spPr>
+        <p:style>
+          <a:lnRef idx="2">
+            <a:schemeClr val="accent1">
+              <a:shade val="50000"/>
+            </a:schemeClr>
+          </a:lnRef>
+          <a:fillRef idx="1">
+            <a:schemeClr val="accent1"/>
+          </a:fillRef>
+          <a:effectRef idx="0">
+            <a:schemeClr val="accent1"/>
+          </a:effectRef>
+          <a:fontRef idx="minor">
+            <a:schemeClr val="lt1"/>
+          </a:fontRef>
+        </p:style>
+        <p:txBody>
+          <a:bodyPr rtlCol="0" anchor="ctr"/>
+          <a:lstStyle/>
+          <a:p>
+            <a:pPr algn="ctr"/>
+            <a:endParaRPr lang="en-US" sz="900"/>
+          </a:p>
+        </p:txBody>
+      </p:sp>
+      <p:grpSp>
+        <p:nvGrpSpPr>
+          <p:cNvPr id="18" name="Group 17"/>
+          <p:cNvGrpSpPr/>
+          <p:nvPr/>
+        </p:nvGrpSpPr>
+        <p:grpSpPr>
+          <a:xfrm>
+            <a:off x="11358229" y="6438900"/>
+            <a:ext cx="419100" cy="419100"/>
+            <a:chOff x="22713283" y="12877800"/>
+            <a:chExt cx="838200" cy="838200"/>
+          </a:xfrm>
+        </p:grpSpPr>
+        <p:sp>
+          <p:nvSpPr>
+            <p:cNvPr id="5" name="Rectangle 4"/>
+            <p:cNvSpPr/>
+            <p:nvPr/>
+          </p:nvSpPr>
+          <p:spPr>
+            <a:xfrm>
+              <a:off x="22713283" y="12877800"/>
+              <a:ext cx="838200" cy="838200"/>
+            </a:xfrm>
+            <a:prstGeom prst="rect">
+              <a:avLst/>
+            </a:prstGeom>
+            <a:solidFill>
+              <a:schemeClr val="accent1"/>
+            </a:solidFill>
+            <a:ln>
+              <a:noFill/>
+            </a:ln>
+          </p:spPr>
+          <p:style>
+            <a:lnRef idx="2">
+              <a:schemeClr val="accent1">
+                <a:shade val="50000"/>
+              </a:schemeClr>
+            </a:lnRef>
+            <a:fillRef idx="1">
+              <a:schemeClr val="accent1"/>
+            </a:fillRef>
+            <a:effectRef idx="0">
+              <a:schemeClr val="accent1"/>
+            </a:effectRef>
+            <a:fontRef idx="minor">
+              <a:schemeClr val="lt1"/>
+            </a:fontRef>
+          </p:style>
+          <p:txBody>
+            <a:bodyPr rtlCol="0" anchor="ctr"/>
+            <a:lstStyle/>
+            <a:p>
+              <a:pPr algn="ctr"/>
+              <a:endParaRPr lang="en-US" sz="900" dirty="0"/>
+            </a:p>
+          </p:txBody>
+        </p:sp>
+        <p:sp>
+          <p:nvSpPr>
+            <p:cNvPr id="17" name="Subtitle 2"/>
+            <p:cNvSpPr txBox="1">
+              <a:spLocks/>
+            </p:cNvSpPr>
+            <p:nvPr/>
+          </p:nvSpPr>
+          <p:spPr>
+            <a:xfrm>
+              <a:off x="22783885" y="12877800"/>
+              <a:ext cx="696996" cy="724056"/>
+            </a:xfrm>
+            <a:prstGeom prst="rect">
+              <a:avLst/>
+            </a:prstGeom>
+          </p:spPr>
+          <p:txBody>
+            <a:bodyPr vert="horz" wrap="square" lIns="108717" tIns="54359" rIns="108717" bIns="54359" rtlCol="0">
+              <a:spAutoFit/>
+            </a:bodyPr>
+            <a:lstStyle>
+              <a:lvl1pPr marL="0" indent="0" algn="ctr" defTabSz="1087636" rtl="0" eaLnBrk="1" latinLnBrk="0" hangingPunct="1">
+                <a:lnSpc>
+                  <a:spcPct val="120000"/>
+                </a:lnSpc>
+                <a:spcBef>
+                  <a:spcPct val="20000"/>
+                </a:spcBef>
+                <a:buFont typeface="Arial"/>
+                <a:buNone/>
+                <a:defRPr sz="2400" kern="1200">
+                  <a:solidFill>
+                    <a:schemeClr val="tx2"/>
+                  </a:solidFill>
+                  <a:latin typeface="Open Sans Light"/>
+                  <a:ea typeface="+mn-ea"/>
+                  <a:cs typeface="Open Sans Light"/>
+                </a:defRPr>
+              </a:lvl1pPr>
+              <a:lvl2pPr marL="1087636" indent="0" algn="ctr" defTabSz="1087636" rtl="0" eaLnBrk="1" latinLnBrk="0" hangingPunct="1">
+                <a:lnSpc>
+                  <a:spcPct val="130000"/>
+                </a:lnSpc>
+                <a:spcBef>
+                  <a:spcPct val="20000"/>
+                </a:spcBef>
+                <a:buFont typeface="Arial"/>
+                <a:buNone/>
+                <a:defRPr sz="3200" kern="1200">
+                  <a:solidFill>
+                    <a:schemeClr val="tx1">
+                      <a:tint val="75000"/>
+                    </a:schemeClr>
+                  </a:solidFill>
+                  <a:latin typeface="Open Sans"/>
+                  <a:ea typeface="+mn-ea"/>
+                  <a:cs typeface="Open Sans"/>
+                </a:defRPr>
+              </a:lvl2pPr>
+              <a:lvl3pPr marL="2175271" indent="0" algn="ctr" defTabSz="1087636" rtl="0" eaLnBrk="1" latinLnBrk="0" hangingPunct="1">
+                <a:lnSpc>
+                  <a:spcPct val="130000"/>
+                </a:lnSpc>
+                <a:spcBef>
+                  <a:spcPct val="20000"/>
+                </a:spcBef>
+                <a:buFont typeface="Arial"/>
+                <a:buNone/>
+                <a:defRPr sz="3200" kern="1200">
+                  <a:solidFill>
+                    <a:schemeClr val="tx1">
+                      <a:tint val="75000"/>
+                    </a:schemeClr>
+                  </a:solidFill>
+                  <a:latin typeface="Open Sans"/>
+                  <a:ea typeface="+mn-ea"/>
+                  <a:cs typeface="Open Sans"/>
+                </a:defRPr>
+              </a:lvl3pPr>
+              <a:lvl4pPr marL="3262912" indent="0" algn="ctr" defTabSz="1087636" rtl="0" eaLnBrk="1" latinLnBrk="0" hangingPunct="1">
+                <a:lnSpc>
+                  <a:spcPct val="130000"/>
+                </a:lnSpc>
+                <a:spcBef>
+                  <a:spcPct val="20000"/>
+                </a:spcBef>
+                <a:buFont typeface="Arial"/>
+                <a:buNone/>
+                <a:defRPr sz="3200" kern="1200">
+                  <a:solidFill>
+                    <a:schemeClr val="tx1">
+                      <a:tint val="75000"/>
+                    </a:schemeClr>
+                  </a:solidFill>
+                  <a:latin typeface="Open Sans"/>
+                  <a:ea typeface="+mn-ea"/>
+                  <a:cs typeface="Open Sans"/>
+                </a:defRPr>
+              </a:lvl4pPr>
+              <a:lvl5pPr marL="4350546" indent="0" algn="ctr" defTabSz="1087636" rtl="0" eaLnBrk="1" latinLnBrk="0" hangingPunct="1">
+                <a:lnSpc>
+                  <a:spcPct val="130000"/>
+                </a:lnSpc>
+                <a:spcBef>
+                  <a:spcPct val="20000"/>
+                </a:spcBef>
+                <a:buFont typeface="Arial"/>
+                <a:buNone/>
+                <a:defRPr sz="3200" kern="1200">
+                  <a:solidFill>
+                    <a:schemeClr val="tx1">
+                      <a:tint val="75000"/>
+                    </a:schemeClr>
+                  </a:solidFill>
+                  <a:latin typeface="Open Sans"/>
+                  <a:ea typeface="+mn-ea"/>
+                  <a:cs typeface="Open Sans"/>
+                </a:defRPr>
+              </a:lvl5pPr>
+              <a:lvl6pPr marL="5438184" indent="0" algn="ctr" defTabSz="1087636" rtl="0" eaLnBrk="1" latinLnBrk="0" hangingPunct="1">
+                <a:spcBef>
+                  <a:spcPct val="20000"/>
+                </a:spcBef>
+                <a:buFont typeface="Arial"/>
+                <a:buNone/>
+                <a:defRPr sz="4800" kern="1200">
+                  <a:solidFill>
+                    <a:schemeClr val="tx1">
+                      <a:tint val="75000"/>
+                    </a:schemeClr>
+                  </a:solidFill>
+                  <a:latin typeface="+mn-lt"/>
+                  <a:ea typeface="+mn-ea"/>
+                  <a:cs typeface="+mn-cs"/>
+                </a:defRPr>
+              </a:lvl6pPr>
+              <a:lvl7pPr marL="6525820" indent="0" algn="ctr" defTabSz="1087636" rtl="0" eaLnBrk="1" latinLnBrk="0" hangingPunct="1">
+                <a:spcBef>
+                  <a:spcPct val="20000"/>
+                </a:spcBef>
+                <a:buFont typeface="Arial"/>
+                <a:buNone/>
+                <a:defRPr sz="4800" kern="1200">
+                  <a:solidFill>
+                    <a:schemeClr val="tx1">
+                      <a:tint val="75000"/>
+                    </a:schemeClr>
+                  </a:solidFill>
+                  <a:latin typeface="+mn-lt"/>
+                  <a:ea typeface="+mn-ea"/>
+                  <a:cs typeface="+mn-cs"/>
+                </a:defRPr>
+              </a:lvl7pPr>
+              <a:lvl8pPr marL="7613455" indent="0" algn="ctr" defTabSz="1087636" rtl="0" eaLnBrk="1" latinLnBrk="0" hangingPunct="1">
+                <a:spcBef>
+                  <a:spcPct val="20000"/>
+                </a:spcBef>
+                <a:buFont typeface="Arial"/>
+                <a:buNone/>
+                <a:defRPr sz="4800" kern="1200">
+                  <a:solidFill>
+                    <a:schemeClr val="tx1">
+                      <a:tint val="75000"/>
+                    </a:schemeClr>
+                  </a:solidFill>
+                  <a:latin typeface="+mn-lt"/>
+                  <a:ea typeface="+mn-ea"/>
+                  <a:cs typeface="+mn-cs"/>
+                </a:defRPr>
+              </a:lvl8pPr>
+              <a:lvl9pPr marL="8701091" indent="0" algn="ctr" defTabSz="1087636" rtl="0" eaLnBrk="1" latinLnBrk="0" hangingPunct="1">
+                <a:spcBef>
+                  <a:spcPct val="20000"/>
+                </a:spcBef>
+                <a:buFont typeface="Arial"/>
+                <a:buNone/>
+                <a:defRPr sz="4800" kern="1200">
+                  <a:solidFill>
+                    <a:schemeClr val="tx1">
+                      <a:tint val="75000"/>
+                    </a:schemeClr>
+                  </a:solidFill>
+                  <a:latin typeface="+mn-lt"/>
+                  <a:ea typeface="+mn-ea"/>
+                  <a:cs typeface="+mn-cs"/>
+                </a:defRPr>
+              </a:lvl9pPr>
+            </a:lstStyle>
+            <a:p>
+              <a:pPr>
+                <a:lnSpc>
+                  <a:spcPts val="2150"/>
+                </a:lnSpc>
+              </a:pPr>
+              <a:r>
+                <a:rPr lang="en-US" sz="1200" dirty="0">
+                  <a:solidFill>
+                    <a:schemeClr val="bg1"/>
+                  </a:solidFill>
+                  <a:latin typeface="Lato" charset="0"/>
+                  <a:ea typeface="Lato" charset="0"/>
+                  <a:cs typeface="Lato" charset="0"/>
+                </a:rPr>
+                <a:t>4</a:t>
+              </a:r>
+            </a:p>
+          </p:txBody>
+        </p:sp>
+      </p:grpSp>
+      <p:grpSp>
+        <p:nvGrpSpPr>
+          <p:cNvPr id="9" name="Group 8"/>
+          <p:cNvGrpSpPr/>
+          <p:nvPr/>
+        </p:nvGrpSpPr>
+        <p:grpSpPr>
+          <a:xfrm>
+            <a:off x="232083" y="3849561"/>
+            <a:ext cx="124864" cy="3008440"/>
+            <a:chOff x="944559" y="7284867"/>
+            <a:chExt cx="327912" cy="2474670"/>
+          </a:xfrm>
+        </p:grpSpPr>
+        <p:sp>
+          <p:nvSpPr>
+            <p:cNvPr id="28" name="Rectangle 27"/>
+            <p:cNvSpPr/>
+            <p:nvPr/>
+          </p:nvSpPr>
+          <p:spPr>
+            <a:xfrm>
+              <a:off x="944559" y="7284867"/>
+              <a:ext cx="327912" cy="327912"/>
+            </a:xfrm>
+            <a:prstGeom prst="rect">
+              <a:avLst/>
+            </a:prstGeom>
+            <a:solidFill>
+              <a:schemeClr val="accent4">
+                <a:lumMod val="60000"/>
+                <a:lumOff val="40000"/>
+              </a:schemeClr>
+            </a:solidFill>
+            <a:ln>
+              <a:noFill/>
+            </a:ln>
+          </p:spPr>
+          <p:style>
+            <a:lnRef idx="2">
+              <a:schemeClr val="accent1">
+                <a:shade val="50000"/>
+              </a:schemeClr>
+            </a:lnRef>
+            <a:fillRef idx="1">
+              <a:schemeClr val="accent1"/>
+            </a:fillRef>
+            <a:effectRef idx="0">
+              <a:schemeClr val="accent1"/>
+            </a:effectRef>
+            <a:fontRef idx="minor">
+              <a:schemeClr val="lt1"/>
+            </a:fontRef>
+          </p:style>
+          <p:txBody>
+            <a:bodyPr rtlCol="0" anchor="ctr"/>
+            <a:lstStyle/>
+            <a:p>
+              <a:pPr algn="ctr"/>
+              <a:endParaRPr lang="en-US" sz="900"/>
+            </a:p>
+          </p:txBody>
+        </p:sp>
+        <p:sp>
+          <p:nvSpPr>
+            <p:cNvPr id="29" name="Rectangle 28"/>
+            <p:cNvSpPr/>
+            <p:nvPr/>
+          </p:nvSpPr>
+          <p:spPr>
+            <a:xfrm>
+              <a:off x="944559" y="9431625"/>
+              <a:ext cx="327912" cy="327912"/>
+            </a:xfrm>
+            <a:prstGeom prst="rect">
+              <a:avLst/>
+            </a:prstGeom>
+            <a:solidFill>
+              <a:schemeClr val="accent4">
+                <a:lumMod val="60000"/>
+                <a:lumOff val="40000"/>
+              </a:schemeClr>
+            </a:solidFill>
+            <a:ln>
+              <a:noFill/>
+            </a:ln>
+          </p:spPr>
+          <p:style>
+            <a:lnRef idx="2">
+              <a:schemeClr val="accent1">
+                <a:shade val="50000"/>
+              </a:schemeClr>
+            </a:lnRef>
+            <a:fillRef idx="1">
+              <a:schemeClr val="accent1"/>
+            </a:fillRef>
+            <a:effectRef idx="0">
+              <a:schemeClr val="accent1"/>
+            </a:effectRef>
+            <a:fontRef idx="minor">
+              <a:schemeClr val="lt1"/>
+            </a:fontRef>
+          </p:style>
+          <p:txBody>
+            <a:bodyPr rtlCol="0" anchor="ctr"/>
+            <a:lstStyle/>
+            <a:p>
+              <a:pPr algn="ctr"/>
+              <a:endParaRPr lang="en-US" sz="900"/>
+            </a:p>
+          </p:txBody>
+        </p:sp>
+      </p:grpSp>
+      <p:sp>
+        <p:nvSpPr>
+          <p:cNvPr id="30" name="TextBox 29">
+            <a:extLst>
+              <a:ext uri="{FF2B5EF4-FFF2-40B4-BE49-F238E27FC236}">
+                <a16:creationId xmlns:a16="http://schemas.microsoft.com/office/drawing/2014/main" id="{BB5EE1A2-01E7-384B-B3D4-C14EAECE9A88}"/>
+              </a:ext>
+            </a:extLst>
+          </p:cNvPr>
+          <p:cNvSpPr txBox="1"/>
+          <p:nvPr/>
+        </p:nvSpPr>
+        <p:spPr>
+          <a:xfrm>
+            <a:off x="243566" y="4017368"/>
+            <a:ext cx="2706271" cy="400110"/>
+          </a:xfrm>
+          <a:prstGeom prst="rect">
+            <a:avLst/>
+          </a:prstGeom>
+          <a:noFill/>
+        </p:spPr>
+        <p:txBody>
+          <a:bodyPr wrap="square" rtlCol="0">
+            <a:spAutoFit/>
+          </a:bodyPr>
+          <a:lstStyle/>
+          <a:p>
+            <a:r>
+              <a:rPr lang="fr-FR" sz="2000" dirty="0">
+                <a:solidFill>
+                  <a:schemeClr val="bg1"/>
+                </a:solidFill>
+                <a:latin typeface="Playfair Display" charset="0"/>
+                <a:ea typeface="Playfair Display" charset="0"/>
+                <a:cs typeface="Playfair Display" charset="0"/>
+              </a:rPr>
+              <a:t>Implémentation et tests</a:t>
+            </a:r>
+          </a:p>
+        </p:txBody>
+      </p:sp>
+      <p:sp>
+        <p:nvSpPr>
+          <p:cNvPr id="26" name="TextBox 25">
+            <a:extLst>
+              <a:ext uri="{FF2B5EF4-FFF2-40B4-BE49-F238E27FC236}">
+                <a16:creationId xmlns:a16="http://schemas.microsoft.com/office/drawing/2014/main" id="{4A5C87BF-6D10-9145-B649-A92E41425124}"/>
+              </a:ext>
+            </a:extLst>
+          </p:cNvPr>
+          <p:cNvSpPr txBox="1"/>
+          <p:nvPr/>
+        </p:nvSpPr>
+        <p:spPr>
+          <a:xfrm>
+            <a:off x="192563" y="5963319"/>
+            <a:ext cx="3157173" cy="400110"/>
+          </a:xfrm>
+          <a:prstGeom prst="rect">
+            <a:avLst/>
+          </a:prstGeom>
+          <a:noFill/>
+        </p:spPr>
+        <p:txBody>
+          <a:bodyPr wrap="square" rtlCol="0">
+            <a:spAutoFit/>
+          </a:bodyPr>
+          <a:lstStyle/>
+          <a:p>
+            <a:r>
+              <a:rPr lang="fr-FR" sz="2000" dirty="0">
+                <a:solidFill>
+                  <a:schemeClr val="bg1"/>
+                </a:solidFill>
+                <a:latin typeface="Playfair Display" charset="0"/>
+                <a:ea typeface="Playfair Display" charset="0"/>
+                <a:cs typeface="Playfair Display" charset="0"/>
+              </a:rPr>
+              <a:t>Conclusion et perspectives</a:t>
+            </a:r>
+          </a:p>
+        </p:txBody>
+      </p:sp>
+      <p:sp>
+        <p:nvSpPr>
+          <p:cNvPr id="27" name="TextBox 26">
+            <a:extLst>
+              <a:ext uri="{FF2B5EF4-FFF2-40B4-BE49-F238E27FC236}">
+                <a16:creationId xmlns:a16="http://schemas.microsoft.com/office/drawing/2014/main" id="{9E705042-39F4-5049-9E23-832ECB60E4AF}"/>
+              </a:ext>
+            </a:extLst>
+          </p:cNvPr>
+          <p:cNvSpPr txBox="1"/>
+          <p:nvPr/>
+        </p:nvSpPr>
+        <p:spPr>
+          <a:xfrm>
+            <a:off x="192563" y="494571"/>
+            <a:ext cx="2706271" cy="400110"/>
+          </a:xfrm>
+          <a:prstGeom prst="rect">
+            <a:avLst/>
+          </a:prstGeom>
+          <a:noFill/>
+        </p:spPr>
+        <p:txBody>
+          <a:bodyPr wrap="square" rtlCol="0">
+            <a:spAutoFit/>
+          </a:bodyPr>
+          <a:lstStyle/>
+          <a:p>
+            <a:r>
+              <a:rPr lang="fr-FR" sz="2000" dirty="0">
+                <a:solidFill>
+                  <a:schemeClr val="bg1"/>
+                </a:solidFill>
+                <a:latin typeface="Playfair Display" charset="0"/>
+                <a:ea typeface="Playfair Display" charset="0"/>
+                <a:cs typeface="Playfair Display" charset="0"/>
+              </a:rPr>
+              <a:t>Définition du projet</a:t>
+            </a:r>
+          </a:p>
+        </p:txBody>
+      </p:sp>
+      <p:sp>
+        <p:nvSpPr>
+          <p:cNvPr id="32" name="TextBox 31">
+            <a:extLst>
+              <a:ext uri="{FF2B5EF4-FFF2-40B4-BE49-F238E27FC236}">
+                <a16:creationId xmlns:a16="http://schemas.microsoft.com/office/drawing/2014/main" id="{A83D7826-FADB-3D47-A4CA-4E0D9DAB70A4}"/>
+              </a:ext>
+            </a:extLst>
+          </p:cNvPr>
+          <p:cNvSpPr txBox="1"/>
+          <p:nvPr/>
+        </p:nvSpPr>
+        <p:spPr>
+          <a:xfrm>
+            <a:off x="201519" y="1062488"/>
+            <a:ext cx="2706271" cy="400110"/>
+          </a:xfrm>
+          <a:prstGeom prst="rect">
+            <a:avLst/>
+          </a:prstGeom>
+          <a:noFill/>
+        </p:spPr>
+        <p:txBody>
+          <a:bodyPr wrap="square" rtlCol="0">
+            <a:spAutoFit/>
+          </a:bodyPr>
+          <a:lstStyle/>
+          <a:p>
+            <a:r>
+              <a:rPr lang="fr-FR" sz="2000" dirty="0">
+                <a:solidFill>
+                  <a:schemeClr val="tx2">
+                    <a:lumMod val="75000"/>
+                  </a:schemeClr>
+                </a:solidFill>
+                <a:latin typeface="Playfair Display" charset="0"/>
+                <a:ea typeface="Playfair Display" charset="0"/>
+                <a:cs typeface="Playfair Display" charset="0"/>
+              </a:rPr>
+              <a:t>Analyse des besoins</a:t>
+            </a:r>
+          </a:p>
+        </p:txBody>
+      </p:sp>
+      <p:sp>
+        <p:nvSpPr>
+          <p:cNvPr id="14" name="TextBox 13">
+            <a:extLst>
+              <a:ext uri="{FF2B5EF4-FFF2-40B4-BE49-F238E27FC236}">
+                <a16:creationId xmlns:a16="http://schemas.microsoft.com/office/drawing/2014/main" id="{20162023-85BD-BA4F-98EA-A293089270B4}"/>
+              </a:ext>
+            </a:extLst>
+          </p:cNvPr>
+          <p:cNvSpPr txBox="1"/>
+          <p:nvPr/>
+        </p:nvSpPr>
+        <p:spPr>
+          <a:xfrm>
+            <a:off x="356946" y="1572530"/>
+            <a:ext cx="3157173" cy="646331"/>
+          </a:xfrm>
+          <a:prstGeom prst="rect">
+            <a:avLst/>
+          </a:prstGeom>
+          <a:noFill/>
+        </p:spPr>
+        <p:txBody>
+          <a:bodyPr wrap="square" rtlCol="0">
+            <a:spAutoFit/>
+          </a:bodyPr>
+          <a:lstStyle/>
+          <a:p>
+            <a:r>
+              <a:rPr lang="fr-FR" dirty="0">
+                <a:solidFill>
+                  <a:schemeClr val="bg1"/>
+                </a:solidFill>
+                <a:latin typeface="Lato" charset="0"/>
+              </a:rPr>
+              <a:t>1- Etude fonctionnelle</a:t>
+            </a:r>
+          </a:p>
+          <a:p>
+            <a:r>
+              <a:rPr lang="fr-FR" dirty="0">
+                <a:solidFill>
+                  <a:schemeClr val="tx2">
+                    <a:lumMod val="75000"/>
+                  </a:schemeClr>
+                </a:solidFill>
+                <a:latin typeface="Lato" charset="0"/>
+              </a:rPr>
+              <a:t>2- L’algorithme de covoiturage</a:t>
+            </a:r>
+          </a:p>
+        </p:txBody>
+      </p:sp>
+    </p:spTree>
+    <p:extLst>
+      <p:ext uri="{BB962C8B-B14F-4D97-AF65-F5344CB8AC3E}">
+        <p14:creationId xmlns:p14="http://schemas.microsoft.com/office/powerpoint/2010/main" val="3140557384"/>
+      </p:ext>
+    </p:extLst>
+  </p:cSld>
+  <p:clrMapOvr>
+    <a:masterClrMapping/>
+  </p:clrMapOvr>
+  <mc:AlternateContent xmlns:mc="http://schemas.openxmlformats.org/markup-compatibility/2006" xmlns:p159="http://schemas.microsoft.com/office/powerpoint/2015/09/main">
+    <mc:Choice Requires="p159">
+      <p:transition xmlns:p14="http://schemas.microsoft.com/office/powerpoint/2010/main" spd="slow" p14:dur="2000">
+        <p159:morph option="byObject"/>
+      </p:transition>
+    </mc:Choice>
+    <mc:Fallback xmlns="">
+      <p:transition spd="slow">
+        <p:fade/>
+      </p:transition>
+    </mc:Fallback>
+  </mc:AlternateContent>
+</p:sld>
+</file>
+
+<file path=ppt/slides/slide16.xml><?xml version="1.0" encoding="utf-8"?>
+<p:sld xmlns:a="http://schemas.openxmlformats.org/drawingml/2006/main" xmlns:r="http://schemas.openxmlformats.org/officeDocument/2006/relationships" xmlns:p="http://schemas.openxmlformats.org/presentationml/2006/main">
+  <p:cSld>
+    <p:spTree>
+      <p:nvGrpSpPr>
+        <p:cNvPr id="1" name=""/>
+        <p:cNvGrpSpPr/>
+        <p:nvPr/>
+      </p:nvGrpSpPr>
+      <p:grpSpPr>
+        <a:xfrm>
+          <a:off x="0" y="0"/>
+          <a:ext cx="0" cy="0"/>
+          <a:chOff x="0" y="0"/>
+          <a:chExt cx="0" cy="0"/>
+        </a:xfrm>
+      </p:grpSpPr>
+      <p:sp>
+        <p:nvSpPr>
           <p:cNvPr id="2525" name="Shape 2525"/>
           <p:cNvSpPr/>
           <p:nvPr/>
@@ -38514,7 +46308,7 @@
           </a:ln>
           <a:extLst>
             <a:ext uri="{C572A759-6A51-4108-AA02-DFA0A04FC94B}">
-              <ma14:wrappingTextBoxFlag xmlns:ma14="http://schemas.microsoft.com/office/mac/drawingml/2011/main" xmlns="" val="1"/>
+              <ma14:wrappingTextBoxFlag xmlns="" xmlns:ma14="http://schemas.microsoft.com/office/mac/drawingml/2011/main" val="1"/>
             </a:ext>
           </a:extLst>
         </p:spPr>
@@ -39042,9 +46836,9 @@
         <p:grpSpPr>
           <a:xfrm>
             <a:off x="473867" y="1772494"/>
-            <a:ext cx="5387886" cy="2742282"/>
+            <a:ext cx="3082834" cy="2742282"/>
             <a:chOff x="944559" y="4295293"/>
-            <a:chExt cx="10775772" cy="5484564"/>
+            <a:chExt cx="6165668" cy="5484564"/>
           </a:xfrm>
         </p:grpSpPr>
         <p:sp>
@@ -39079,81 +46873,6 @@
                   <a:cs typeface="Playfair Display" charset="0"/>
                 </a:rPr>
                 <a:t>Définition du projet</a:t>
-              </a:r>
-            </a:p>
-          </p:txBody>
-        </p:sp>
-        <p:sp>
-          <p:nvSpPr>
-            <p:cNvPr id="23" name="TextBox 22"/>
-            <p:cNvSpPr txBox="1"/>
-            <p:nvPr/>
-          </p:nvSpPr>
-          <p:spPr>
-            <a:xfrm>
-              <a:off x="2097743" y="5096453"/>
-              <a:ext cx="9622588" cy="1908214"/>
-            </a:xfrm>
-            <a:prstGeom prst="rect">
-              <a:avLst/>
-            </a:prstGeom>
-            <a:noFill/>
-          </p:spPr>
-          <p:txBody>
-            <a:bodyPr wrap="square" rtlCol="0">
-              <a:spAutoFit/>
-            </a:bodyPr>
-            <a:lstStyle/>
-            <a:p>
-              <a:r>
-                <a:rPr lang="fr-FR" sz="1400" dirty="0">
-                  <a:solidFill>
-                    <a:schemeClr val="bg1"/>
-                  </a:solidFill>
-                  <a:latin typeface="Lato" charset="0"/>
-                  <a:ea typeface="Lato" charset="0"/>
-                  <a:cs typeface="Lato" charset="0"/>
-                </a:rPr>
-                <a:t>1- Contexte</a:t>
-              </a:r>
-            </a:p>
-            <a:p>
-              <a:r>
-                <a:rPr lang="fr-FR" sz="1400" dirty="0">
-                  <a:solidFill>
-                    <a:schemeClr val="bg1"/>
-                  </a:solidFill>
-                  <a:latin typeface="Lato" charset="0"/>
-                  <a:ea typeface="Lato" charset="0"/>
-                  <a:cs typeface="Lato" charset="0"/>
-                </a:rPr>
-                <a:t>2- Problématique</a:t>
-              </a:r>
-            </a:p>
-            <a:p>
-              <a:r>
-                <a:rPr lang="fr-FR" sz="1400" dirty="0">
-                  <a:solidFill>
-                    <a:schemeClr val="bg1"/>
-                  </a:solidFill>
-                  <a:latin typeface="Lato" charset="0"/>
-                  <a:ea typeface="Lato" charset="0"/>
-                  <a:cs typeface="Lato" charset="0"/>
-                </a:rPr>
-                <a:t>3- Objectifs</a:t>
-              </a:r>
-            </a:p>
-            <a:p>
-              <a:r>
-                <a:rPr lang="fr-FR" sz="1400" dirty="0">
-                  <a:solidFill>
-                    <a:schemeClr val="bg1"/>
-                  </a:solidFill>
-                  <a:latin typeface="Lato" charset="0"/>
-                  <a:ea typeface="Lato" charset="0"/>
-                  <a:cs typeface="Lato" charset="0"/>
-                </a:rPr>
-                <a:t>4- Méthodologie de démarche suivie</a:t>
               </a:r>
             </a:p>
           </p:txBody>
@@ -40911,13 +48630,13 @@
   <p:clrMapOvr>
     <a:masterClrMapping/>
   </p:clrMapOvr>
-  <mc:AlternateContent xmlns:mc="http://schemas.openxmlformats.org/markup-compatibility/2006">
-    <mc:Choice xmlns:p159="http://schemas.microsoft.com/office/powerpoint/2015/09/main" Requires="p159">
+  <mc:AlternateContent xmlns:mc="http://schemas.openxmlformats.org/markup-compatibility/2006" xmlns:p159="http://schemas.microsoft.com/office/powerpoint/2015/09/main">
+    <mc:Choice Requires="p159">
       <p:transition xmlns:p14="http://schemas.microsoft.com/office/powerpoint/2010/main" spd="slow" p14:dur="2000">
         <p159:morph option="byObject"/>
       </p:transition>
     </mc:Choice>
-    <mc:Fallback>
+    <mc:Fallback xmlns="">
       <p:transition spd="slow">
         <p:fade/>
       </p:transition>
@@ -42116,13 +49835,13 @@
   <p:clrMapOvr>
     <a:masterClrMapping/>
   </p:clrMapOvr>
-  <mc:AlternateContent xmlns:mc="http://schemas.openxmlformats.org/markup-compatibility/2006">
-    <mc:Choice xmlns:p159="http://schemas.microsoft.com/office/powerpoint/2015/09/main" Requires="p159">
+  <mc:AlternateContent xmlns:mc="http://schemas.openxmlformats.org/markup-compatibility/2006" xmlns:p159="http://schemas.microsoft.com/office/powerpoint/2015/09/main">
+    <mc:Choice Requires="p159">
       <p:transition xmlns:p14="http://schemas.microsoft.com/office/powerpoint/2010/main" spd="slow" p14:dur="2000">
         <p159:morph option="byObject"/>
       </p:transition>
     </mc:Choice>
-    <mc:Fallback>
+    <mc:Fallback xmlns="">
       <p:transition spd="slow">
         <p:fade/>
       </p:transition>
@@ -44091,13 +51810,13 @@
   <p:clrMapOvr>
     <a:masterClrMapping/>
   </p:clrMapOvr>
-  <mc:AlternateContent xmlns:mc="http://schemas.openxmlformats.org/markup-compatibility/2006">
-    <mc:Choice xmlns:p159="http://schemas.microsoft.com/office/powerpoint/2015/09/main" Requires="p159">
+  <mc:AlternateContent xmlns:mc="http://schemas.openxmlformats.org/markup-compatibility/2006" xmlns:p159="http://schemas.microsoft.com/office/powerpoint/2015/09/main">
+    <mc:Choice Requires="p159">
       <p:transition xmlns:p14="http://schemas.microsoft.com/office/powerpoint/2010/main" spd="slow" p14:dur="2000">
         <p159:morph option="byObject"/>
       </p:transition>
     </mc:Choice>
-    <mc:Fallback>
+    <mc:Fallback xmlns="">
       <p:transition spd="slow">
         <p:fade/>
       </p:transition>
@@ -44124,7 +51843,7 @@
                             </p:stCondLst>
                             <p:childTnLst>
                               <p:par>
-                                <p:cTn id="5" presetID="55" presetClass="entr" presetSubtype="0" fill="hold" nodeType="clickEffect">
+                                <p:cTn id="5" presetID="10" presetClass="entr" presetSubtype="0" fill="hold" nodeType="clickEffect">
                                   <p:stCondLst>
                                     <p:cond delay="0"/>
                                   </p:stCondLst>
@@ -44147,55 +51866,9 @@
                                         <p:strVal val="visible"/>
                                       </p:to>
                                     </p:set>
-                                    <p:anim calcmode="lin" valueType="num">
-                                      <p:cBhvr>
-                                        <p:cTn id="7" dur="1000" fill="hold"/>
-                                        <p:tgtEl>
-                                          <p:spTgt spid="6"/>
-                                        </p:tgtEl>
-                                        <p:attrNameLst>
-                                          <p:attrName>ppt_w</p:attrName>
-                                        </p:attrNameLst>
-                                      </p:cBhvr>
-                                      <p:tavLst>
-                                        <p:tav tm="0">
-                                          <p:val>
-                                            <p:strVal val="#ppt_w*0.70"/>
-                                          </p:val>
-                                        </p:tav>
-                                        <p:tav tm="100000">
-                                          <p:val>
-                                            <p:strVal val="#ppt_w"/>
-                                          </p:val>
-                                        </p:tav>
-                                      </p:tavLst>
-                                    </p:anim>
-                                    <p:anim calcmode="lin" valueType="num">
-                                      <p:cBhvr>
-                                        <p:cTn id="8" dur="1000" fill="hold"/>
-                                        <p:tgtEl>
-                                          <p:spTgt spid="6"/>
-                                        </p:tgtEl>
-                                        <p:attrNameLst>
-                                          <p:attrName>ppt_h</p:attrName>
-                                        </p:attrNameLst>
-                                      </p:cBhvr>
-                                      <p:tavLst>
-                                        <p:tav tm="0">
-                                          <p:val>
-                                            <p:strVal val="#ppt_h"/>
-                                          </p:val>
-                                        </p:tav>
-                                        <p:tav tm="100000">
-                                          <p:val>
-                                            <p:strVal val="#ppt_h"/>
-                                          </p:val>
-                                        </p:tav>
-                                      </p:tavLst>
-                                    </p:anim>
                                     <p:animEffect transition="in" filter="fade">
                                       <p:cBhvr>
-                                        <p:cTn id="9" dur="1000"/>
+                                        <p:cTn id="7" dur="500"/>
                                         <p:tgtEl>
                                           <p:spTgt spid="6"/>
                                         </p:tgtEl>
@@ -44205,14 +51878,14 @@
                                 </p:cTn>
                               </p:par>
                               <p:par>
-                                <p:cTn id="10" presetID="55" presetClass="entr" presetSubtype="0" fill="hold" nodeType="withEffect">
+                                <p:cTn id="8" presetID="10" presetClass="entr" presetSubtype="0" fill="hold" nodeType="withEffect">
                                   <p:stCondLst>
                                     <p:cond delay="0"/>
                                   </p:stCondLst>
                                   <p:childTnLst>
                                     <p:set>
                                       <p:cBhvr>
-                                        <p:cTn id="11" dur="1" fill="hold">
+                                        <p:cTn id="9" dur="1" fill="hold">
                                           <p:stCondLst>
                                             <p:cond delay="0"/>
                                           </p:stCondLst>
@@ -44228,55 +51901,9 @@
                                         <p:strVal val="visible"/>
                                       </p:to>
                                     </p:set>
-                                    <p:anim calcmode="lin" valueType="num">
-                                      <p:cBhvr>
-                                        <p:cTn id="12" dur="1000" fill="hold"/>
-                                        <p:tgtEl>
-                                          <p:spTgt spid="22"/>
-                                        </p:tgtEl>
-                                        <p:attrNameLst>
-                                          <p:attrName>ppt_w</p:attrName>
-                                        </p:attrNameLst>
-                                      </p:cBhvr>
-                                      <p:tavLst>
-                                        <p:tav tm="0">
-                                          <p:val>
-                                            <p:strVal val="#ppt_w*0.70"/>
-                                          </p:val>
-                                        </p:tav>
-                                        <p:tav tm="100000">
-                                          <p:val>
-                                            <p:strVal val="#ppt_w"/>
-                                          </p:val>
-                                        </p:tav>
-                                      </p:tavLst>
-                                    </p:anim>
-                                    <p:anim calcmode="lin" valueType="num">
-                                      <p:cBhvr>
-                                        <p:cTn id="13" dur="1000" fill="hold"/>
-                                        <p:tgtEl>
-                                          <p:spTgt spid="22"/>
-                                        </p:tgtEl>
-                                        <p:attrNameLst>
-                                          <p:attrName>ppt_h</p:attrName>
-                                        </p:attrNameLst>
-                                      </p:cBhvr>
-                                      <p:tavLst>
-                                        <p:tav tm="0">
-                                          <p:val>
-                                            <p:strVal val="#ppt_h"/>
-                                          </p:val>
-                                        </p:tav>
-                                        <p:tav tm="100000">
-                                          <p:val>
-                                            <p:strVal val="#ppt_h"/>
-                                          </p:val>
-                                        </p:tav>
-                                      </p:tavLst>
-                                    </p:anim>
                                     <p:animEffect transition="in" filter="fade">
                                       <p:cBhvr>
-                                        <p:cTn id="14" dur="1000"/>
+                                        <p:cTn id="10" dur="500"/>
                                         <p:tgtEl>
                                           <p:spTgt spid="22"/>
                                         </p:tgtEl>
@@ -44286,14 +51913,14 @@
                                 </p:cTn>
                               </p:par>
                               <p:par>
-                                <p:cTn id="15" presetID="55" presetClass="entr" presetSubtype="0" fill="hold" nodeType="withEffect">
+                                <p:cTn id="11" presetID="10" presetClass="entr" presetSubtype="0" fill="hold" nodeType="withEffect">
                                   <p:stCondLst>
                                     <p:cond delay="0"/>
                                   </p:stCondLst>
                                   <p:childTnLst>
                                     <p:set>
                                       <p:cBhvr>
-                                        <p:cTn id="16" dur="1" fill="hold">
+                                        <p:cTn id="12" dur="1" fill="hold">
                                           <p:stCondLst>
                                             <p:cond delay="0"/>
                                           </p:stCondLst>
@@ -44309,55 +51936,9 @@
                                         <p:strVal val="visible"/>
                                       </p:to>
                                     </p:set>
-                                    <p:anim calcmode="lin" valueType="num">
-                                      <p:cBhvr>
-                                        <p:cTn id="17" dur="1000" fill="hold"/>
-                                        <p:tgtEl>
-                                          <p:spTgt spid="31"/>
-                                        </p:tgtEl>
-                                        <p:attrNameLst>
-                                          <p:attrName>ppt_w</p:attrName>
-                                        </p:attrNameLst>
-                                      </p:cBhvr>
-                                      <p:tavLst>
-                                        <p:tav tm="0">
-                                          <p:val>
-                                            <p:strVal val="#ppt_w*0.70"/>
-                                          </p:val>
-                                        </p:tav>
-                                        <p:tav tm="100000">
-                                          <p:val>
-                                            <p:strVal val="#ppt_w"/>
-                                          </p:val>
-                                        </p:tav>
-                                      </p:tavLst>
-                                    </p:anim>
-                                    <p:anim calcmode="lin" valueType="num">
-                                      <p:cBhvr>
-                                        <p:cTn id="18" dur="1000" fill="hold"/>
-                                        <p:tgtEl>
-                                          <p:spTgt spid="31"/>
-                                        </p:tgtEl>
-                                        <p:attrNameLst>
-                                          <p:attrName>ppt_h</p:attrName>
-                                        </p:attrNameLst>
-                                      </p:cBhvr>
-                                      <p:tavLst>
-                                        <p:tav tm="0">
-                                          <p:val>
-                                            <p:strVal val="#ppt_h"/>
-                                          </p:val>
-                                        </p:tav>
-                                        <p:tav tm="100000">
-                                          <p:val>
-                                            <p:strVal val="#ppt_h"/>
-                                          </p:val>
-                                        </p:tav>
-                                      </p:tavLst>
-                                    </p:anim>
                                     <p:animEffect transition="in" filter="fade">
                                       <p:cBhvr>
-                                        <p:cTn id="19" dur="1000"/>
+                                        <p:cTn id="13" dur="500"/>
                                         <p:tgtEl>
                                           <p:spTgt spid="31"/>
                                         </p:tgtEl>
@@ -44367,14 +51948,14 @@
                                 </p:cTn>
                               </p:par>
                               <p:par>
-                                <p:cTn id="20" presetID="55" presetClass="entr" presetSubtype="0" fill="hold" nodeType="withEffect">
+                                <p:cTn id="14" presetID="10" presetClass="entr" presetSubtype="0" fill="hold" nodeType="withEffect">
                                   <p:stCondLst>
                                     <p:cond delay="0"/>
                                   </p:stCondLst>
                                   <p:childTnLst>
                                     <p:set>
                                       <p:cBhvr>
-                                        <p:cTn id="21" dur="1" fill="hold">
+                                        <p:cTn id="15" dur="1" fill="hold">
                                           <p:stCondLst>
                                             <p:cond delay="0"/>
                                           </p:stCondLst>
@@ -44390,55 +51971,9 @@
                                         <p:strVal val="visible"/>
                                       </p:to>
                                     </p:set>
-                                    <p:anim calcmode="lin" valueType="num">
-                                      <p:cBhvr>
-                                        <p:cTn id="22" dur="1000" fill="hold"/>
-                                        <p:tgtEl>
-                                          <p:spTgt spid="35"/>
-                                        </p:tgtEl>
-                                        <p:attrNameLst>
-                                          <p:attrName>ppt_w</p:attrName>
-                                        </p:attrNameLst>
-                                      </p:cBhvr>
-                                      <p:tavLst>
-                                        <p:tav tm="0">
-                                          <p:val>
-                                            <p:strVal val="#ppt_w*0.70"/>
-                                          </p:val>
-                                        </p:tav>
-                                        <p:tav tm="100000">
-                                          <p:val>
-                                            <p:strVal val="#ppt_w"/>
-                                          </p:val>
-                                        </p:tav>
-                                      </p:tavLst>
-                                    </p:anim>
-                                    <p:anim calcmode="lin" valueType="num">
-                                      <p:cBhvr>
-                                        <p:cTn id="23" dur="1000" fill="hold"/>
-                                        <p:tgtEl>
-                                          <p:spTgt spid="35"/>
-                                        </p:tgtEl>
-                                        <p:attrNameLst>
-                                          <p:attrName>ppt_h</p:attrName>
-                                        </p:attrNameLst>
-                                      </p:cBhvr>
-                                      <p:tavLst>
-                                        <p:tav tm="0">
-                                          <p:val>
-                                            <p:strVal val="#ppt_h"/>
-                                          </p:val>
-                                        </p:tav>
-                                        <p:tav tm="100000">
-                                          <p:val>
-                                            <p:strVal val="#ppt_h"/>
-                                          </p:val>
-                                        </p:tav>
-                                      </p:tavLst>
-                                    </p:anim>
                                     <p:animEffect transition="in" filter="fade">
                                       <p:cBhvr>
-                                        <p:cTn id="24" dur="1000"/>
+                                        <p:cTn id="16" dur="500"/>
                                         <p:tgtEl>
                                           <p:spTgt spid="35"/>
                                         </p:tgtEl>
@@ -44454,26 +51989,26 @@
                     </p:cTn>
                   </p:par>
                   <p:par>
-                    <p:cTn id="25" fill="hold">
+                    <p:cTn id="17" fill="hold">
                       <p:stCondLst>
                         <p:cond delay="indefinite"/>
                       </p:stCondLst>
                       <p:childTnLst>
                         <p:par>
-                          <p:cTn id="26" fill="hold">
+                          <p:cTn id="18" fill="hold">
                             <p:stCondLst>
                               <p:cond delay="0"/>
                             </p:stCondLst>
                             <p:childTnLst>
                               <p:par>
-                                <p:cTn id="27" presetID="2" presetClass="exit" presetSubtype="1" fill="hold" nodeType="clickEffect">
+                                <p:cTn id="19" presetID="2" presetClass="exit" presetSubtype="2" fill="hold" nodeType="clickEffect">
                                   <p:stCondLst>
                                     <p:cond delay="0"/>
                                   </p:stCondLst>
                                   <p:childTnLst>
                                     <p:anim calcmode="lin" valueType="num">
                                       <p:cBhvr additive="base">
-                                        <p:cTn id="28" dur="500"/>
+                                        <p:cTn id="20" dur="500"/>
                                         <p:tgtEl>
                                           <p:spTgt spid="6"/>
                                         </p:tgtEl>
@@ -44489,14 +52024,14 @@
                                         </p:tav>
                                         <p:tav tm="100000">
                                           <p:val>
-                                            <p:strVal val="ppt_x"/>
+                                            <p:strVal val="1+ppt_w/2"/>
                                           </p:val>
                                         </p:tav>
                                       </p:tavLst>
                                     </p:anim>
                                     <p:anim calcmode="lin" valueType="num">
                                       <p:cBhvr additive="base">
-                                        <p:cTn id="29" dur="500"/>
+                                        <p:cTn id="21" dur="500"/>
                                         <p:tgtEl>
                                           <p:spTgt spid="6"/>
                                         </p:tgtEl>
@@ -44512,14 +52047,14 @@
                                         </p:tav>
                                         <p:tav tm="100000">
                                           <p:val>
-                                            <p:strVal val="0-ppt_h/2"/>
+                                            <p:strVal val="ppt_y"/>
                                           </p:val>
                                         </p:tav>
                                       </p:tavLst>
                                     </p:anim>
                                     <p:set>
                                       <p:cBhvr>
-                                        <p:cTn id="30" dur="1" fill="hold">
+                                        <p:cTn id="22" dur="1" fill="hold">
                                           <p:stCondLst>
                                             <p:cond delay="499"/>
                                           </p:stCondLst>
@@ -44539,14 +52074,14 @@
                                 </p:cTn>
                               </p:par>
                               <p:par>
-                                <p:cTn id="31" presetID="2" presetClass="exit" presetSubtype="1" fill="hold" nodeType="withEffect">
+                                <p:cTn id="23" presetID="2" presetClass="exit" presetSubtype="2" fill="hold" nodeType="withEffect">
                                   <p:stCondLst>
                                     <p:cond delay="0"/>
                                   </p:stCondLst>
                                   <p:childTnLst>
                                     <p:anim calcmode="lin" valueType="num">
                                       <p:cBhvr additive="base">
-                                        <p:cTn id="32" dur="500"/>
+                                        <p:cTn id="24" dur="500"/>
                                         <p:tgtEl>
                                           <p:spTgt spid="22"/>
                                         </p:tgtEl>
@@ -44562,14 +52097,14 @@
                                         </p:tav>
                                         <p:tav tm="100000">
                                           <p:val>
-                                            <p:strVal val="ppt_x"/>
+                                            <p:strVal val="1+ppt_w/2"/>
                                           </p:val>
                                         </p:tav>
                                       </p:tavLst>
                                     </p:anim>
                                     <p:anim calcmode="lin" valueType="num">
                                       <p:cBhvr additive="base">
-                                        <p:cTn id="33" dur="500"/>
+                                        <p:cTn id="25" dur="500"/>
                                         <p:tgtEl>
                                           <p:spTgt spid="22"/>
                                         </p:tgtEl>
@@ -44585,14 +52120,14 @@
                                         </p:tav>
                                         <p:tav tm="100000">
                                           <p:val>
-                                            <p:strVal val="0-ppt_h/2"/>
+                                            <p:strVal val="ppt_y"/>
                                           </p:val>
                                         </p:tav>
                                       </p:tavLst>
                                     </p:anim>
                                     <p:set>
                                       <p:cBhvr>
-                                        <p:cTn id="34" dur="1" fill="hold">
+                                        <p:cTn id="26" dur="1" fill="hold">
                                           <p:stCondLst>
                                             <p:cond delay="499"/>
                                           </p:stCondLst>
@@ -44612,14 +52147,14 @@
                                 </p:cTn>
                               </p:par>
                               <p:par>
-                                <p:cTn id="35" presetID="2" presetClass="exit" presetSubtype="1" fill="hold" nodeType="withEffect">
+                                <p:cTn id="27" presetID="2" presetClass="exit" presetSubtype="2" fill="hold" nodeType="withEffect">
                                   <p:stCondLst>
                                     <p:cond delay="0"/>
                                   </p:stCondLst>
                                   <p:childTnLst>
                                     <p:anim calcmode="lin" valueType="num">
                                       <p:cBhvr additive="base">
-                                        <p:cTn id="36" dur="500"/>
+                                        <p:cTn id="28" dur="500"/>
                                         <p:tgtEl>
                                           <p:spTgt spid="31"/>
                                         </p:tgtEl>
@@ -44635,14 +52170,14 @@
                                         </p:tav>
                                         <p:tav tm="100000">
                                           <p:val>
-                                            <p:strVal val="ppt_x"/>
+                                            <p:strVal val="1+ppt_w/2"/>
                                           </p:val>
                                         </p:tav>
                                       </p:tavLst>
                                     </p:anim>
                                     <p:anim calcmode="lin" valueType="num">
                                       <p:cBhvr additive="base">
-                                        <p:cTn id="37" dur="500"/>
+                                        <p:cTn id="29" dur="500"/>
                                         <p:tgtEl>
                                           <p:spTgt spid="31"/>
                                         </p:tgtEl>
@@ -44658,14 +52193,14 @@
                                         </p:tav>
                                         <p:tav tm="100000">
                                           <p:val>
-                                            <p:strVal val="0-ppt_h/2"/>
+                                            <p:strVal val="ppt_y"/>
                                           </p:val>
                                         </p:tav>
                                       </p:tavLst>
                                     </p:anim>
                                     <p:set>
                                       <p:cBhvr>
-                                        <p:cTn id="38" dur="1" fill="hold">
+                                        <p:cTn id="30" dur="1" fill="hold">
                                           <p:stCondLst>
                                             <p:cond delay="499"/>
                                           </p:stCondLst>
@@ -44688,20 +52223,20 @@
                           </p:cTn>
                         </p:par>
                         <p:par>
-                          <p:cTn id="39" fill="hold">
+                          <p:cTn id="31" fill="hold">
                             <p:stCondLst>
                               <p:cond delay="500"/>
                             </p:stCondLst>
                             <p:childTnLst>
                               <p:par>
-                                <p:cTn id="40" presetID="64" presetClass="path" presetSubtype="0" accel="50000" decel="50000" fill="hold" nodeType="afterEffect">
+                                <p:cTn id="32" presetID="64" presetClass="path" presetSubtype="0" accel="50000" decel="50000" fill="hold" nodeType="afterEffect">
                                   <p:stCondLst>
                                     <p:cond delay="0"/>
                                   </p:stCondLst>
                                   <p:childTnLst>
                                     <p:animMotion origin="layout" path="M -4.79167E-6 -7.40741E-7 L 0.00118 -0.66458 " pathEditMode="relative" rAng="0" ptsTypes="AA">
                                       <p:cBhvr>
-                                        <p:cTn id="41" dur="2000" fill="hold"/>
+                                        <p:cTn id="33" dur="2000" fill="hold"/>
                                         <p:tgtEl>
                                           <p:spTgt spid="35"/>
                                         </p:tgtEl>
@@ -44719,20 +52254,20 @@
                           </p:cTn>
                         </p:par>
                         <p:par>
-                          <p:cTn id="42" fill="hold">
+                          <p:cTn id="34" fill="hold">
                             <p:stCondLst>
                               <p:cond delay="2500"/>
                             </p:stCondLst>
                             <p:childTnLst>
                               <p:par>
-                                <p:cTn id="43" presetID="1" presetClass="entr" presetSubtype="0" fill="hold" nodeType="afterEffect">
+                                <p:cTn id="35" presetID="10" presetClass="entr" presetSubtype="0" fill="hold" nodeType="afterEffect">
                                   <p:stCondLst>
                                     <p:cond delay="0"/>
                                   </p:stCondLst>
                                   <p:childTnLst>
                                     <p:set>
                                       <p:cBhvr>
-                                        <p:cTn id="44" dur="1" fill="hold">
+                                        <p:cTn id="36" dur="1" fill="hold">
                                           <p:stCondLst>
                                             <p:cond delay="0"/>
                                           </p:stCondLst>
@@ -44748,6 +52283,14 @@
                                         <p:strVal val="visible"/>
                                       </p:to>
                                     </p:set>
+                                    <p:animEffect transition="in" filter="fade">
+                                      <p:cBhvr>
+                                        <p:cTn id="37" dur="500"/>
+                                        <p:tgtEl>
+                                          <p:spTgt spid="10"/>
+                                        </p:tgtEl>
+                                      </p:cBhvr>
+                                    </p:animEffect>
                                   </p:childTnLst>
                                 </p:cTn>
                               </p:par>
@@ -44755,20 +52298,20 @@
                           </p:cTn>
                         </p:par>
                         <p:par>
-                          <p:cTn id="45" fill="hold">
+                          <p:cTn id="38" fill="hold">
                             <p:stCondLst>
-                              <p:cond delay="2500"/>
+                              <p:cond delay="3000"/>
                             </p:stCondLst>
                             <p:childTnLst>
                               <p:par>
-                                <p:cTn id="46" presetID="1" presetClass="entr" presetSubtype="0" fill="hold" nodeType="afterEffect">
+                                <p:cTn id="39" presetID="10" presetClass="entr" presetSubtype="0" fill="hold" nodeType="afterEffect">
                                   <p:stCondLst>
                                     <p:cond delay="0"/>
                                   </p:stCondLst>
                                   <p:childTnLst>
                                     <p:set>
                                       <p:cBhvr>
-                                        <p:cTn id="47" dur="1" fill="hold">
+                                        <p:cTn id="40" dur="1" fill="hold">
                                           <p:stCondLst>
                                             <p:cond delay="0"/>
                                           </p:stCondLst>
@@ -44784,6 +52327,14 @@
                                         <p:strVal val="visible"/>
                                       </p:to>
                                     </p:set>
+                                    <p:animEffect transition="in" filter="fade">
+                                      <p:cBhvr>
+                                        <p:cTn id="41" dur="500"/>
+                                        <p:tgtEl>
+                                          <p:spTgt spid="12"/>
+                                        </p:tgtEl>
+                                      </p:cBhvr>
+                                    </p:animEffect>
                                   </p:childTnLst>
                                 </p:cTn>
                               </p:par>
@@ -44791,20 +52342,20 @@
                           </p:cTn>
                         </p:par>
                         <p:par>
-                          <p:cTn id="48" fill="hold">
+                          <p:cTn id="42" fill="hold">
                             <p:stCondLst>
-                              <p:cond delay="2500"/>
+                              <p:cond delay="3500"/>
                             </p:stCondLst>
                             <p:childTnLst>
                               <p:par>
-                                <p:cTn id="49" presetID="1" presetClass="entr" presetSubtype="0" fill="hold" nodeType="afterEffect">
+                                <p:cTn id="43" presetID="10" presetClass="entr" presetSubtype="0" fill="hold" nodeType="afterEffect">
                                   <p:stCondLst>
                                     <p:cond delay="0"/>
                                   </p:stCondLst>
                                   <p:childTnLst>
                                     <p:set>
                                       <p:cBhvr>
-                                        <p:cTn id="50" dur="1" fill="hold">
+                                        <p:cTn id="44" dur="1" fill="hold">
                                           <p:stCondLst>
                                             <p:cond delay="0"/>
                                           </p:stCondLst>
@@ -44820,6 +52371,14 @@
                                         <p:strVal val="visible"/>
                                       </p:to>
                                     </p:set>
+                                    <p:animEffect transition="in" filter="fade">
+                                      <p:cBhvr>
+                                        <p:cTn id="45" dur="500"/>
+                                        <p:tgtEl>
+                                          <p:spTgt spid="14"/>
+                                        </p:tgtEl>
+                                      </p:cBhvr>
+                                    </p:animEffect>
                                   </p:childTnLst>
                                 </p:cTn>
                               </p:par>
@@ -46801,13 +54360,13 @@
   <p:clrMapOvr>
     <a:masterClrMapping/>
   </p:clrMapOvr>
-  <mc:AlternateContent xmlns:mc="http://schemas.openxmlformats.org/markup-compatibility/2006">
-    <mc:Choice xmlns:p159="http://schemas.microsoft.com/office/powerpoint/2015/09/main" Requires="p159">
+  <mc:AlternateContent xmlns:mc="http://schemas.openxmlformats.org/markup-compatibility/2006" xmlns:p159="http://schemas.microsoft.com/office/powerpoint/2015/09/main">
+    <mc:Choice Requires="p159">
       <p:transition xmlns:p14="http://schemas.microsoft.com/office/powerpoint/2010/main" spd="slow" p14:dur="2000">
         <p159:morph option="byObject"/>
       </p:transition>
     </mc:Choice>
-    <mc:Fallback>
+    <mc:Fallback xmlns="">
       <p:transition spd="slow">
         <p:fade/>
       </p:transition>
@@ -47234,7 +54793,7 @@
           <a:p>
             <a:pPr algn="ctr"/>
             <a:r>
-              <a:rPr lang="en-US" sz="9950" b="1" i="1" dirty="0" err="1">
+              <a:rPr lang="fr-FR" sz="9950" b="1" i="1" dirty="0">
                 <a:solidFill>
                   <a:schemeClr val="bg1"/>
                 </a:solidFill>
@@ -47256,7 +54815,7 @@
               <a:t> des </a:t>
             </a:r>
             <a:r>
-              <a:rPr lang="en-US" sz="9950" b="1" i="1" dirty="0" err="1">
+              <a:rPr lang="fr-FR" sz="9950" b="1" i="1" dirty="0">
                 <a:solidFill>
                   <a:schemeClr val="bg1"/>
                 </a:solidFill>
@@ -47266,14 +54825,6 @@
               </a:rPr>
               <a:t>besoins</a:t>
             </a:r>
-            <a:endParaRPr lang="en-US" sz="9950" b="1" i="1" dirty="0">
-              <a:solidFill>
-                <a:schemeClr val="bg1"/>
-              </a:solidFill>
-              <a:latin typeface="Playfair Display" charset="0"/>
-              <a:ea typeface="Playfair Display" charset="0"/>
-              <a:cs typeface="Playfair Display" charset="0"/>
-            </a:endParaRPr>
           </a:p>
         </p:txBody>
       </p:sp>
@@ -48227,6 +55778,315 @@
           </a:p>
         </p:txBody>
       </p:sp>
+      <p:sp>
+        <p:nvSpPr>
+          <p:cNvPr id="14" name="TextBox 13">
+            <a:extLst>
+              <a:ext uri="{FF2B5EF4-FFF2-40B4-BE49-F238E27FC236}">
+                <a16:creationId xmlns:a16="http://schemas.microsoft.com/office/drawing/2014/main" id="{20162023-85BD-BA4F-98EA-A293089270B4}"/>
+              </a:ext>
+            </a:extLst>
+          </p:cNvPr>
+          <p:cNvSpPr txBox="1"/>
+          <p:nvPr/>
+        </p:nvSpPr>
+        <p:spPr>
+          <a:xfrm>
+            <a:off x="356946" y="1572530"/>
+            <a:ext cx="3026573" cy="646331"/>
+          </a:xfrm>
+          <a:prstGeom prst="rect">
+            <a:avLst/>
+          </a:prstGeom>
+          <a:noFill/>
+        </p:spPr>
+        <p:txBody>
+          <a:bodyPr wrap="square" rtlCol="0">
+            <a:spAutoFit/>
+          </a:bodyPr>
+          <a:lstStyle/>
+          <a:p>
+            <a:r>
+              <a:rPr lang="fr-FR" dirty="0">
+                <a:solidFill>
+                  <a:schemeClr val="tx2">
+                    <a:lumMod val="75000"/>
+                  </a:schemeClr>
+                </a:solidFill>
+                <a:latin typeface="Lato" charset="0"/>
+              </a:rPr>
+              <a:t>1- Etude fonctionnelle</a:t>
+            </a:r>
+          </a:p>
+          <a:p>
+            <a:r>
+              <a:rPr lang="fr-FR" dirty="0">
+                <a:solidFill>
+                  <a:schemeClr val="bg1"/>
+                </a:solidFill>
+                <a:latin typeface="Lato" charset="0"/>
+              </a:rPr>
+              <a:t>2- L’algorithme de covoiturage</a:t>
+            </a:r>
+          </a:p>
+        </p:txBody>
+      </p:sp>
+      <p:sp>
+        <p:nvSpPr>
+          <p:cNvPr id="15" name="TextBox 14">
+            <a:extLst>
+              <a:ext uri="{FF2B5EF4-FFF2-40B4-BE49-F238E27FC236}">
+                <a16:creationId xmlns:a16="http://schemas.microsoft.com/office/drawing/2014/main" id="{A115C374-1B95-2643-B7A9-E35048C84144}"/>
+              </a:ext>
+            </a:extLst>
+          </p:cNvPr>
+          <p:cNvSpPr txBox="1"/>
+          <p:nvPr/>
+        </p:nvSpPr>
+        <p:spPr>
+          <a:xfrm>
+            <a:off x="7077743" y="694626"/>
+            <a:ext cx="1824847" cy="707886"/>
+          </a:xfrm>
+          <a:prstGeom prst="rect">
+            <a:avLst/>
+          </a:prstGeom>
+          <a:noFill/>
+        </p:spPr>
+        <p:txBody>
+          <a:bodyPr wrap="square" rtlCol="0">
+            <a:spAutoFit/>
+          </a:bodyPr>
+          <a:lstStyle/>
+          <a:p>
+            <a:r>
+              <a:rPr lang="fr-FR" sz="4000" b="1" dirty="0">
+                <a:solidFill>
+                  <a:schemeClr val="bg1"/>
+                </a:solidFill>
+                <a:latin typeface="Playfair Display" charset="0"/>
+                <a:ea typeface="Playfair Display" charset="0"/>
+                <a:cs typeface="Playfair Display" charset="0"/>
+              </a:rPr>
+              <a:t>Acteurs</a:t>
+            </a:r>
+          </a:p>
+        </p:txBody>
+      </p:sp>
+      <p:pic>
+        <p:nvPicPr>
+          <p:cNvPr id="4" name="Picture 3">
+            <a:extLst>
+              <a:ext uri="{FF2B5EF4-FFF2-40B4-BE49-F238E27FC236}">
+                <a16:creationId xmlns:a16="http://schemas.microsoft.com/office/drawing/2014/main" id="{B9CD9D64-6983-5642-8C4B-7686874E2C02}"/>
+              </a:ext>
+            </a:extLst>
+          </p:cNvPr>
+          <p:cNvPicPr>
+            <a:picLocks noChangeAspect="1"/>
+          </p:cNvPicPr>
+          <p:nvPr/>
+        </p:nvPicPr>
+        <p:blipFill>
+          <a:blip r:embed="rId3"/>
+          <a:stretch>
+            <a:fillRect/>
+          </a:stretch>
+        </p:blipFill>
+        <p:spPr>
+          <a:xfrm>
+            <a:off x="7342995" y="1789794"/>
+            <a:ext cx="1430242" cy="1430242"/>
+          </a:xfrm>
+          <a:prstGeom prst="rect">
+            <a:avLst/>
+          </a:prstGeom>
+        </p:spPr>
+      </p:pic>
+      <p:pic>
+        <p:nvPicPr>
+          <p:cNvPr id="7" name="Picture 6">
+            <a:extLst>
+              <a:ext uri="{FF2B5EF4-FFF2-40B4-BE49-F238E27FC236}">
+                <a16:creationId xmlns:a16="http://schemas.microsoft.com/office/drawing/2014/main" id="{1CB3D20D-31B5-F046-99EB-F6F7EBC71CF2}"/>
+              </a:ext>
+            </a:extLst>
+          </p:cNvPr>
+          <p:cNvPicPr>
+            <a:picLocks noChangeAspect="1"/>
+          </p:cNvPicPr>
+          <p:nvPr/>
+        </p:nvPicPr>
+        <p:blipFill>
+          <a:blip r:embed="rId4"/>
+          <a:stretch>
+            <a:fillRect/>
+          </a:stretch>
+        </p:blipFill>
+        <p:spPr>
+          <a:xfrm>
+            <a:off x="4919287" y="4431395"/>
+            <a:ext cx="1430242" cy="1430242"/>
+          </a:xfrm>
+          <a:prstGeom prst="rect">
+            <a:avLst/>
+          </a:prstGeom>
+        </p:spPr>
+      </p:pic>
+      <p:pic>
+        <p:nvPicPr>
+          <p:cNvPr id="11" name="Picture 10">
+            <a:extLst>
+              <a:ext uri="{FF2B5EF4-FFF2-40B4-BE49-F238E27FC236}">
+                <a16:creationId xmlns:a16="http://schemas.microsoft.com/office/drawing/2014/main" id="{228ACBE0-887D-C247-B9CA-D49175FC343D}"/>
+              </a:ext>
+            </a:extLst>
+          </p:cNvPr>
+          <p:cNvPicPr>
+            <a:picLocks noChangeAspect="1"/>
+          </p:cNvPicPr>
+          <p:nvPr/>
+        </p:nvPicPr>
+        <p:blipFill>
+          <a:blip r:embed="rId5"/>
+          <a:stretch>
+            <a:fillRect/>
+          </a:stretch>
+        </p:blipFill>
+        <p:spPr>
+          <a:xfrm>
+            <a:off x="9766704" y="4431395"/>
+            <a:ext cx="1430242" cy="1430242"/>
+          </a:xfrm>
+          <a:prstGeom prst="rect">
+            <a:avLst/>
+          </a:prstGeom>
+        </p:spPr>
+      </p:pic>
+      <p:sp>
+        <p:nvSpPr>
+          <p:cNvPr id="23" name="Down Arrow 22">
+            <a:extLst>
+              <a:ext uri="{FF2B5EF4-FFF2-40B4-BE49-F238E27FC236}">
+                <a16:creationId xmlns:a16="http://schemas.microsoft.com/office/drawing/2014/main" id="{CB61C933-AD36-314B-A39C-B3D845A4A4FF}"/>
+              </a:ext>
+            </a:extLst>
+          </p:cNvPr>
+          <p:cNvSpPr/>
+          <p:nvPr/>
+        </p:nvSpPr>
+        <p:spPr>
+          <a:xfrm rot="2386305">
+            <a:off x="6889040" y="3304041"/>
+            <a:ext cx="355332" cy="1920332"/>
+          </a:xfrm>
+          <a:prstGeom prst="downArrow">
+            <a:avLst/>
+          </a:prstGeom>
+          <a:solidFill>
+            <a:schemeClr val="accent4">
+              <a:lumMod val="60000"/>
+              <a:lumOff val="40000"/>
+            </a:schemeClr>
+          </a:solidFill>
+        </p:spPr>
+        <p:style>
+          <a:lnRef idx="2">
+            <a:schemeClr val="accent1">
+              <a:shade val="50000"/>
+            </a:schemeClr>
+          </a:lnRef>
+          <a:fillRef idx="1">
+            <a:schemeClr val="accent1"/>
+          </a:fillRef>
+          <a:effectRef idx="0">
+            <a:schemeClr val="accent1"/>
+          </a:effectRef>
+          <a:fontRef idx="minor">
+            <a:schemeClr val="lt1"/>
+          </a:fontRef>
+        </p:style>
+        <p:txBody>
+          <a:bodyPr rtlCol="0" anchor="ctr"/>
+          <a:lstStyle/>
+          <a:p>
+            <a:pPr algn="ctr"/>
+            <a:endParaRPr lang="fr-FR">
+              <a:solidFill>
+                <a:schemeClr val="accent4">
+                  <a:lumMod val="60000"/>
+                  <a:lumOff val="40000"/>
+                </a:schemeClr>
+              </a:solidFill>
+              <a:highlight>
+                <a:srgbClr val="FFFF00"/>
+              </a:highlight>
+            </a:endParaRPr>
+          </a:p>
+        </p:txBody>
+      </p:sp>
+      <p:sp>
+        <p:nvSpPr>
+          <p:cNvPr id="34" name="Down Arrow 33">
+            <a:extLst>
+              <a:ext uri="{FF2B5EF4-FFF2-40B4-BE49-F238E27FC236}">
+                <a16:creationId xmlns:a16="http://schemas.microsoft.com/office/drawing/2014/main" id="{834E8FCE-7517-6A45-8A0F-26DD210BFCFD}"/>
+              </a:ext>
+            </a:extLst>
+          </p:cNvPr>
+          <p:cNvSpPr/>
+          <p:nvPr/>
+        </p:nvSpPr>
+        <p:spPr>
+          <a:xfrm rot="-2400000">
+            <a:off x="8886786" y="3297944"/>
+            <a:ext cx="355332" cy="1970069"/>
+          </a:xfrm>
+          <a:prstGeom prst="downArrow">
+            <a:avLst/>
+          </a:prstGeom>
+          <a:solidFill>
+            <a:schemeClr val="accent4">
+              <a:lumMod val="60000"/>
+              <a:lumOff val="40000"/>
+            </a:schemeClr>
+          </a:solidFill>
+        </p:spPr>
+        <p:style>
+          <a:lnRef idx="2">
+            <a:schemeClr val="accent1">
+              <a:shade val="50000"/>
+            </a:schemeClr>
+          </a:lnRef>
+          <a:fillRef idx="1">
+            <a:schemeClr val="accent1"/>
+          </a:fillRef>
+          <a:effectRef idx="0">
+            <a:schemeClr val="accent1"/>
+          </a:effectRef>
+          <a:fontRef idx="minor">
+            <a:schemeClr val="lt1"/>
+          </a:fontRef>
+        </p:style>
+        <p:txBody>
+          <a:bodyPr rtlCol="0" anchor="ctr"/>
+          <a:lstStyle/>
+          <a:p>
+            <a:pPr algn="ctr"/>
+            <a:endParaRPr lang="fr-FR">
+              <a:solidFill>
+                <a:schemeClr val="accent4">
+                  <a:lumMod val="60000"/>
+                  <a:lumOff val="40000"/>
+                </a:schemeClr>
+              </a:solidFill>
+              <a:highlight>
+                <a:srgbClr val="FFFF00"/>
+              </a:highlight>
+            </a:endParaRPr>
+          </a:p>
+        </p:txBody>
+      </p:sp>
     </p:spTree>
     <p:extLst>
       <p:ext uri="{BB962C8B-B14F-4D97-AF65-F5344CB8AC3E}">
@@ -48237,18 +56097,327 @@
   <p:clrMapOvr>
     <a:masterClrMapping/>
   </p:clrMapOvr>
-  <mc:AlternateContent xmlns:mc="http://schemas.openxmlformats.org/markup-compatibility/2006">
-    <mc:Choice xmlns:p159="http://schemas.microsoft.com/office/powerpoint/2015/09/main" Requires="p159">
+  <mc:AlternateContent xmlns:mc="http://schemas.openxmlformats.org/markup-compatibility/2006" xmlns:p159="http://schemas.microsoft.com/office/powerpoint/2015/09/main">
+    <mc:Choice Requires="p159">
       <p:transition xmlns:p14="http://schemas.microsoft.com/office/powerpoint/2010/main" spd="slow" p14:dur="2000">
         <p159:morph option="byObject"/>
       </p:transition>
     </mc:Choice>
-    <mc:Fallback>
+    <mc:Fallback xmlns="">
       <p:transition spd="slow">
         <p:fade/>
       </p:transition>
     </mc:Fallback>
   </mc:AlternateContent>
+  <p:timing>
+    <p:tnLst>
+      <p:par>
+        <p:cTn id="1" dur="indefinite" restart="never" nodeType="tmRoot">
+          <p:childTnLst>
+            <p:seq concurrent="1" nextAc="seek">
+              <p:cTn id="2" dur="indefinite" nodeType="mainSeq">
+                <p:childTnLst>
+                  <p:par>
+                    <p:cTn id="3" fill="hold">
+                      <p:stCondLst>
+                        <p:cond delay="indefinite"/>
+                      </p:stCondLst>
+                      <p:childTnLst>
+                        <p:par>
+                          <p:cTn id="4" fill="hold">
+                            <p:stCondLst>
+                              <p:cond delay="0"/>
+                            </p:stCondLst>
+                            <p:childTnLst>
+                              <p:par>
+                                <p:cTn id="5" presetID="1" presetClass="entr" presetSubtype="0" fill="hold" grpId="0" nodeType="clickEffect">
+                                  <p:stCondLst>
+                                    <p:cond delay="0"/>
+                                  </p:stCondLst>
+                                  <p:childTnLst>
+                                    <p:set>
+                                      <p:cBhvr>
+                                        <p:cTn id="6" dur="1" fill="hold">
+                                          <p:stCondLst>
+                                            <p:cond delay="0"/>
+                                          </p:stCondLst>
+                                        </p:cTn>
+                                        <p:tgtEl>
+                                          <p:spTgt spid="15"/>
+                                        </p:tgtEl>
+                                        <p:attrNameLst>
+                                          <p:attrName>style.visibility</p:attrName>
+                                        </p:attrNameLst>
+                                      </p:cBhvr>
+                                      <p:to>
+                                        <p:strVal val="visible"/>
+                                      </p:to>
+                                    </p:set>
+                                  </p:childTnLst>
+                                </p:cTn>
+                              </p:par>
+                            </p:childTnLst>
+                          </p:cTn>
+                        </p:par>
+                      </p:childTnLst>
+                    </p:cTn>
+                  </p:par>
+                  <p:par>
+                    <p:cTn id="7" fill="hold">
+                      <p:stCondLst>
+                        <p:cond delay="indefinite"/>
+                      </p:stCondLst>
+                      <p:childTnLst>
+                        <p:par>
+                          <p:cTn id="8" fill="hold">
+                            <p:stCondLst>
+                              <p:cond delay="0"/>
+                            </p:stCondLst>
+                            <p:childTnLst>
+                              <p:par>
+                                <p:cTn id="9" presetID="18" presetClass="entr" presetSubtype="12" fill="hold" nodeType="clickEffect">
+                                  <p:stCondLst>
+                                    <p:cond delay="0"/>
+                                  </p:stCondLst>
+                                  <p:childTnLst>
+                                    <p:set>
+                                      <p:cBhvr>
+                                        <p:cTn id="10" dur="1" fill="hold">
+                                          <p:stCondLst>
+                                            <p:cond delay="0"/>
+                                          </p:stCondLst>
+                                        </p:cTn>
+                                        <p:tgtEl>
+                                          <p:spTgt spid="4"/>
+                                        </p:tgtEl>
+                                        <p:attrNameLst>
+                                          <p:attrName>style.visibility</p:attrName>
+                                        </p:attrNameLst>
+                                      </p:cBhvr>
+                                      <p:to>
+                                        <p:strVal val="visible"/>
+                                      </p:to>
+                                    </p:set>
+                                    <p:animEffect transition="in" filter="strips(downLeft)">
+                                      <p:cBhvr>
+                                        <p:cTn id="11" dur="500"/>
+                                        <p:tgtEl>
+                                          <p:spTgt spid="4"/>
+                                        </p:tgtEl>
+                                      </p:cBhvr>
+                                    </p:animEffect>
+                                  </p:childTnLst>
+                                </p:cTn>
+                              </p:par>
+                            </p:childTnLst>
+                          </p:cTn>
+                        </p:par>
+                      </p:childTnLst>
+                    </p:cTn>
+                  </p:par>
+                  <p:par>
+                    <p:cTn id="12" fill="hold">
+                      <p:stCondLst>
+                        <p:cond delay="indefinite"/>
+                      </p:stCondLst>
+                      <p:childTnLst>
+                        <p:par>
+                          <p:cTn id="13" fill="hold">
+                            <p:stCondLst>
+                              <p:cond delay="0"/>
+                            </p:stCondLst>
+                            <p:childTnLst>
+                              <p:par>
+                                <p:cTn id="14" presetID="18" presetClass="entr" presetSubtype="12" fill="hold" grpId="0" nodeType="clickEffect">
+                                  <p:stCondLst>
+                                    <p:cond delay="0"/>
+                                  </p:stCondLst>
+                                  <p:childTnLst>
+                                    <p:set>
+                                      <p:cBhvr>
+                                        <p:cTn id="15" dur="1" fill="hold">
+                                          <p:stCondLst>
+                                            <p:cond delay="0"/>
+                                          </p:stCondLst>
+                                        </p:cTn>
+                                        <p:tgtEl>
+                                          <p:spTgt spid="23"/>
+                                        </p:tgtEl>
+                                        <p:attrNameLst>
+                                          <p:attrName>style.visibility</p:attrName>
+                                        </p:attrNameLst>
+                                      </p:cBhvr>
+                                      <p:to>
+                                        <p:strVal val="visible"/>
+                                      </p:to>
+                                    </p:set>
+                                    <p:animEffect transition="in" filter="strips(downLeft)">
+                                      <p:cBhvr>
+                                        <p:cTn id="16" dur="500"/>
+                                        <p:tgtEl>
+                                          <p:spTgt spid="23"/>
+                                        </p:tgtEl>
+                                      </p:cBhvr>
+                                    </p:animEffect>
+                                  </p:childTnLst>
+                                </p:cTn>
+                              </p:par>
+                              <p:par>
+                                <p:cTn id="17" presetID="18" presetClass="entr" presetSubtype="12" fill="hold" nodeType="withEffect">
+                                  <p:stCondLst>
+                                    <p:cond delay="0"/>
+                                  </p:stCondLst>
+                                  <p:childTnLst>
+                                    <p:set>
+                                      <p:cBhvr>
+                                        <p:cTn id="18" dur="1" fill="hold">
+                                          <p:stCondLst>
+                                            <p:cond delay="0"/>
+                                          </p:stCondLst>
+                                        </p:cTn>
+                                        <p:tgtEl>
+                                          <p:spTgt spid="7"/>
+                                        </p:tgtEl>
+                                        <p:attrNameLst>
+                                          <p:attrName>style.visibility</p:attrName>
+                                        </p:attrNameLst>
+                                      </p:cBhvr>
+                                      <p:to>
+                                        <p:strVal val="visible"/>
+                                      </p:to>
+                                    </p:set>
+                                    <p:animEffect transition="in" filter="strips(downLeft)">
+                                      <p:cBhvr>
+                                        <p:cTn id="19" dur="500"/>
+                                        <p:tgtEl>
+                                          <p:spTgt spid="7"/>
+                                        </p:tgtEl>
+                                      </p:cBhvr>
+                                    </p:animEffect>
+                                  </p:childTnLst>
+                                </p:cTn>
+                              </p:par>
+                            </p:childTnLst>
+                          </p:cTn>
+                        </p:par>
+                      </p:childTnLst>
+                    </p:cTn>
+                  </p:par>
+                  <p:par>
+                    <p:cTn id="20" fill="hold">
+                      <p:stCondLst>
+                        <p:cond delay="indefinite"/>
+                      </p:stCondLst>
+                      <p:childTnLst>
+                        <p:par>
+                          <p:cTn id="21" fill="hold">
+                            <p:stCondLst>
+                              <p:cond delay="0"/>
+                            </p:stCondLst>
+                            <p:childTnLst>
+                              <p:par>
+                                <p:cTn id="22" presetID="18" presetClass="entr" presetSubtype="12" fill="hold" grpId="0" nodeType="clickEffect">
+                                  <p:stCondLst>
+                                    <p:cond delay="0"/>
+                                  </p:stCondLst>
+                                  <p:childTnLst>
+                                    <p:set>
+                                      <p:cBhvr>
+                                        <p:cTn id="23" dur="1" fill="hold">
+                                          <p:stCondLst>
+                                            <p:cond delay="0"/>
+                                          </p:stCondLst>
+                                        </p:cTn>
+                                        <p:tgtEl>
+                                          <p:spTgt spid="34"/>
+                                        </p:tgtEl>
+                                        <p:attrNameLst>
+                                          <p:attrName>style.visibility</p:attrName>
+                                        </p:attrNameLst>
+                                      </p:cBhvr>
+                                      <p:to>
+                                        <p:strVal val="visible"/>
+                                      </p:to>
+                                    </p:set>
+                                    <p:animEffect transition="in" filter="strips(downLeft)">
+                                      <p:cBhvr>
+                                        <p:cTn id="24" dur="500"/>
+                                        <p:tgtEl>
+                                          <p:spTgt spid="34"/>
+                                        </p:tgtEl>
+                                      </p:cBhvr>
+                                    </p:animEffect>
+                                  </p:childTnLst>
+                                </p:cTn>
+                              </p:par>
+                              <p:par>
+                                <p:cTn id="25" presetID="18" presetClass="entr" presetSubtype="12" fill="hold" nodeType="withEffect">
+                                  <p:stCondLst>
+                                    <p:cond delay="0"/>
+                                  </p:stCondLst>
+                                  <p:childTnLst>
+                                    <p:set>
+                                      <p:cBhvr>
+                                        <p:cTn id="26" dur="1" fill="hold">
+                                          <p:stCondLst>
+                                            <p:cond delay="0"/>
+                                          </p:stCondLst>
+                                        </p:cTn>
+                                        <p:tgtEl>
+                                          <p:spTgt spid="11"/>
+                                        </p:tgtEl>
+                                        <p:attrNameLst>
+                                          <p:attrName>style.visibility</p:attrName>
+                                        </p:attrNameLst>
+                                      </p:cBhvr>
+                                      <p:to>
+                                        <p:strVal val="visible"/>
+                                      </p:to>
+                                    </p:set>
+                                    <p:animEffect transition="in" filter="strips(downLeft)">
+                                      <p:cBhvr>
+                                        <p:cTn id="27" dur="500"/>
+                                        <p:tgtEl>
+                                          <p:spTgt spid="11"/>
+                                        </p:tgtEl>
+                                      </p:cBhvr>
+                                    </p:animEffect>
+                                  </p:childTnLst>
+                                </p:cTn>
+                              </p:par>
+                            </p:childTnLst>
+                          </p:cTn>
+                        </p:par>
+                      </p:childTnLst>
+                    </p:cTn>
+                  </p:par>
+                </p:childTnLst>
+              </p:cTn>
+              <p:prevCondLst>
+                <p:cond evt="onPrev" delay="0">
+                  <p:tgtEl>
+                    <p:sldTgt/>
+                  </p:tgtEl>
+                </p:cond>
+              </p:prevCondLst>
+              <p:nextCondLst>
+                <p:cond evt="onNext" delay="0">
+                  <p:tgtEl>
+                    <p:sldTgt/>
+                  </p:tgtEl>
+                </p:cond>
+              </p:nextCondLst>
+            </p:seq>
+          </p:childTnLst>
+        </p:cTn>
+      </p:par>
+    </p:tnLst>
+    <p:bldLst>
+      <p:bldP spid="15" grpId="0"/>
+      <p:bldP spid="23" grpId="0" animBg="1"/>
+      <p:bldP spid="34" grpId="0" animBg="1"/>
+    </p:bldLst>
+  </p:timing>
 </p:sld>
 </file>
 
